--- a/prezentare proiect SDA HOHA.pptx
+++ b/prezentare proiect SDA HOHA.pptx
@@ -65,7 +65,7 @@
         <p:spPr>
           <a:xfrm>
             <a:off x="504000" y="226080"/>
-            <a:ext cx="9069840" cy="944640"/>
+            <a:ext cx="9069480" cy="944280"/>
           </a:xfrm>
           <a:prstGeom prst="rect">
             <a:avLst/>
@@ -80,12 +80,12 @@
             <a:noAutofit/>
           </a:bodyPr>
           <a:p>
-            <a:pPr indent="0">
-              <a:buNone/>
-            </a:pPr>
-            <a:endParaRPr b="0" lang="en-US" sz="1800" spc="-1" strike="noStrike">
-              <a:solidFill>
-                <a:schemeClr val="dk1"/>
+            <a:pPr indent="0" algn="ctr">
+              <a:buNone/>
+            </a:pPr>
+            <a:endParaRPr b="0" lang="en-US" sz="4400" spc="-1" strike="noStrike">
+              <a:solidFill>
+                <a:srgbClr val="000000"/>
               </a:solidFill>
               <a:latin typeface="Arial"/>
             </a:endParaRPr>
@@ -105,7 +105,7 @@
         <p:spPr>
           <a:xfrm>
             <a:off x="504000" y="1326600"/>
-            <a:ext cx="9070560" cy="3287160"/>
+            <a:ext cx="9070200" cy="3286800"/>
           </a:xfrm>
           <a:prstGeom prst="rect">
             <a:avLst/>
@@ -126,9 +126,9 @@
               </a:spcBef>
               <a:buNone/>
             </a:pPr>
-            <a:endParaRPr b="0" lang="en-US" sz="1800" spc="-1" strike="noStrike">
-              <a:solidFill>
-                <a:schemeClr val="dk1"/>
+            <a:endParaRPr b="0" lang="en-US" sz="3200" spc="-1" strike="noStrike">
+              <a:solidFill>
+                <a:srgbClr val="000000"/>
               </a:solidFill>
               <a:latin typeface="Arial"/>
             </a:endParaRPr>
@@ -169,7 +169,7 @@
         <p:txBody>
           <a:bodyPr/>
           <a:p>
-            <a:fld id="{3B856B5A-E825-4084-A40B-3EE15AA26793}" type="slidenum">
+            <a:fld id="{CAB01C25-56D9-40D5-91E6-2C5F8844DC9D}" type="slidenum">
               <a:t>&lt;#&gt;</a:t>
             </a:fld>
           </a:p>
@@ -231,7 +231,7 @@
         <p:spPr>
           <a:xfrm>
             <a:off x="504000" y="226080"/>
-            <a:ext cx="9069840" cy="944640"/>
+            <a:ext cx="9069480" cy="944280"/>
           </a:xfrm>
           <a:prstGeom prst="rect">
             <a:avLst/>
@@ -246,12 +246,12 @@
             <a:noAutofit/>
           </a:bodyPr>
           <a:p>
-            <a:pPr indent="0">
-              <a:buNone/>
-            </a:pPr>
-            <a:endParaRPr b="0" lang="en-US" sz="1800" spc="-1" strike="noStrike">
-              <a:solidFill>
-                <a:schemeClr val="dk1"/>
+            <a:pPr indent="0" algn="ctr">
+              <a:buNone/>
+            </a:pPr>
+            <a:endParaRPr b="0" lang="en-US" sz="4400" spc="-1" strike="noStrike">
+              <a:solidFill>
+                <a:srgbClr val="000000"/>
               </a:solidFill>
               <a:latin typeface="Arial"/>
             </a:endParaRPr>
@@ -271,7 +271,7 @@
         <p:spPr>
           <a:xfrm>
             <a:off x="504000" y="1326600"/>
-            <a:ext cx="9070560" cy="3287160"/>
+            <a:ext cx="9070200" cy="3286800"/>
           </a:xfrm>
           <a:prstGeom prst="rect">
             <a:avLst/>
@@ -332,7 +332,7 @@
         <p:txBody>
           <a:bodyPr/>
           <a:p>
-            <a:fld id="{A5ADD80C-FC88-4DAF-A3F7-7E3F2E7EA00F}" type="slidenum">
+            <a:fld id="{6C2A7B84-9709-4DE0-A355-7D8DDF01FA96}" type="slidenum">
               <a:t>&lt;#&gt;</a:t>
             </a:fld>
           </a:p>
@@ -394,7 +394,7 @@
         <p:spPr>
           <a:xfrm>
             <a:off x="504000" y="226080"/>
-            <a:ext cx="9069840" cy="944640"/>
+            <a:ext cx="9069480" cy="944280"/>
           </a:xfrm>
           <a:prstGeom prst="rect">
             <a:avLst/>
@@ -409,12 +409,12 @@
             <a:noAutofit/>
           </a:bodyPr>
           <a:p>
-            <a:pPr indent="0">
-              <a:buNone/>
-            </a:pPr>
-            <a:endParaRPr b="0" lang="en-US" sz="1800" spc="-1" strike="noStrike">
-              <a:solidFill>
-                <a:schemeClr val="dk1"/>
+            <a:pPr indent="0" algn="ctr">
+              <a:buNone/>
+            </a:pPr>
+            <a:endParaRPr b="0" lang="en-US" sz="4400" spc="-1" strike="noStrike">
+              <a:solidFill>
+                <a:srgbClr val="000000"/>
               </a:solidFill>
               <a:latin typeface="Arial"/>
             </a:endParaRPr>
@@ -434,7 +434,7 @@
         <p:spPr>
           <a:xfrm>
             <a:off x="504000" y="1326600"/>
-            <a:ext cx="9070560" cy="3287160"/>
+            <a:ext cx="9070200" cy="3286800"/>
           </a:xfrm>
           <a:prstGeom prst="rect">
             <a:avLst/>
@@ -455,9 +455,9 @@
               </a:spcBef>
               <a:buNone/>
             </a:pPr>
-            <a:endParaRPr b="0" lang="en-US" sz="1800" spc="-1" strike="noStrike">
-              <a:solidFill>
-                <a:schemeClr val="dk1"/>
+            <a:endParaRPr b="0" lang="en-US" sz="3200" spc="-1" strike="noStrike">
+              <a:solidFill>
+                <a:srgbClr val="000000"/>
               </a:solidFill>
               <a:latin typeface="Arial"/>
             </a:endParaRPr>
@@ -498,7 +498,7 @@
         <p:txBody>
           <a:bodyPr/>
           <a:p>
-            <a:fld id="{5A999258-F8A4-48F3-9F06-86FF63408B36}" type="slidenum">
+            <a:fld id="{2A61D553-D17E-4A37-97DB-A4D59A34F207}" type="slidenum">
               <a:t>&lt;#&gt;</a:t>
             </a:fld>
           </a:p>
@@ -560,7 +560,7 @@
         <p:spPr>
           <a:xfrm>
             <a:off x="504000" y="226080"/>
-            <a:ext cx="9069840" cy="944640"/>
+            <a:ext cx="9069480" cy="944280"/>
           </a:xfrm>
           <a:prstGeom prst="rect">
             <a:avLst/>
@@ -575,12 +575,12 @@
             <a:noAutofit/>
           </a:bodyPr>
           <a:p>
-            <a:pPr indent="0">
-              <a:buNone/>
-            </a:pPr>
-            <a:endParaRPr b="0" lang="en-US" sz="1800" spc="-1" strike="noStrike">
-              <a:solidFill>
-                <a:schemeClr val="dk1"/>
+            <a:pPr indent="0" algn="ctr">
+              <a:buNone/>
+            </a:pPr>
+            <a:endParaRPr b="0" lang="en-US" sz="4400" spc="-1" strike="noStrike">
+              <a:solidFill>
+                <a:srgbClr val="000000"/>
               </a:solidFill>
               <a:latin typeface="Arial"/>
             </a:endParaRPr>
@@ -600,7 +600,7 @@
         <p:spPr>
           <a:xfrm>
             <a:off x="504000" y="1326600"/>
-            <a:ext cx="9070560" cy="3287160"/>
+            <a:ext cx="9070200" cy="3286800"/>
           </a:xfrm>
           <a:prstGeom prst="rect">
             <a:avLst/>
@@ -621,9 +621,9 @@
               </a:spcBef>
               <a:buNone/>
             </a:pPr>
-            <a:endParaRPr b="0" lang="en-US" sz="1800" spc="-1" strike="noStrike">
-              <a:solidFill>
-                <a:schemeClr val="dk1"/>
+            <a:endParaRPr b="0" lang="en-US" sz="3200" spc="-1" strike="noStrike">
+              <a:solidFill>
+                <a:srgbClr val="000000"/>
               </a:solidFill>
               <a:latin typeface="Arial"/>
             </a:endParaRPr>
@@ -664,7 +664,7 @@
         <p:txBody>
           <a:bodyPr/>
           <a:p>
-            <a:fld id="{912DE21C-F4A2-44D0-BB01-7B7814305F22}" type="slidenum">
+            <a:fld id="{79CDAC32-12A8-4A6E-8E94-93F540BAEB4A}" type="slidenum">
               <a:t>&lt;#&gt;</a:t>
             </a:fld>
           </a:p>
@@ -726,7 +726,7 @@
         <p:spPr>
           <a:xfrm>
             <a:off x="504000" y="226080"/>
-            <a:ext cx="9069840" cy="944640"/>
+            <a:ext cx="9069480" cy="944280"/>
           </a:xfrm>
           <a:prstGeom prst="rect">
             <a:avLst/>
@@ -741,12 +741,12 @@
             <a:noAutofit/>
           </a:bodyPr>
           <a:p>
-            <a:pPr indent="0">
-              <a:buNone/>
-            </a:pPr>
-            <a:endParaRPr b="0" lang="en-US" sz="1800" spc="-1" strike="noStrike">
-              <a:solidFill>
-                <a:schemeClr val="dk1"/>
+            <a:pPr indent="0" algn="ctr">
+              <a:buNone/>
+            </a:pPr>
+            <a:endParaRPr b="0" lang="en-US" sz="4400" spc="-1" strike="noStrike">
+              <a:solidFill>
+                <a:srgbClr val="000000"/>
               </a:solidFill>
               <a:latin typeface="Arial"/>
             </a:endParaRPr>
@@ -766,7 +766,7 @@
         <p:spPr>
           <a:xfrm>
             <a:off x="504000" y="1326600"/>
-            <a:ext cx="9070560" cy="3287160"/>
+            <a:ext cx="9070200" cy="3286800"/>
           </a:xfrm>
           <a:prstGeom prst="rect">
             <a:avLst/>
@@ -787,9 +787,9 @@
               </a:spcBef>
               <a:buNone/>
             </a:pPr>
-            <a:endParaRPr b="0" lang="en-US" sz="1800" spc="-1" strike="noStrike">
-              <a:solidFill>
-                <a:schemeClr val="dk1"/>
+            <a:endParaRPr b="0" lang="en-US" sz="3200" spc="-1" strike="noStrike">
+              <a:solidFill>
+                <a:srgbClr val="000000"/>
               </a:solidFill>
               <a:latin typeface="Arial"/>
             </a:endParaRPr>
@@ -830,7 +830,7 @@
         <p:txBody>
           <a:bodyPr/>
           <a:p>
-            <a:fld id="{823063D4-CDAA-4634-9826-995792C48977}" type="slidenum">
+            <a:fld id="{3F66DC55-390F-44EA-839D-8354053874D8}" type="slidenum">
               <a:t>&lt;#&gt;</a:t>
             </a:fld>
           </a:p>
@@ -892,7 +892,7 @@
         <p:spPr>
           <a:xfrm>
             <a:off x="504000" y="226080"/>
-            <a:ext cx="9069840" cy="944640"/>
+            <a:ext cx="9069480" cy="944280"/>
           </a:xfrm>
           <a:prstGeom prst="rect">
             <a:avLst/>
@@ -907,12 +907,12 @@
             <a:noAutofit/>
           </a:bodyPr>
           <a:p>
-            <a:pPr indent="0">
-              <a:buNone/>
-            </a:pPr>
-            <a:endParaRPr b="0" lang="en-US" sz="1800" spc="-1" strike="noStrike">
-              <a:solidFill>
-                <a:schemeClr val="dk1"/>
+            <a:pPr indent="0" algn="ctr">
+              <a:buNone/>
+            </a:pPr>
+            <a:endParaRPr b="0" lang="en-US" sz="4400" spc="-1" strike="noStrike">
+              <a:solidFill>
+                <a:srgbClr val="000000"/>
               </a:solidFill>
               <a:latin typeface="Arial"/>
             </a:endParaRPr>
@@ -932,7 +932,7 @@
         <p:spPr>
           <a:xfrm>
             <a:off x="504000" y="1326600"/>
-            <a:ext cx="9070560" cy="3287160"/>
+            <a:ext cx="9070200" cy="3286800"/>
           </a:xfrm>
           <a:prstGeom prst="rect">
             <a:avLst/>
@@ -953,9 +953,9 @@
               </a:spcBef>
               <a:buNone/>
             </a:pPr>
-            <a:endParaRPr b="0" lang="en-US" sz="1800" spc="-1" strike="noStrike">
-              <a:solidFill>
-                <a:schemeClr val="dk1"/>
+            <a:endParaRPr b="0" lang="en-US" sz="3200" spc="-1" strike="noStrike">
+              <a:solidFill>
+                <a:srgbClr val="000000"/>
               </a:solidFill>
               <a:latin typeface="Arial"/>
             </a:endParaRPr>
@@ -996,7 +996,7 @@
         <p:txBody>
           <a:bodyPr/>
           <a:p>
-            <a:fld id="{2EE1150E-ECD9-4A40-8E37-16EA3C2DB1B7}" type="slidenum">
+            <a:fld id="{CECCAF39-8AD0-4D9B-A776-B79585AD1C88}" type="slidenum">
               <a:t>&lt;#&gt;</a:t>
             </a:fld>
           </a:p>
@@ -1065,7 +1065,7 @@
         <p:spPr>
           <a:xfrm>
             <a:off x="504000" y="226080"/>
-            <a:ext cx="9069840" cy="944640"/>
+            <a:ext cx="9069480" cy="944280"/>
           </a:xfrm>
           <a:prstGeom prst="rect">
             <a:avLst/>
@@ -1086,7 +1086,7 @@
             <a:r>
               <a:rPr b="0" lang="en-US" sz="1800" spc="-1" strike="noStrike">
                 <a:solidFill>
-                  <a:schemeClr val="dk1"/>
+                  <a:srgbClr val="000000"/>
                 </a:solidFill>
                 <a:latin typeface="Arial"/>
               </a:rPr>
@@ -1094,7 +1094,7 @@
             </a:r>
             <a:endParaRPr b="0" lang="en-US" sz="1800" spc="-1" strike="noStrike">
               <a:solidFill>
-                <a:schemeClr val="dk1"/>
+                <a:srgbClr val="000000"/>
               </a:solidFill>
               <a:latin typeface="Arial"/>
             </a:endParaRPr>
@@ -1114,7 +1114,7 @@
         <p:spPr>
           <a:xfrm>
             <a:off x="504000" y="1326600"/>
-            <a:ext cx="9070560" cy="3287160"/>
+            <a:ext cx="9070200" cy="3286800"/>
           </a:xfrm>
           <a:prstGeom prst="rect">
             <a:avLst/>
@@ -1143,7 +1143,7 @@
             <a:r>
               <a:rPr b="0" lang="en-US" sz="1800" spc="-1" strike="noStrike">
                 <a:solidFill>
-                  <a:schemeClr val="dk1"/>
+                  <a:srgbClr val="000000"/>
                 </a:solidFill>
                 <a:latin typeface="Arial"/>
               </a:rPr>
@@ -1151,7 +1151,7 @@
             </a:r>
             <a:endParaRPr b="0" lang="en-US" sz="1800" spc="-1" strike="noStrike">
               <a:solidFill>
-                <a:schemeClr val="dk1"/>
+                <a:srgbClr val="000000"/>
               </a:solidFill>
               <a:latin typeface="Arial"/>
             </a:endParaRPr>
@@ -1171,7 +1171,7 @@
             <a:r>
               <a:rPr b="0" lang="en-US" sz="1800" spc="-1" strike="noStrike">
                 <a:solidFill>
-                  <a:schemeClr val="dk1"/>
+                  <a:srgbClr val="000000"/>
                 </a:solidFill>
                 <a:latin typeface="Arial"/>
               </a:rPr>
@@ -1179,7 +1179,7 @@
             </a:r>
             <a:endParaRPr b="0" lang="en-US" sz="1800" spc="-1" strike="noStrike">
               <a:solidFill>
-                <a:schemeClr val="dk1"/>
+                <a:srgbClr val="000000"/>
               </a:solidFill>
               <a:latin typeface="Arial"/>
             </a:endParaRPr>
@@ -1199,7 +1199,7 @@
             <a:r>
               <a:rPr b="0" lang="en-US" sz="1800" spc="-1" strike="noStrike">
                 <a:solidFill>
-                  <a:schemeClr val="dk1"/>
+                  <a:srgbClr val="000000"/>
                 </a:solidFill>
                 <a:latin typeface="Arial"/>
               </a:rPr>
@@ -1207,7 +1207,7 @@
             </a:r>
             <a:endParaRPr b="0" lang="en-US" sz="1800" spc="-1" strike="noStrike">
               <a:solidFill>
-                <a:schemeClr val="dk1"/>
+                <a:srgbClr val="000000"/>
               </a:solidFill>
               <a:latin typeface="Arial"/>
             </a:endParaRPr>
@@ -1227,7 +1227,7 @@
             <a:r>
               <a:rPr b="0" lang="en-US" sz="1800" spc="-1" strike="noStrike">
                 <a:solidFill>
-                  <a:schemeClr val="dk1"/>
+                  <a:srgbClr val="000000"/>
                 </a:solidFill>
                 <a:latin typeface="Arial"/>
               </a:rPr>
@@ -1235,7 +1235,7 @@
             </a:r>
             <a:endParaRPr b="0" lang="en-US" sz="1800" spc="-1" strike="noStrike">
               <a:solidFill>
-                <a:schemeClr val="dk1"/>
+                <a:srgbClr val="000000"/>
               </a:solidFill>
               <a:latin typeface="Arial"/>
             </a:endParaRPr>
@@ -1255,7 +1255,7 @@
             <a:r>
               <a:rPr b="0" lang="en-US" sz="1800" spc="-1" strike="noStrike">
                 <a:solidFill>
-                  <a:schemeClr val="dk1"/>
+                  <a:srgbClr val="000000"/>
                 </a:solidFill>
                 <a:latin typeface="Arial"/>
               </a:rPr>
@@ -1263,7 +1263,7 @@
             </a:r>
             <a:endParaRPr b="0" lang="en-US" sz="1800" spc="-1" strike="noStrike">
               <a:solidFill>
-                <a:schemeClr val="dk1"/>
+                <a:srgbClr val="000000"/>
               </a:solidFill>
               <a:latin typeface="Arial"/>
             </a:endParaRPr>
@@ -1283,7 +1283,7 @@
             <a:r>
               <a:rPr b="0" lang="en-US" sz="1800" spc="-1" strike="noStrike">
                 <a:solidFill>
-                  <a:schemeClr val="dk1"/>
+                  <a:srgbClr val="000000"/>
                 </a:solidFill>
                 <a:latin typeface="Arial"/>
               </a:rPr>
@@ -1291,7 +1291,7 @@
             </a:r>
             <a:endParaRPr b="0" lang="en-US" sz="1800" spc="-1" strike="noStrike">
               <a:solidFill>
-                <a:schemeClr val="dk1"/>
+                <a:srgbClr val="000000"/>
               </a:solidFill>
               <a:latin typeface="Arial"/>
             </a:endParaRPr>
@@ -1311,7 +1311,7 @@
             <a:r>
               <a:rPr b="0" lang="en-US" sz="1800" spc="-1" strike="noStrike">
                 <a:solidFill>
-                  <a:schemeClr val="dk1"/>
+                  <a:srgbClr val="000000"/>
                 </a:solidFill>
                 <a:latin typeface="Arial"/>
               </a:rPr>
@@ -1319,7 +1319,7 @@
             </a:r>
             <a:endParaRPr b="0" lang="en-US" sz="1800" spc="-1" strike="noStrike">
               <a:solidFill>
-                <a:schemeClr val="dk1"/>
+                <a:srgbClr val="000000"/>
               </a:solidFill>
               <a:latin typeface="Arial"/>
             </a:endParaRPr>
@@ -1339,7 +1339,7 @@
         <p:spPr>
           <a:xfrm>
             <a:off x="3447360" y="5165280"/>
-            <a:ext cx="3193200" cy="388800"/>
+            <a:ext cx="3192840" cy="388440"/>
           </a:xfrm>
           <a:prstGeom prst="rect">
             <a:avLst/>
@@ -1413,7 +1413,7 @@
         <p:spPr>
           <a:xfrm>
             <a:off x="7227360" y="5165280"/>
-            <a:ext cx="2346480" cy="388800"/>
+            <a:ext cx="2346120" cy="388440"/>
           </a:xfrm>
           <a:prstGeom prst="rect">
             <a:avLst/>
@@ -1455,7 +1455,7 @@
                 <a:tab algn="l" pos="0"/>
               </a:tabLst>
             </a:pPr>
-            <a:fld id="{D5BED265-4399-46FF-B078-A3688B564AF7}" type="slidenum">
+            <a:fld id="{7C8952BF-5902-4EA0-BDDC-3DD82468D626}" type="slidenum">
               <a:rPr b="0" lang="en-US" sz="1400" spc="-1" strike="noStrike">
                 <a:solidFill>
                   <a:srgbClr val="000000"/>
@@ -1487,7 +1487,7 @@
         <p:spPr>
           <a:xfrm>
             <a:off x="504000" y="5165280"/>
-            <a:ext cx="2346480" cy="388800"/>
+            <a:ext cx="2346120" cy="388440"/>
           </a:xfrm>
           <a:prstGeom prst="rect">
             <a:avLst/>
@@ -1580,7 +1580,7 @@
         <p:spPr>
           <a:xfrm>
             <a:off x="504000" y="226080"/>
-            <a:ext cx="9069840" cy="944640"/>
+            <a:ext cx="9069480" cy="944280"/>
           </a:xfrm>
           <a:prstGeom prst="rect">
             <a:avLst/>
@@ -1601,7 +1601,7 @@
             <a:r>
               <a:rPr b="0" lang="en-US" sz="1800" spc="-1" strike="noStrike">
                 <a:solidFill>
-                  <a:schemeClr val="dk1"/>
+                  <a:srgbClr val="000000"/>
                 </a:solidFill>
                 <a:latin typeface="Arial"/>
               </a:rPr>
@@ -1609,7 +1609,7 @@
             </a:r>
             <a:endParaRPr b="0" lang="en-US" sz="1800" spc="-1" strike="noStrike">
               <a:solidFill>
-                <a:schemeClr val="dk1"/>
+                <a:srgbClr val="000000"/>
               </a:solidFill>
               <a:latin typeface="Arial"/>
             </a:endParaRPr>
@@ -1629,7 +1629,7 @@
         <p:spPr>
           <a:xfrm>
             <a:off x="3447360" y="5165280"/>
-            <a:ext cx="3193200" cy="388800"/>
+            <a:ext cx="3192840" cy="388440"/>
           </a:xfrm>
           <a:prstGeom prst="rect">
             <a:avLst/>
@@ -1703,7 +1703,7 @@
         <p:spPr>
           <a:xfrm>
             <a:off x="7227360" y="5165280"/>
-            <a:ext cx="2346480" cy="388800"/>
+            <a:ext cx="2346120" cy="388440"/>
           </a:xfrm>
           <a:prstGeom prst="rect">
             <a:avLst/>
@@ -1745,7 +1745,7 @@
                 <a:tab algn="l" pos="0"/>
               </a:tabLst>
             </a:pPr>
-            <a:fld id="{1E244A85-2D94-40A0-8327-156C27764C5D}" type="slidenum">
+            <a:fld id="{F565F63E-9E40-4F41-B15F-1D40B49EEB26}" type="slidenum">
               <a:rPr b="0" lang="en-US" sz="1400" spc="-1" strike="noStrike">
                 <a:solidFill>
                   <a:srgbClr val="000000"/>
@@ -1777,7 +1777,7 @@
         <p:spPr>
           <a:xfrm>
             <a:off x="504000" y="5165280"/>
-            <a:ext cx="2346480" cy="388800"/>
+            <a:ext cx="2346120" cy="388440"/>
           </a:xfrm>
           <a:prstGeom prst="rect">
             <a:avLst/>
@@ -1864,17 +1864,17 @@
               <a:buChar char=""/>
             </a:pPr>
             <a:r>
-              <a:rPr b="0" lang="en-US" sz="1800" spc="-1" strike="noStrike">
-                <a:solidFill>
-                  <a:schemeClr val="dk1"/>
+              <a:rPr b="0" lang="en-US" sz="3200" spc="-1" strike="noStrike">
+                <a:solidFill>
+                  <a:srgbClr val="000000"/>
                 </a:solidFill>
                 <a:latin typeface="Arial"/>
               </a:rPr>
               <a:t>Click to edit the outline text format</a:t>
             </a:r>
-            <a:endParaRPr b="0" lang="en-US" sz="1800" spc="-1" strike="noStrike">
-              <a:solidFill>
-                <a:schemeClr val="dk1"/>
+            <a:endParaRPr b="0" lang="en-US" sz="3200" spc="-1" strike="noStrike">
+              <a:solidFill>
+                <a:srgbClr val="000000"/>
               </a:solidFill>
               <a:latin typeface="Arial"/>
             </a:endParaRPr>
@@ -1892,17 +1892,17 @@
               <a:buChar char=""/>
             </a:pPr>
             <a:r>
-              <a:rPr b="0" lang="en-US" sz="1800" spc="-1" strike="noStrike">
-                <a:solidFill>
-                  <a:schemeClr val="dk1"/>
+              <a:rPr b="0" lang="en-US" sz="2800" spc="-1" strike="noStrike">
+                <a:solidFill>
+                  <a:srgbClr val="000000"/>
                 </a:solidFill>
                 <a:latin typeface="Arial"/>
               </a:rPr>
               <a:t>Second Outline Level</a:t>
             </a:r>
-            <a:endParaRPr b="0" lang="en-US" sz="1800" spc="-1" strike="noStrike">
-              <a:solidFill>
-                <a:schemeClr val="dk1"/>
+            <a:endParaRPr b="0" lang="en-US" sz="2800" spc="-1" strike="noStrike">
+              <a:solidFill>
+                <a:srgbClr val="000000"/>
               </a:solidFill>
               <a:latin typeface="Arial"/>
             </a:endParaRPr>
@@ -1920,17 +1920,17 @@
               <a:buChar char=""/>
             </a:pPr>
             <a:r>
-              <a:rPr b="0" lang="en-US" sz="1800" spc="-1" strike="noStrike">
-                <a:solidFill>
-                  <a:schemeClr val="dk1"/>
+              <a:rPr b="0" lang="en-US" sz="2400" spc="-1" strike="noStrike">
+                <a:solidFill>
+                  <a:srgbClr val="000000"/>
                 </a:solidFill>
                 <a:latin typeface="Arial"/>
               </a:rPr>
               <a:t>Third Outline Level</a:t>
             </a:r>
-            <a:endParaRPr b="0" lang="en-US" sz="1800" spc="-1" strike="noStrike">
-              <a:solidFill>
-                <a:schemeClr val="dk1"/>
+            <a:endParaRPr b="0" lang="en-US" sz="2400" spc="-1" strike="noStrike">
+              <a:solidFill>
+                <a:srgbClr val="000000"/>
               </a:solidFill>
               <a:latin typeface="Arial"/>
             </a:endParaRPr>
@@ -1948,17 +1948,17 @@
               <a:buChar char=""/>
             </a:pPr>
             <a:r>
-              <a:rPr b="0" lang="en-US" sz="1800" spc="-1" strike="noStrike">
-                <a:solidFill>
-                  <a:schemeClr val="dk1"/>
+              <a:rPr b="0" lang="en-US" sz="2000" spc="-1" strike="noStrike">
+                <a:solidFill>
+                  <a:srgbClr val="000000"/>
                 </a:solidFill>
                 <a:latin typeface="Arial"/>
               </a:rPr>
               <a:t>Fourth Outline Level</a:t>
             </a:r>
-            <a:endParaRPr b="0" lang="en-US" sz="1800" spc="-1" strike="noStrike">
-              <a:solidFill>
-                <a:schemeClr val="dk1"/>
+            <a:endParaRPr b="0" lang="en-US" sz="2000" spc="-1" strike="noStrike">
+              <a:solidFill>
+                <a:srgbClr val="000000"/>
               </a:solidFill>
               <a:latin typeface="Arial"/>
             </a:endParaRPr>
@@ -1978,7 +1978,7 @@
             <a:r>
               <a:rPr b="0" lang="en-US" sz="2000" spc="-1" strike="noStrike">
                 <a:solidFill>
-                  <a:schemeClr val="dk1"/>
+                  <a:srgbClr val="000000"/>
                 </a:solidFill>
                 <a:latin typeface="Arial"/>
               </a:rPr>
@@ -1986,7 +1986,7 @@
             </a:r>
             <a:endParaRPr b="0" lang="en-US" sz="2000" spc="-1" strike="noStrike">
               <a:solidFill>
-                <a:schemeClr val="dk1"/>
+                <a:srgbClr val="000000"/>
               </a:solidFill>
               <a:latin typeface="Arial"/>
             </a:endParaRPr>
@@ -2006,7 +2006,7 @@
             <a:r>
               <a:rPr b="0" lang="en-US" sz="2000" spc="-1" strike="noStrike">
                 <a:solidFill>
-                  <a:schemeClr val="dk1"/>
+                  <a:srgbClr val="000000"/>
                 </a:solidFill>
                 <a:latin typeface="Arial"/>
               </a:rPr>
@@ -2014,7 +2014,7 @@
             </a:r>
             <a:endParaRPr b="0" lang="en-US" sz="2000" spc="-1" strike="noStrike">
               <a:solidFill>
-                <a:schemeClr val="dk1"/>
+                <a:srgbClr val="000000"/>
               </a:solidFill>
               <a:latin typeface="Arial"/>
             </a:endParaRPr>
@@ -2034,7 +2034,7 @@
             <a:r>
               <a:rPr b="0" lang="en-US" sz="2000" spc="-1" strike="noStrike">
                 <a:solidFill>
-                  <a:schemeClr val="dk1"/>
+                  <a:srgbClr val="000000"/>
                 </a:solidFill>
                 <a:latin typeface="Arial"/>
               </a:rPr>
@@ -2042,7 +2042,7 @@
             </a:r>
             <a:endParaRPr b="0" lang="en-US" sz="2000" spc="-1" strike="noStrike">
               <a:solidFill>
-                <a:schemeClr val="dk1"/>
+                <a:srgbClr val="000000"/>
               </a:solidFill>
               <a:latin typeface="Arial"/>
             </a:endParaRPr>
@@ -2095,7 +2095,7 @@
         <p:spPr>
           <a:xfrm>
             <a:off x="504000" y="226080"/>
-            <a:ext cx="9069840" cy="944640"/>
+            <a:ext cx="9069480" cy="944280"/>
           </a:xfrm>
           <a:prstGeom prst="rect">
             <a:avLst/>
@@ -2116,7 +2116,7 @@
             <a:r>
               <a:rPr b="0" lang="en-US" sz="1800" spc="-1" strike="noStrike">
                 <a:solidFill>
-                  <a:schemeClr val="dk1"/>
+                  <a:srgbClr val="000000"/>
                 </a:solidFill>
                 <a:latin typeface="Arial"/>
               </a:rPr>
@@ -2124,7 +2124,7 @@
             </a:r>
             <a:endParaRPr b="0" lang="en-US" sz="1800" spc="-1" strike="noStrike">
               <a:solidFill>
-                <a:schemeClr val="dk1"/>
+                <a:srgbClr val="000000"/>
               </a:solidFill>
               <a:latin typeface="Arial"/>
             </a:endParaRPr>
@@ -2144,7 +2144,7 @@
         <p:spPr>
           <a:xfrm>
             <a:off x="504000" y="1326600"/>
-            <a:ext cx="9070560" cy="3287160"/>
+            <a:ext cx="9070200" cy="3286800"/>
           </a:xfrm>
           <a:prstGeom prst="rect">
             <a:avLst/>
@@ -2173,7 +2173,7 @@
             <a:r>
               <a:rPr b="0" lang="en-US" sz="1800" spc="-1" strike="noStrike">
                 <a:solidFill>
-                  <a:schemeClr val="dk1"/>
+                  <a:srgbClr val="000000"/>
                 </a:solidFill>
                 <a:latin typeface="Arial"/>
               </a:rPr>
@@ -2181,7 +2181,7 @@
             </a:r>
             <a:endParaRPr b="0" lang="en-US" sz="1800" spc="-1" strike="noStrike">
               <a:solidFill>
-                <a:schemeClr val="dk1"/>
+                <a:srgbClr val="000000"/>
               </a:solidFill>
               <a:latin typeface="Arial"/>
             </a:endParaRPr>
@@ -2201,7 +2201,7 @@
             <a:r>
               <a:rPr b="0" lang="en-US" sz="1800" spc="-1" strike="noStrike">
                 <a:solidFill>
-                  <a:schemeClr val="dk1"/>
+                  <a:srgbClr val="000000"/>
                 </a:solidFill>
                 <a:latin typeface="Arial"/>
               </a:rPr>
@@ -2209,7 +2209,7 @@
             </a:r>
             <a:endParaRPr b="0" lang="en-US" sz="1800" spc="-1" strike="noStrike">
               <a:solidFill>
-                <a:schemeClr val="dk1"/>
+                <a:srgbClr val="000000"/>
               </a:solidFill>
               <a:latin typeface="Arial"/>
             </a:endParaRPr>
@@ -2229,7 +2229,7 @@
             <a:r>
               <a:rPr b="0" lang="en-US" sz="1800" spc="-1" strike="noStrike">
                 <a:solidFill>
-                  <a:schemeClr val="dk1"/>
+                  <a:srgbClr val="000000"/>
                 </a:solidFill>
                 <a:latin typeface="Arial"/>
               </a:rPr>
@@ -2237,7 +2237,7 @@
             </a:r>
             <a:endParaRPr b="0" lang="en-US" sz="1800" spc="-1" strike="noStrike">
               <a:solidFill>
-                <a:schemeClr val="dk1"/>
+                <a:srgbClr val="000000"/>
               </a:solidFill>
               <a:latin typeface="Arial"/>
             </a:endParaRPr>
@@ -2257,7 +2257,7 @@
             <a:r>
               <a:rPr b="0" lang="en-US" sz="1800" spc="-1" strike="noStrike">
                 <a:solidFill>
-                  <a:schemeClr val="dk1"/>
+                  <a:srgbClr val="000000"/>
                 </a:solidFill>
                 <a:latin typeface="Arial"/>
               </a:rPr>
@@ -2265,7 +2265,7 @@
             </a:r>
             <a:endParaRPr b="0" lang="en-US" sz="1800" spc="-1" strike="noStrike">
               <a:solidFill>
-                <a:schemeClr val="dk1"/>
+                <a:srgbClr val="000000"/>
               </a:solidFill>
               <a:latin typeface="Arial"/>
             </a:endParaRPr>
@@ -2285,7 +2285,7 @@
             <a:r>
               <a:rPr b="0" lang="en-US" sz="1800" spc="-1" strike="noStrike">
                 <a:solidFill>
-                  <a:schemeClr val="dk1"/>
+                  <a:srgbClr val="000000"/>
                 </a:solidFill>
                 <a:latin typeface="Arial"/>
               </a:rPr>
@@ -2293,7 +2293,7 @@
             </a:r>
             <a:endParaRPr b="0" lang="en-US" sz="1800" spc="-1" strike="noStrike">
               <a:solidFill>
-                <a:schemeClr val="dk1"/>
+                <a:srgbClr val="000000"/>
               </a:solidFill>
               <a:latin typeface="Arial"/>
             </a:endParaRPr>
@@ -2313,7 +2313,7 @@
             <a:r>
               <a:rPr b="0" lang="en-US" sz="1800" spc="-1" strike="noStrike">
                 <a:solidFill>
-                  <a:schemeClr val="dk1"/>
+                  <a:srgbClr val="000000"/>
                 </a:solidFill>
                 <a:latin typeface="Arial"/>
               </a:rPr>
@@ -2321,7 +2321,7 @@
             </a:r>
             <a:endParaRPr b="0" lang="en-US" sz="1800" spc="-1" strike="noStrike">
               <a:solidFill>
-                <a:schemeClr val="dk1"/>
+                <a:srgbClr val="000000"/>
               </a:solidFill>
               <a:latin typeface="Arial"/>
             </a:endParaRPr>
@@ -2341,7 +2341,7 @@
             <a:r>
               <a:rPr b="0" lang="en-US" sz="1800" spc="-1" strike="noStrike">
                 <a:solidFill>
-                  <a:schemeClr val="dk1"/>
+                  <a:srgbClr val="000000"/>
                 </a:solidFill>
                 <a:latin typeface="Arial"/>
               </a:rPr>
@@ -2349,7 +2349,7 @@
             </a:r>
             <a:endParaRPr b="0" lang="en-US" sz="1800" spc="-1" strike="noStrike">
               <a:solidFill>
-                <a:schemeClr val="dk1"/>
+                <a:srgbClr val="000000"/>
               </a:solidFill>
               <a:latin typeface="Arial"/>
             </a:endParaRPr>
@@ -2369,7 +2369,7 @@
         <p:spPr>
           <a:xfrm>
             <a:off x="3447360" y="5165280"/>
-            <a:ext cx="3193200" cy="388800"/>
+            <a:ext cx="3192840" cy="388440"/>
           </a:xfrm>
           <a:prstGeom prst="rect">
             <a:avLst/>
@@ -2443,7 +2443,7 @@
         <p:spPr>
           <a:xfrm>
             <a:off x="7227360" y="5165280"/>
-            <a:ext cx="2346480" cy="388800"/>
+            <a:ext cx="2346120" cy="388440"/>
           </a:xfrm>
           <a:prstGeom prst="rect">
             <a:avLst/>
@@ -2485,7 +2485,7 @@
                 <a:tab algn="l" pos="0"/>
               </a:tabLst>
             </a:pPr>
-            <a:fld id="{07C0AB43-A995-4A37-9488-979E3A30C5A7}" type="slidenum">
+            <a:fld id="{7BFB2680-D74C-4456-8BE8-C7304FAAD660}" type="slidenum">
               <a:rPr b="0" lang="en-US" sz="1400" spc="-1" strike="noStrike">
                 <a:solidFill>
                   <a:srgbClr val="000000"/>
@@ -2517,7 +2517,7 @@
         <p:spPr>
           <a:xfrm>
             <a:off x="504000" y="5165280"/>
-            <a:ext cx="2346480" cy="388800"/>
+            <a:ext cx="2346120" cy="388440"/>
           </a:xfrm>
           <a:prstGeom prst="rect">
             <a:avLst/>
@@ -2610,7 +2610,7 @@
         <p:spPr>
           <a:xfrm>
             <a:off x="504000" y="226080"/>
-            <a:ext cx="9069840" cy="944640"/>
+            <a:ext cx="9069480" cy="944280"/>
           </a:xfrm>
           <a:prstGeom prst="rect">
             <a:avLst/>
@@ -2631,7 +2631,7 @@
             <a:r>
               <a:rPr b="0" lang="en-US" sz="1800" spc="-1" strike="noStrike">
                 <a:solidFill>
-                  <a:schemeClr val="dk1"/>
+                  <a:srgbClr val="000000"/>
                 </a:solidFill>
                 <a:latin typeface="Arial"/>
               </a:rPr>
@@ -2639,7 +2639,7 @@
             </a:r>
             <a:endParaRPr b="0" lang="en-US" sz="1800" spc="-1" strike="noStrike">
               <a:solidFill>
-                <a:schemeClr val="dk1"/>
+                <a:srgbClr val="000000"/>
               </a:solidFill>
               <a:latin typeface="Arial"/>
             </a:endParaRPr>
@@ -2659,7 +2659,7 @@
         <p:spPr>
           <a:xfrm>
             <a:off x="504000" y="1326600"/>
-            <a:ext cx="9070560" cy="3287160"/>
+            <a:ext cx="9070200" cy="3286800"/>
           </a:xfrm>
           <a:prstGeom prst="rect">
             <a:avLst/>
@@ -2688,7 +2688,7 @@
             <a:r>
               <a:rPr b="0" lang="en-US" sz="1800" spc="-1" strike="noStrike">
                 <a:solidFill>
-                  <a:schemeClr val="dk1"/>
+                  <a:srgbClr val="000000"/>
                 </a:solidFill>
                 <a:latin typeface="Arial"/>
               </a:rPr>
@@ -2696,7 +2696,7 @@
             </a:r>
             <a:endParaRPr b="0" lang="en-US" sz="1800" spc="-1" strike="noStrike">
               <a:solidFill>
-                <a:schemeClr val="dk1"/>
+                <a:srgbClr val="000000"/>
               </a:solidFill>
               <a:latin typeface="Arial"/>
             </a:endParaRPr>
@@ -2716,7 +2716,7 @@
             <a:r>
               <a:rPr b="0" lang="en-US" sz="1800" spc="-1" strike="noStrike">
                 <a:solidFill>
-                  <a:schemeClr val="dk1"/>
+                  <a:srgbClr val="000000"/>
                 </a:solidFill>
                 <a:latin typeface="Arial"/>
               </a:rPr>
@@ -2724,7 +2724,7 @@
             </a:r>
             <a:endParaRPr b="0" lang="en-US" sz="1800" spc="-1" strike="noStrike">
               <a:solidFill>
-                <a:schemeClr val="dk1"/>
+                <a:srgbClr val="000000"/>
               </a:solidFill>
               <a:latin typeface="Arial"/>
             </a:endParaRPr>
@@ -2744,7 +2744,7 @@
             <a:r>
               <a:rPr b="0" lang="en-US" sz="1800" spc="-1" strike="noStrike">
                 <a:solidFill>
-                  <a:schemeClr val="dk1"/>
+                  <a:srgbClr val="000000"/>
                 </a:solidFill>
                 <a:latin typeface="Arial"/>
               </a:rPr>
@@ -2752,7 +2752,7 @@
             </a:r>
             <a:endParaRPr b="0" lang="en-US" sz="1800" spc="-1" strike="noStrike">
               <a:solidFill>
-                <a:schemeClr val="dk1"/>
+                <a:srgbClr val="000000"/>
               </a:solidFill>
               <a:latin typeface="Arial"/>
             </a:endParaRPr>
@@ -2772,7 +2772,7 @@
             <a:r>
               <a:rPr b="0" lang="en-US" sz="1800" spc="-1" strike="noStrike">
                 <a:solidFill>
-                  <a:schemeClr val="dk1"/>
+                  <a:srgbClr val="000000"/>
                 </a:solidFill>
                 <a:latin typeface="Arial"/>
               </a:rPr>
@@ -2780,7 +2780,7 @@
             </a:r>
             <a:endParaRPr b="0" lang="en-US" sz="1800" spc="-1" strike="noStrike">
               <a:solidFill>
-                <a:schemeClr val="dk1"/>
+                <a:srgbClr val="000000"/>
               </a:solidFill>
               <a:latin typeface="Arial"/>
             </a:endParaRPr>
@@ -2800,7 +2800,7 @@
             <a:r>
               <a:rPr b="0" lang="en-US" sz="1800" spc="-1" strike="noStrike">
                 <a:solidFill>
-                  <a:schemeClr val="dk1"/>
+                  <a:srgbClr val="000000"/>
                 </a:solidFill>
                 <a:latin typeface="Arial"/>
               </a:rPr>
@@ -2808,7 +2808,7 @@
             </a:r>
             <a:endParaRPr b="0" lang="en-US" sz="1800" spc="-1" strike="noStrike">
               <a:solidFill>
-                <a:schemeClr val="dk1"/>
+                <a:srgbClr val="000000"/>
               </a:solidFill>
               <a:latin typeface="Arial"/>
             </a:endParaRPr>
@@ -2828,7 +2828,7 @@
             <a:r>
               <a:rPr b="0" lang="en-US" sz="1800" spc="-1" strike="noStrike">
                 <a:solidFill>
-                  <a:schemeClr val="dk1"/>
+                  <a:srgbClr val="000000"/>
                 </a:solidFill>
                 <a:latin typeface="Arial"/>
               </a:rPr>
@@ -2836,7 +2836,7 @@
             </a:r>
             <a:endParaRPr b="0" lang="en-US" sz="1800" spc="-1" strike="noStrike">
               <a:solidFill>
-                <a:schemeClr val="dk1"/>
+                <a:srgbClr val="000000"/>
               </a:solidFill>
               <a:latin typeface="Arial"/>
             </a:endParaRPr>
@@ -2856,7 +2856,7 @@
             <a:r>
               <a:rPr b="0" lang="en-US" sz="1800" spc="-1" strike="noStrike">
                 <a:solidFill>
-                  <a:schemeClr val="dk1"/>
+                  <a:srgbClr val="000000"/>
                 </a:solidFill>
                 <a:latin typeface="Arial"/>
               </a:rPr>
@@ -2864,7 +2864,7 @@
             </a:r>
             <a:endParaRPr b="0" lang="en-US" sz="1800" spc="-1" strike="noStrike">
               <a:solidFill>
-                <a:schemeClr val="dk1"/>
+                <a:srgbClr val="000000"/>
               </a:solidFill>
               <a:latin typeface="Arial"/>
             </a:endParaRPr>
@@ -2884,7 +2884,7 @@
         <p:spPr>
           <a:xfrm>
             <a:off x="3447360" y="5165280"/>
-            <a:ext cx="3193200" cy="388800"/>
+            <a:ext cx="3192840" cy="388440"/>
           </a:xfrm>
           <a:prstGeom prst="rect">
             <a:avLst/>
@@ -2958,7 +2958,7 @@
         <p:spPr>
           <a:xfrm>
             <a:off x="7227360" y="5165280"/>
-            <a:ext cx="2346480" cy="388800"/>
+            <a:ext cx="2346120" cy="388440"/>
           </a:xfrm>
           <a:prstGeom prst="rect">
             <a:avLst/>
@@ -3000,7 +3000,7 @@
                 <a:tab algn="l" pos="0"/>
               </a:tabLst>
             </a:pPr>
-            <a:fld id="{850C5A9B-FD3E-4AA5-8098-38C26CA4A9EF}" type="slidenum">
+            <a:fld id="{79A7CE12-80C4-4B9B-8675-403749F755FA}" type="slidenum">
               <a:rPr b="0" lang="en-US" sz="1400" spc="-1" strike="noStrike">
                 <a:solidFill>
                   <a:srgbClr val="000000"/>
@@ -3032,7 +3032,7 @@
         <p:spPr>
           <a:xfrm>
             <a:off x="504000" y="5165280"/>
-            <a:ext cx="2346480" cy="388800"/>
+            <a:ext cx="2346120" cy="388440"/>
           </a:xfrm>
           <a:prstGeom prst="rect">
             <a:avLst/>
@@ -3125,7 +3125,7 @@
         <p:spPr>
           <a:xfrm>
             <a:off x="504000" y="226080"/>
-            <a:ext cx="9069840" cy="944640"/>
+            <a:ext cx="9069480" cy="944280"/>
           </a:xfrm>
           <a:prstGeom prst="rect">
             <a:avLst/>
@@ -3146,7 +3146,7 @@
             <a:r>
               <a:rPr b="0" lang="en-US" sz="1800" spc="-1" strike="noStrike">
                 <a:solidFill>
-                  <a:schemeClr val="dk1"/>
+                  <a:srgbClr val="000000"/>
                 </a:solidFill>
                 <a:latin typeface="Arial"/>
               </a:rPr>
@@ -3154,7 +3154,7 @@
             </a:r>
             <a:endParaRPr b="0" lang="en-US" sz="1800" spc="-1" strike="noStrike">
               <a:solidFill>
-                <a:schemeClr val="dk1"/>
+                <a:srgbClr val="000000"/>
               </a:solidFill>
               <a:latin typeface="Arial"/>
             </a:endParaRPr>
@@ -3174,7 +3174,7 @@
         <p:spPr>
           <a:xfrm>
             <a:off x="504000" y="1326600"/>
-            <a:ext cx="9070560" cy="3287160"/>
+            <a:ext cx="9070200" cy="3286800"/>
           </a:xfrm>
           <a:prstGeom prst="rect">
             <a:avLst/>
@@ -3203,7 +3203,7 @@
             <a:r>
               <a:rPr b="0" lang="en-US" sz="1800" spc="-1" strike="noStrike">
                 <a:solidFill>
-                  <a:schemeClr val="dk1"/>
+                  <a:srgbClr val="000000"/>
                 </a:solidFill>
                 <a:latin typeface="Arial"/>
               </a:rPr>
@@ -3211,7 +3211,7 @@
             </a:r>
             <a:endParaRPr b="0" lang="en-US" sz="1800" spc="-1" strike="noStrike">
               <a:solidFill>
-                <a:schemeClr val="dk1"/>
+                <a:srgbClr val="000000"/>
               </a:solidFill>
               <a:latin typeface="Arial"/>
             </a:endParaRPr>
@@ -3231,7 +3231,7 @@
             <a:r>
               <a:rPr b="0" lang="en-US" sz="1800" spc="-1" strike="noStrike">
                 <a:solidFill>
-                  <a:schemeClr val="dk1"/>
+                  <a:srgbClr val="000000"/>
                 </a:solidFill>
                 <a:latin typeface="Arial"/>
               </a:rPr>
@@ -3239,7 +3239,7 @@
             </a:r>
             <a:endParaRPr b="0" lang="en-US" sz="1800" spc="-1" strike="noStrike">
               <a:solidFill>
-                <a:schemeClr val="dk1"/>
+                <a:srgbClr val="000000"/>
               </a:solidFill>
               <a:latin typeface="Arial"/>
             </a:endParaRPr>
@@ -3259,7 +3259,7 @@
             <a:r>
               <a:rPr b="0" lang="en-US" sz="1800" spc="-1" strike="noStrike">
                 <a:solidFill>
-                  <a:schemeClr val="dk1"/>
+                  <a:srgbClr val="000000"/>
                 </a:solidFill>
                 <a:latin typeface="Arial"/>
               </a:rPr>
@@ -3267,7 +3267,7 @@
             </a:r>
             <a:endParaRPr b="0" lang="en-US" sz="1800" spc="-1" strike="noStrike">
               <a:solidFill>
-                <a:schemeClr val="dk1"/>
+                <a:srgbClr val="000000"/>
               </a:solidFill>
               <a:latin typeface="Arial"/>
             </a:endParaRPr>
@@ -3287,7 +3287,7 @@
             <a:r>
               <a:rPr b="0" lang="en-US" sz="1800" spc="-1" strike="noStrike">
                 <a:solidFill>
-                  <a:schemeClr val="dk1"/>
+                  <a:srgbClr val="000000"/>
                 </a:solidFill>
                 <a:latin typeface="Arial"/>
               </a:rPr>
@@ -3295,7 +3295,7 @@
             </a:r>
             <a:endParaRPr b="0" lang="en-US" sz="1800" spc="-1" strike="noStrike">
               <a:solidFill>
-                <a:schemeClr val="dk1"/>
+                <a:srgbClr val="000000"/>
               </a:solidFill>
               <a:latin typeface="Arial"/>
             </a:endParaRPr>
@@ -3315,7 +3315,7 @@
             <a:r>
               <a:rPr b="0" lang="en-US" sz="1800" spc="-1" strike="noStrike">
                 <a:solidFill>
-                  <a:schemeClr val="dk1"/>
+                  <a:srgbClr val="000000"/>
                 </a:solidFill>
                 <a:latin typeface="Arial"/>
               </a:rPr>
@@ -3323,7 +3323,7 @@
             </a:r>
             <a:endParaRPr b="0" lang="en-US" sz="1800" spc="-1" strike="noStrike">
               <a:solidFill>
-                <a:schemeClr val="dk1"/>
+                <a:srgbClr val="000000"/>
               </a:solidFill>
               <a:latin typeface="Arial"/>
             </a:endParaRPr>
@@ -3343,7 +3343,7 @@
             <a:r>
               <a:rPr b="0" lang="en-US" sz="1800" spc="-1" strike="noStrike">
                 <a:solidFill>
-                  <a:schemeClr val="dk1"/>
+                  <a:srgbClr val="000000"/>
                 </a:solidFill>
                 <a:latin typeface="Arial"/>
               </a:rPr>
@@ -3351,7 +3351,7 @@
             </a:r>
             <a:endParaRPr b="0" lang="en-US" sz="1800" spc="-1" strike="noStrike">
               <a:solidFill>
-                <a:schemeClr val="dk1"/>
+                <a:srgbClr val="000000"/>
               </a:solidFill>
               <a:latin typeface="Arial"/>
             </a:endParaRPr>
@@ -3371,7 +3371,7 @@
             <a:r>
               <a:rPr b="0" lang="en-US" sz="1800" spc="-1" strike="noStrike">
                 <a:solidFill>
-                  <a:schemeClr val="dk1"/>
+                  <a:srgbClr val="000000"/>
                 </a:solidFill>
                 <a:latin typeface="Arial"/>
               </a:rPr>
@@ -3379,7 +3379,7 @@
             </a:r>
             <a:endParaRPr b="0" lang="en-US" sz="1800" spc="-1" strike="noStrike">
               <a:solidFill>
-                <a:schemeClr val="dk1"/>
+                <a:srgbClr val="000000"/>
               </a:solidFill>
               <a:latin typeface="Arial"/>
             </a:endParaRPr>
@@ -3399,7 +3399,7 @@
         <p:spPr>
           <a:xfrm>
             <a:off x="3447360" y="5165280"/>
-            <a:ext cx="3193200" cy="388800"/>
+            <a:ext cx="3192840" cy="388440"/>
           </a:xfrm>
           <a:prstGeom prst="rect">
             <a:avLst/>
@@ -3473,7 +3473,7 @@
         <p:spPr>
           <a:xfrm>
             <a:off x="7227360" y="5165280"/>
-            <a:ext cx="2346480" cy="388800"/>
+            <a:ext cx="2346120" cy="388440"/>
           </a:xfrm>
           <a:prstGeom prst="rect">
             <a:avLst/>
@@ -3515,7 +3515,7 @@
                 <a:tab algn="l" pos="0"/>
               </a:tabLst>
             </a:pPr>
-            <a:fld id="{C8875F29-5DF9-4D0F-B015-7412D7D988C1}" type="slidenum">
+            <a:fld id="{A424CC7F-39CB-44EA-91EB-844CD9223B6B}" type="slidenum">
               <a:rPr b="0" lang="en-US" sz="1400" spc="-1" strike="noStrike">
                 <a:solidFill>
                   <a:srgbClr val="000000"/>
@@ -3547,7 +3547,7 @@
         <p:spPr>
           <a:xfrm>
             <a:off x="504000" y="5165280"/>
-            <a:ext cx="2346480" cy="388800"/>
+            <a:ext cx="2346120" cy="388440"/>
           </a:xfrm>
           <a:prstGeom prst="rect">
             <a:avLst/>
@@ -3640,7 +3640,7 @@
         <p:spPr>
           <a:xfrm>
             <a:off x="504000" y="226080"/>
-            <a:ext cx="9069840" cy="944640"/>
+            <a:ext cx="9069480" cy="944280"/>
           </a:xfrm>
           <a:prstGeom prst="rect">
             <a:avLst/>
@@ -3661,7 +3661,7 @@
             <a:r>
               <a:rPr b="0" lang="en-US" sz="1800" spc="-1" strike="noStrike">
                 <a:solidFill>
-                  <a:schemeClr val="dk1"/>
+                  <a:srgbClr val="000000"/>
                 </a:solidFill>
                 <a:latin typeface="Arial"/>
               </a:rPr>
@@ -3669,7 +3669,7 @@
             </a:r>
             <a:endParaRPr b="0" lang="en-US" sz="1800" spc="-1" strike="noStrike">
               <a:solidFill>
-                <a:schemeClr val="dk1"/>
+                <a:srgbClr val="000000"/>
               </a:solidFill>
               <a:latin typeface="Arial"/>
             </a:endParaRPr>
@@ -3689,7 +3689,7 @@
         <p:spPr>
           <a:xfrm>
             <a:off x="504000" y="1326600"/>
-            <a:ext cx="9070560" cy="3287160"/>
+            <a:ext cx="9070200" cy="3286800"/>
           </a:xfrm>
           <a:prstGeom prst="rect">
             <a:avLst/>
@@ -3718,7 +3718,7 @@
             <a:r>
               <a:rPr b="0" lang="en-US" sz="1800" spc="-1" strike="noStrike">
                 <a:solidFill>
-                  <a:schemeClr val="dk1"/>
+                  <a:srgbClr val="000000"/>
                 </a:solidFill>
                 <a:latin typeface="Arial"/>
               </a:rPr>
@@ -3726,7 +3726,7 @@
             </a:r>
             <a:endParaRPr b="0" lang="en-US" sz="1800" spc="-1" strike="noStrike">
               <a:solidFill>
-                <a:schemeClr val="dk1"/>
+                <a:srgbClr val="000000"/>
               </a:solidFill>
               <a:latin typeface="Arial"/>
             </a:endParaRPr>
@@ -3746,7 +3746,7 @@
             <a:r>
               <a:rPr b="0" lang="en-US" sz="1800" spc="-1" strike="noStrike">
                 <a:solidFill>
-                  <a:schemeClr val="dk1"/>
+                  <a:srgbClr val="000000"/>
                 </a:solidFill>
                 <a:latin typeface="Arial"/>
               </a:rPr>
@@ -3754,7 +3754,7 @@
             </a:r>
             <a:endParaRPr b="0" lang="en-US" sz="1800" spc="-1" strike="noStrike">
               <a:solidFill>
-                <a:schemeClr val="dk1"/>
+                <a:srgbClr val="000000"/>
               </a:solidFill>
               <a:latin typeface="Arial"/>
             </a:endParaRPr>
@@ -3774,7 +3774,7 @@
             <a:r>
               <a:rPr b="0" lang="en-US" sz="1800" spc="-1" strike="noStrike">
                 <a:solidFill>
-                  <a:schemeClr val="dk1"/>
+                  <a:srgbClr val="000000"/>
                 </a:solidFill>
                 <a:latin typeface="Arial"/>
               </a:rPr>
@@ -3782,7 +3782,7 @@
             </a:r>
             <a:endParaRPr b="0" lang="en-US" sz="1800" spc="-1" strike="noStrike">
               <a:solidFill>
-                <a:schemeClr val="dk1"/>
+                <a:srgbClr val="000000"/>
               </a:solidFill>
               <a:latin typeface="Arial"/>
             </a:endParaRPr>
@@ -3802,7 +3802,7 @@
             <a:r>
               <a:rPr b="0" lang="en-US" sz="1800" spc="-1" strike="noStrike">
                 <a:solidFill>
-                  <a:schemeClr val="dk1"/>
+                  <a:srgbClr val="000000"/>
                 </a:solidFill>
                 <a:latin typeface="Arial"/>
               </a:rPr>
@@ -3810,7 +3810,7 @@
             </a:r>
             <a:endParaRPr b="0" lang="en-US" sz="1800" spc="-1" strike="noStrike">
               <a:solidFill>
-                <a:schemeClr val="dk1"/>
+                <a:srgbClr val="000000"/>
               </a:solidFill>
               <a:latin typeface="Arial"/>
             </a:endParaRPr>
@@ -3830,7 +3830,7 @@
             <a:r>
               <a:rPr b="0" lang="en-US" sz="1800" spc="-1" strike="noStrike">
                 <a:solidFill>
-                  <a:schemeClr val="dk1"/>
+                  <a:srgbClr val="000000"/>
                 </a:solidFill>
                 <a:latin typeface="Arial"/>
               </a:rPr>
@@ -3838,7 +3838,7 @@
             </a:r>
             <a:endParaRPr b="0" lang="en-US" sz="1800" spc="-1" strike="noStrike">
               <a:solidFill>
-                <a:schemeClr val="dk1"/>
+                <a:srgbClr val="000000"/>
               </a:solidFill>
               <a:latin typeface="Arial"/>
             </a:endParaRPr>
@@ -3858,7 +3858,7 @@
             <a:r>
               <a:rPr b="0" lang="en-US" sz="1800" spc="-1" strike="noStrike">
                 <a:solidFill>
-                  <a:schemeClr val="dk1"/>
+                  <a:srgbClr val="000000"/>
                 </a:solidFill>
                 <a:latin typeface="Arial"/>
               </a:rPr>
@@ -3866,7 +3866,7 @@
             </a:r>
             <a:endParaRPr b="0" lang="en-US" sz="1800" spc="-1" strike="noStrike">
               <a:solidFill>
-                <a:schemeClr val="dk1"/>
+                <a:srgbClr val="000000"/>
               </a:solidFill>
               <a:latin typeface="Arial"/>
             </a:endParaRPr>
@@ -3886,7 +3886,7 @@
             <a:r>
               <a:rPr b="0" lang="en-US" sz="1800" spc="-1" strike="noStrike">
                 <a:solidFill>
-                  <a:schemeClr val="dk1"/>
+                  <a:srgbClr val="000000"/>
                 </a:solidFill>
                 <a:latin typeface="Arial"/>
               </a:rPr>
@@ -3894,7 +3894,7 @@
             </a:r>
             <a:endParaRPr b="0" lang="en-US" sz="1800" spc="-1" strike="noStrike">
               <a:solidFill>
-                <a:schemeClr val="dk1"/>
+                <a:srgbClr val="000000"/>
               </a:solidFill>
               <a:latin typeface="Arial"/>
             </a:endParaRPr>
@@ -3914,7 +3914,7 @@
         <p:spPr>
           <a:xfrm>
             <a:off x="3447360" y="5165280"/>
-            <a:ext cx="3193200" cy="388800"/>
+            <a:ext cx="3192840" cy="388440"/>
           </a:xfrm>
           <a:prstGeom prst="rect">
             <a:avLst/>
@@ -3988,7 +3988,7 @@
         <p:spPr>
           <a:xfrm>
             <a:off x="7227360" y="5165280"/>
-            <a:ext cx="2346480" cy="388800"/>
+            <a:ext cx="2346120" cy="388440"/>
           </a:xfrm>
           <a:prstGeom prst="rect">
             <a:avLst/>
@@ -4030,7 +4030,7 @@
                 <a:tab algn="l" pos="0"/>
               </a:tabLst>
             </a:pPr>
-            <a:fld id="{5E6B0C10-F73D-40BA-B05F-6CA4FE3713BF}" type="slidenum">
+            <a:fld id="{9F509CD6-611A-4EC7-8E25-18CAA534742C}" type="slidenum">
               <a:rPr b="0" lang="en-US" sz="1400" spc="-1" strike="noStrike">
                 <a:solidFill>
                   <a:srgbClr val="000000"/>
@@ -4062,7 +4062,7 @@
         <p:spPr>
           <a:xfrm>
             <a:off x="504000" y="5165280"/>
-            <a:ext cx="2346480" cy="388800"/>
+            <a:ext cx="2346120" cy="388440"/>
           </a:xfrm>
           <a:prstGeom prst="rect">
             <a:avLst/>
@@ -4163,7 +4163,7 @@
         <p:spPr>
           <a:xfrm>
             <a:off x="504000" y="226080"/>
-            <a:ext cx="9069840" cy="4384080"/>
+            <a:ext cx="9069480" cy="4383720"/>
           </a:xfrm>
           <a:prstGeom prst="rect">
             <a:avLst/>
@@ -4362,7 +4362,7 @@
         <p:spPr>
           <a:xfrm>
             <a:off x="504000" y="226080"/>
-            <a:ext cx="9069840" cy="944640"/>
+            <a:ext cx="9069480" cy="944280"/>
           </a:xfrm>
           <a:prstGeom prst="rect">
             <a:avLst/>
@@ -4400,7 +4400,7 @@
             </a:r>
             <a:endParaRPr b="0" lang="en-US" sz="2100" spc="-1" strike="noStrike">
               <a:solidFill>
-                <a:schemeClr val="dk1"/>
+                <a:srgbClr val="000000"/>
               </a:solidFill>
               <a:latin typeface="Arial"/>
             </a:endParaRPr>
@@ -4420,7 +4420,7 @@
         <p:spPr>
           <a:xfrm>
             <a:off x="707040" y="1076760"/>
-            <a:ext cx="5436000" cy="1186200"/>
+            <a:ext cx="5435640" cy="1185840"/>
           </a:xfrm>
           <a:prstGeom prst="rect">
             <a:avLst/>
@@ -4459,7 +4459,7 @@
             </a:r>
             <a:endParaRPr b="0" lang="en-US" sz="1000" spc="-1" strike="noStrike">
               <a:solidFill>
-                <a:schemeClr val="dk1"/>
+                <a:srgbClr val="000000"/>
               </a:solidFill>
               <a:latin typeface="Arial"/>
             </a:endParaRPr>
@@ -4479,7 +4479,7 @@
             </a:pPr>
             <a:endParaRPr b="0" lang="en-US" sz="1000" spc="-1" strike="noStrike">
               <a:solidFill>
-                <a:schemeClr val="dk1"/>
+                <a:srgbClr val="000000"/>
               </a:solidFill>
               <a:latin typeface="Arial"/>
             </a:endParaRPr>
@@ -4509,7 +4509,7 @@
             </a:r>
             <a:endParaRPr b="0" lang="en-US" sz="1000" spc="-1" strike="noStrike">
               <a:solidFill>
-                <a:schemeClr val="dk1"/>
+                <a:srgbClr val="000000"/>
               </a:solidFill>
               <a:latin typeface="Arial"/>
             </a:endParaRPr>
@@ -4549,7 +4549,7 @@
             </a:r>
             <a:endParaRPr b="0" lang="en-US" sz="1000" spc="-1" strike="noStrike">
               <a:solidFill>
-                <a:schemeClr val="dk1"/>
+                <a:srgbClr val="000000"/>
               </a:solidFill>
               <a:latin typeface="Arial"/>
             </a:endParaRPr>
@@ -4589,7 +4589,7 @@
             </a:r>
             <a:endParaRPr b="0" lang="en-US" sz="1000" spc="-1" strike="noStrike">
               <a:solidFill>
-                <a:schemeClr val="dk1"/>
+                <a:srgbClr val="000000"/>
               </a:solidFill>
               <a:latin typeface="Arial"/>
             </a:endParaRPr>
@@ -4629,7 +4629,7 @@
             </a:r>
             <a:endParaRPr b="0" lang="en-US" sz="1000" spc="-1" strike="noStrike">
               <a:solidFill>
-                <a:schemeClr val="dk1"/>
+                <a:srgbClr val="000000"/>
               </a:solidFill>
               <a:latin typeface="Arial"/>
             </a:endParaRPr>
@@ -4645,7 +4645,7 @@
         <p:spPr>
           <a:xfrm>
             <a:off x="843480" y="2287440"/>
-            <a:ext cx="4987080" cy="771840"/>
+            <a:ext cx="4986720" cy="771480"/>
           </a:xfrm>
           <a:prstGeom prst="rect">
             <a:avLst/>
@@ -4854,7 +4854,7 @@
         <p:spPr>
           <a:xfrm>
             <a:off x="820080" y="3270960"/>
-            <a:ext cx="4175280" cy="670320"/>
+            <a:ext cx="4174920" cy="669960"/>
           </a:xfrm>
           <a:prstGeom prst="rect">
             <a:avLst/>
@@ -4959,7 +4959,7 @@
         <p:spPr>
           <a:xfrm>
             <a:off x="5715360" y="2388960"/>
-            <a:ext cx="3699000" cy="670320"/>
+            <a:ext cx="3698640" cy="669960"/>
           </a:xfrm>
           <a:prstGeom prst="rect">
             <a:avLst/>
@@ -5070,7 +5070,7 @@
         <p:spPr>
           <a:xfrm>
             <a:off x="650160" y="4246920"/>
-            <a:ext cx="8942400" cy="1122840"/>
+            <a:ext cx="8942040" cy="1122480"/>
           </a:xfrm>
           <a:prstGeom prst="rect">
             <a:avLst/>
@@ -5244,7 +5244,7 @@
         <p:spPr>
           <a:xfrm>
             <a:off x="504000" y="226080"/>
-            <a:ext cx="9069840" cy="944640"/>
+            <a:ext cx="9069480" cy="944280"/>
           </a:xfrm>
           <a:prstGeom prst="rect">
             <a:avLst/>
@@ -5282,7 +5282,7 @@
             </a:r>
             <a:endParaRPr b="0" lang="en-US" sz="2100" spc="-1" strike="noStrike">
               <a:solidFill>
-                <a:schemeClr val="dk1"/>
+                <a:srgbClr val="000000"/>
               </a:solidFill>
               <a:latin typeface="Arial"/>
             </a:endParaRPr>
@@ -5302,7 +5302,7 @@
         <p:spPr>
           <a:xfrm>
             <a:off x="504000" y="1326600"/>
-            <a:ext cx="4389840" cy="943920"/>
+            <a:ext cx="4389480" cy="943560"/>
           </a:xfrm>
           <a:prstGeom prst="rect">
             <a:avLst/>
@@ -5344,7 +5344,7 @@
             </a:r>
             <a:endParaRPr b="0" lang="en-US" sz="1200" spc="-1" strike="noStrike">
               <a:solidFill>
-                <a:schemeClr val="dk1"/>
+                <a:srgbClr val="000000"/>
               </a:solidFill>
               <a:latin typeface="Arial"/>
             </a:endParaRPr>
@@ -5367,7 +5367,7 @@
             </a:pPr>
             <a:endParaRPr b="0" lang="en-US" sz="2200" spc="-1" strike="noStrike">
               <a:solidFill>
-                <a:schemeClr val="dk1"/>
+                <a:srgbClr val="000000"/>
               </a:solidFill>
               <a:latin typeface="Arial"/>
             </a:endParaRPr>
@@ -5383,7 +5383,7 @@
         <p:spPr>
           <a:xfrm>
             <a:off x="5485680" y="1172160"/>
-            <a:ext cx="3741480" cy="1614600"/>
+            <a:ext cx="3741120" cy="1614240"/>
           </a:xfrm>
           <a:prstGeom prst="rect">
             <a:avLst/>
@@ -5670,7 +5670,7 @@
         <p:spPr>
           <a:xfrm>
             <a:off x="1488600" y="2499840"/>
-            <a:ext cx="7933320" cy="1027440"/>
+            <a:ext cx="7932960" cy="1027080"/>
           </a:xfrm>
           <a:prstGeom prst="rect">
             <a:avLst/>
@@ -5931,7 +5931,7 @@
         <p:spPr>
           <a:xfrm>
             <a:off x="627480" y="3732480"/>
-            <a:ext cx="9199440" cy="1512720"/>
+            <a:ext cx="9199080" cy="1512360"/>
           </a:xfrm>
           <a:prstGeom prst="rect">
             <a:avLst/>
@@ -6099,7 +6099,7 @@
         <p:spPr>
           <a:xfrm>
             <a:off x="504000" y="210240"/>
-            <a:ext cx="9069840" cy="623880"/>
+            <a:ext cx="9069480" cy="623520"/>
           </a:xfrm>
           <a:prstGeom prst="rect">
             <a:avLst/>
@@ -6137,7 +6137,7 @@
             </a:r>
             <a:endParaRPr b="0" lang="en-US" sz="2100" spc="-1" strike="noStrike">
               <a:solidFill>
-                <a:schemeClr val="dk1"/>
+                <a:srgbClr val="000000"/>
               </a:solidFill>
               <a:latin typeface="Arial"/>
             </a:endParaRPr>
@@ -6157,7 +6157,7 @@
         <p:spPr>
           <a:xfrm>
             <a:off x="426240" y="835560"/>
-            <a:ext cx="3741480" cy="1614600"/>
+            <a:ext cx="3741120" cy="1614240"/>
           </a:xfrm>
           <a:prstGeom prst="rect">
             <a:avLst/>
@@ -6199,7 +6199,7 @@
             </a:r>
             <a:endParaRPr b="0" lang="en-US" sz="1200" spc="-1" strike="noStrike">
               <a:solidFill>
-                <a:schemeClr val="dk1"/>
+                <a:srgbClr val="000000"/>
               </a:solidFill>
               <a:latin typeface="Arial"/>
             </a:endParaRPr>
@@ -6232,7 +6232,7 @@
             </a:r>
             <a:endParaRPr b="0" lang="en-US" sz="1200" spc="-1" strike="noStrike">
               <a:solidFill>
-                <a:schemeClr val="dk1"/>
+                <a:srgbClr val="000000"/>
               </a:solidFill>
               <a:latin typeface="Arial"/>
             </a:endParaRPr>
@@ -6267,7 +6267,7 @@
             </a:r>
             <a:endParaRPr b="0" lang="en-US" sz="1200" spc="-1" strike="noStrike">
               <a:solidFill>
-                <a:schemeClr val="dk1"/>
+                <a:srgbClr val="000000"/>
               </a:solidFill>
               <a:latin typeface="Arial"/>
             </a:endParaRPr>
@@ -6302,7 +6302,7 @@
             </a:r>
             <a:endParaRPr b="0" lang="en-US" sz="1200" spc="-1" strike="noStrike">
               <a:solidFill>
-                <a:schemeClr val="dk1"/>
+                <a:srgbClr val="000000"/>
               </a:solidFill>
               <a:latin typeface="Arial"/>
             </a:endParaRPr>
@@ -6337,7 +6337,7 @@
             </a:r>
             <a:endParaRPr b="0" lang="en-US" sz="1200" spc="-1" strike="noStrike">
               <a:solidFill>
-                <a:schemeClr val="dk1"/>
+                <a:srgbClr val="000000"/>
               </a:solidFill>
               <a:latin typeface="Arial"/>
             </a:endParaRPr>
@@ -6372,7 +6372,7 @@
             </a:r>
             <a:endParaRPr b="0" lang="en-US" sz="1200" spc="-1" strike="noStrike">
               <a:solidFill>
-                <a:schemeClr val="dk1"/>
+                <a:srgbClr val="000000"/>
               </a:solidFill>
               <a:latin typeface="Arial"/>
             </a:endParaRPr>
@@ -6392,7 +6392,7 @@
             </a:pPr>
             <a:endParaRPr b="0" lang="en-US" sz="1200" spc="-1" strike="noStrike">
               <a:solidFill>
-                <a:schemeClr val="dk1"/>
+                <a:srgbClr val="000000"/>
               </a:solidFill>
               <a:latin typeface="Arial"/>
             </a:endParaRPr>
@@ -6412,7 +6412,7 @@
             </a:pPr>
             <a:endParaRPr b="0" lang="en-US" sz="1000" spc="-1" strike="noStrike">
               <a:solidFill>
-                <a:schemeClr val="dk1"/>
+                <a:srgbClr val="000000"/>
               </a:solidFill>
               <a:latin typeface="Arial"/>
             </a:endParaRPr>
@@ -6429,7 +6429,7 @@
             </a:pPr>
             <a:endParaRPr b="0" lang="en-US" sz="1200" spc="-1" strike="noStrike">
               <a:solidFill>
-                <a:schemeClr val="dk1"/>
+                <a:srgbClr val="000000"/>
               </a:solidFill>
               <a:latin typeface="Arial"/>
             </a:endParaRPr>
@@ -6445,7 +6445,7 @@
         <p:spPr>
           <a:xfrm>
             <a:off x="4247280" y="835560"/>
-            <a:ext cx="5502600" cy="1420200"/>
+            <a:ext cx="5502240" cy="1419840"/>
           </a:xfrm>
           <a:prstGeom prst="rect">
             <a:avLst/>
@@ -6671,7 +6671,7 @@
         <p:spPr>
           <a:xfrm>
             <a:off x="624600" y="2116080"/>
-            <a:ext cx="8938080" cy="1583280"/>
+            <a:ext cx="8937720" cy="1582920"/>
           </a:xfrm>
           <a:prstGeom prst="rect">
             <a:avLst/>
@@ -7203,7 +7203,7 @@
         <p:spPr>
           <a:xfrm>
             <a:off x="648360" y="3841920"/>
-            <a:ext cx="9039600" cy="1285920"/>
+            <a:ext cx="9039240" cy="1285560"/>
           </a:xfrm>
           <a:prstGeom prst="rect">
             <a:avLst/>
@@ -7432,7 +7432,7 @@
         <p:spPr>
           <a:xfrm>
             <a:off x="504000" y="226080"/>
-            <a:ext cx="9069840" cy="478440"/>
+            <a:ext cx="9069480" cy="478080"/>
           </a:xfrm>
           <a:prstGeom prst="rect">
             <a:avLst/>
@@ -7468,7 +7468,7 @@
             </a:r>
             <a:endParaRPr b="0" lang="en-US" sz="2100" spc="-1" strike="noStrike">
               <a:solidFill>
-                <a:schemeClr val="dk1"/>
+                <a:srgbClr val="000000"/>
               </a:solidFill>
               <a:latin typeface="Arial"/>
             </a:endParaRPr>
@@ -7488,7 +7488,7 @@
         <p:spPr>
           <a:xfrm>
             <a:off x="504000" y="829080"/>
-            <a:ext cx="9070560" cy="4479120"/>
+            <a:ext cx="9070200" cy="4478760"/>
           </a:xfrm>
           <a:prstGeom prst="rect">
             <a:avLst/>
@@ -7514,7 +7514,7 @@
             </a:pPr>
             <a:endParaRPr b="0" lang="en-US" sz="1400" spc="-1" strike="noStrike">
               <a:solidFill>
-                <a:schemeClr val="dk1"/>
+                <a:srgbClr val="000000"/>
               </a:solidFill>
               <a:latin typeface="Arial"/>
             </a:endParaRPr>
@@ -7600,7 +7600,7 @@
             </a:r>
             <a:endParaRPr b="0" lang="en-US" sz="1400" spc="-1" strike="noStrike">
               <a:solidFill>
-                <a:schemeClr val="dk1"/>
+                <a:srgbClr val="000000"/>
               </a:solidFill>
               <a:latin typeface="Arial"/>
             </a:endParaRPr>
@@ -7627,7 +7627,7 @@
             </a:r>
             <a:endParaRPr b="0" lang="en-US" sz="1400" spc="-1" strike="noStrike">
               <a:solidFill>
-                <a:schemeClr val="dk1"/>
+                <a:srgbClr val="000000"/>
               </a:solidFill>
               <a:latin typeface="Arial"/>
             </a:endParaRPr>
@@ -7654,7 +7654,7 @@
             </a:r>
             <a:endParaRPr b="0" lang="en-US" sz="1400" spc="-1" strike="noStrike">
               <a:solidFill>
-                <a:schemeClr val="dk1"/>
+                <a:srgbClr val="000000"/>
               </a:solidFill>
               <a:latin typeface="Arial"/>
             </a:endParaRPr>
@@ -7671,7 +7671,7 @@
             </a:pPr>
             <a:endParaRPr b="0" lang="en-US" sz="1400" spc="-1" strike="noStrike">
               <a:solidFill>
-                <a:schemeClr val="dk1"/>
+                <a:srgbClr val="000000"/>
               </a:solidFill>
               <a:latin typeface="Arial"/>
             </a:endParaRPr>
@@ -7688,7 +7688,7 @@
             </a:pPr>
             <a:endParaRPr b="0" lang="en-US" sz="1400" spc="-1" strike="noStrike">
               <a:solidFill>
-                <a:schemeClr val="dk1"/>
+                <a:srgbClr val="000000"/>
               </a:solidFill>
               <a:latin typeface="Arial"/>
             </a:endParaRPr>
@@ -7705,7 +7705,7 @@
             </a:pPr>
             <a:endParaRPr b="0" lang="en-US" sz="1400" spc="-1" strike="noStrike">
               <a:solidFill>
-                <a:schemeClr val="dk1"/>
+                <a:srgbClr val="000000"/>
               </a:solidFill>
               <a:latin typeface="Arial"/>
             </a:endParaRPr>
@@ -7722,7 +7722,7 @@
             </a:pPr>
             <a:endParaRPr b="0" lang="en-US" sz="1400" spc="-1" strike="noStrike">
               <a:solidFill>
-                <a:schemeClr val="dk1"/>
+                <a:srgbClr val="000000"/>
               </a:solidFill>
               <a:latin typeface="Arial"/>
             </a:endParaRPr>
@@ -7749,7 +7749,7 @@
             </a:r>
             <a:endParaRPr b="0" lang="en-US" sz="1400" spc="-1" strike="noStrike">
               <a:solidFill>
-                <a:schemeClr val="dk1"/>
+                <a:srgbClr val="000000"/>
               </a:solidFill>
               <a:latin typeface="Arial"/>
             </a:endParaRPr>
@@ -7776,7 +7776,7 @@
             </a:r>
             <a:endParaRPr b="0" lang="en-US" sz="1400" spc="-1" strike="noStrike">
               <a:solidFill>
-                <a:schemeClr val="dk1"/>
+                <a:srgbClr val="000000"/>
               </a:solidFill>
               <a:latin typeface="Arial"/>
             </a:endParaRPr>
@@ -7793,7 +7793,7 @@
             </a:pPr>
             <a:endParaRPr b="0" lang="en-US" sz="1400" spc="-1" strike="noStrike">
               <a:solidFill>
-                <a:schemeClr val="dk1"/>
+                <a:srgbClr val="000000"/>
               </a:solidFill>
               <a:latin typeface="Arial"/>
             </a:endParaRPr>
@@ -7810,7 +7810,7 @@
             </a:pPr>
             <a:endParaRPr b="0" lang="en-US" sz="1400" spc="-1" strike="noStrike">
               <a:solidFill>
-                <a:schemeClr val="dk1"/>
+                <a:srgbClr val="000000"/>
               </a:solidFill>
               <a:latin typeface="Arial"/>
             </a:endParaRPr>
@@ -7827,7 +7827,7 @@
             </a:pPr>
             <a:endParaRPr b="0" lang="en-US" sz="1400" spc="-1" strike="noStrike">
               <a:solidFill>
-                <a:schemeClr val="dk1"/>
+                <a:srgbClr val="000000"/>
               </a:solidFill>
               <a:latin typeface="Arial"/>
             </a:endParaRPr>
@@ -7844,7 +7844,7 @@
             </a:pPr>
             <a:endParaRPr b="0" lang="en-US" sz="1400" spc="-1" strike="noStrike">
               <a:solidFill>
-                <a:schemeClr val="dk1"/>
+                <a:srgbClr val="000000"/>
               </a:solidFill>
               <a:latin typeface="Arial"/>
             </a:endParaRPr>
@@ -7861,7 +7861,7 @@
             </a:pPr>
             <a:endParaRPr b="0" lang="en-US" sz="1400" spc="-1" strike="noStrike">
               <a:solidFill>
-                <a:schemeClr val="dk1"/>
+                <a:srgbClr val="000000"/>
               </a:solidFill>
               <a:latin typeface="Arial"/>
             </a:endParaRPr>
@@ -7878,7 +7878,7 @@
             </a:pPr>
             <a:endParaRPr b="0" lang="en-US" sz="1400" spc="-1" strike="noStrike">
               <a:solidFill>
-                <a:schemeClr val="dk1"/>
+                <a:srgbClr val="000000"/>
               </a:solidFill>
               <a:latin typeface="Arial"/>
             </a:endParaRPr>
@@ -7895,7 +7895,7 @@
             </a:pPr>
             <a:endParaRPr b="0" lang="en-US" sz="1400" spc="-1" strike="noStrike">
               <a:solidFill>
-                <a:schemeClr val="dk1"/>
+                <a:srgbClr val="000000"/>
               </a:solidFill>
               <a:latin typeface="Arial"/>
             </a:endParaRPr>
@@ -7912,7 +7912,7 @@
             </a:pPr>
             <a:endParaRPr b="0" lang="en-US" sz="1400" spc="-1" strike="noStrike">
               <a:solidFill>
-                <a:schemeClr val="dk1"/>
+                <a:srgbClr val="000000"/>
               </a:solidFill>
               <a:latin typeface="Arial"/>
             </a:endParaRPr>
@@ -7929,7 +7929,7 @@
             </a:pPr>
             <a:endParaRPr b="0" lang="en-US" sz="1400" spc="-1" strike="noStrike">
               <a:solidFill>
-                <a:schemeClr val="dk1"/>
+                <a:srgbClr val="000000"/>
               </a:solidFill>
               <a:latin typeface="Arial"/>
             </a:endParaRPr>
@@ -7946,7 +7946,7 @@
             </a:pPr>
             <a:endParaRPr b="0" lang="en-US" sz="1400" spc="-1" strike="noStrike">
               <a:solidFill>
-                <a:schemeClr val="dk1"/>
+                <a:srgbClr val="000000"/>
               </a:solidFill>
               <a:latin typeface="Arial"/>
             </a:endParaRPr>
@@ -7963,7 +7963,7 @@
             </a:pPr>
             <a:endParaRPr b="0" lang="en-US" sz="1400" spc="-1" strike="noStrike">
               <a:solidFill>
-                <a:schemeClr val="dk1"/>
+                <a:srgbClr val="000000"/>
               </a:solidFill>
               <a:latin typeface="Arial"/>
             </a:endParaRPr>
@@ -7980,7 +7980,7 @@
             </a:pPr>
             <a:endParaRPr b="0" lang="en-US" sz="1400" spc="-1" strike="noStrike">
               <a:solidFill>
-                <a:schemeClr val="dk1"/>
+                <a:srgbClr val="000000"/>
               </a:solidFill>
               <a:latin typeface="Arial"/>
             </a:endParaRPr>
@@ -7997,7 +7997,7 @@
             </a:pPr>
             <a:endParaRPr b="0" lang="en-US" sz="1400" spc="-1" strike="noStrike">
               <a:solidFill>
-                <a:schemeClr val="dk1"/>
+                <a:srgbClr val="000000"/>
               </a:solidFill>
               <a:latin typeface="Arial"/>
             </a:endParaRPr>
@@ -8014,7 +8014,7 @@
             </a:pPr>
             <a:endParaRPr b="0" lang="en-US" sz="1400" spc="-1" strike="noStrike">
               <a:solidFill>
-                <a:schemeClr val="dk1"/>
+                <a:srgbClr val="000000"/>
               </a:solidFill>
               <a:latin typeface="Arial"/>
             </a:endParaRPr>
@@ -8034,7 +8034,7 @@
         <p:spPr>
           <a:xfrm>
             <a:off x="5760360" y="2337840"/>
-            <a:ext cx="3462120" cy="1051920"/>
+            <a:ext cx="3461760" cy="1051560"/>
           </a:xfrm>
           <a:prstGeom prst="rect">
             <a:avLst/>
@@ -8057,7 +8057,7 @@
         <p:spPr>
           <a:xfrm>
             <a:off x="5364360" y="3560400"/>
-            <a:ext cx="4092120" cy="1938240"/>
+            <a:ext cx="4091760" cy="1937880"/>
           </a:xfrm>
           <a:prstGeom prst="rect">
             <a:avLst/>
@@ -8125,7 +8125,7 @@
         <p:spPr>
           <a:xfrm>
             <a:off x="504000" y="226080"/>
-            <a:ext cx="9069840" cy="944640"/>
+            <a:ext cx="9069480" cy="478080"/>
           </a:xfrm>
           <a:prstGeom prst="rect">
             <a:avLst/>
@@ -8157,11 +8157,11 @@
                 <a:latin typeface="Times New Roman"/>
                 <a:ea typeface="Noto Sans CJK SC"/>
               </a:rPr>
-              <a:t>Training (ex: durata, echipament folosit pentru training, comparatie de performanta intre 2 equipment-uri daca ati incercat, etc) </a:t>
+              <a:t>Realizarea predictiilor</a:t>
             </a:r>
             <a:endParaRPr b="0" lang="en-US" sz="2100" spc="-1" strike="noStrike">
               <a:solidFill>
-                <a:schemeClr val="dk1"/>
+                <a:srgbClr val="000000"/>
               </a:solidFill>
               <a:latin typeface="Arial"/>
             </a:endParaRPr>
@@ -8180,8 +8180,8 @@
         </p:nvSpPr>
         <p:spPr>
           <a:xfrm>
-            <a:off x="504000" y="1326600"/>
-            <a:ext cx="9070560" cy="3287160"/>
+            <a:off x="504000" y="829080"/>
+            <a:ext cx="9070200" cy="4478760"/>
           </a:xfrm>
           <a:prstGeom prst="rect">
             <a:avLst/>
@@ -8196,147 +8196,24 @@
             <a:normAutofit/>
           </a:bodyPr>
           <a:p>
-            <a:pPr marL="432000" indent="-324000" defTabSz="914400">
-              <a:lnSpc>
-                <a:spcPct val="100000"/>
-              </a:lnSpc>
-              <a:spcBef>
-                <a:spcPts val="1417"/>
-              </a:spcBef>
-              <a:buClr>
-                <a:srgbClr val="000000"/>
-              </a:buClr>
-              <a:buSzPct val="45000"/>
-              <a:buFont typeface="Wingdings" charset="2"/>
-              <a:buChar char=""/>
-            </a:pPr>
-            <a:r>
-              <a:rPr b="0" lang="en-US" sz="1600" spc="-1" strike="noStrike">
-                <a:solidFill>
-                  <a:srgbClr val="000000"/>
-                </a:solidFill>
-                <a:latin typeface="Arial"/>
-                <a:ea typeface="DejaVu Sans"/>
-              </a:rPr>
-              <a:t>Sistem de operare Ubuntu 24.04.03 (LongTermSupport)</a:t>
-            </a:r>
-            <a:endParaRPr b="0" lang="en-US" sz="1600" spc="-1" strike="noStrike">
-              <a:solidFill>
-                <a:schemeClr val="dk1"/>
-              </a:solidFill>
-              <a:latin typeface="Arial"/>
-            </a:endParaRPr>
-          </a:p>
-          <a:p>
-            <a:pPr marL="432000" indent="-324000" defTabSz="914400">
-              <a:lnSpc>
-                <a:spcPct val="100000"/>
-              </a:lnSpc>
-              <a:spcBef>
-                <a:spcPts val="1417"/>
-              </a:spcBef>
-              <a:buClr>
-                <a:srgbClr val="000000"/>
-              </a:buClr>
-              <a:buSzPct val="45000"/>
-              <a:buFont typeface="Wingdings" charset="2"/>
-              <a:buChar char=""/>
-            </a:pPr>
-            <a:r>
-              <a:rPr b="0" lang="en-US" sz="1600" spc="-1" strike="noStrike">
-                <a:solidFill>
-                  <a:srgbClr val="000000"/>
-                </a:solidFill>
-                <a:latin typeface="Arial"/>
-                <a:ea typeface="DejaVu Sans"/>
-              </a:rPr>
-              <a:t>Lansare mlflow Din linia de comanda : mlflow server --host 127.0.0.1 --port 5000</a:t>
-            </a:r>
-            <a:endParaRPr b="0" lang="en-US" sz="1600" spc="-1" strike="noStrike">
-              <a:solidFill>
-                <a:schemeClr val="dk1"/>
-              </a:solidFill>
-              <a:latin typeface="Arial"/>
-            </a:endParaRPr>
-          </a:p>
-          <a:p>
-            <a:pPr marL="432000" indent="-324000" defTabSz="914400">
-              <a:lnSpc>
-                <a:spcPct val="100000"/>
-              </a:lnSpc>
-              <a:spcBef>
-                <a:spcPts val="1417"/>
-              </a:spcBef>
-              <a:buClr>
-                <a:srgbClr val="000000"/>
-              </a:buClr>
-              <a:buSzPct val="45000"/>
-              <a:buFont typeface="Wingdings" charset="2"/>
-              <a:buChar char=""/>
-            </a:pPr>
-            <a:r>
-              <a:rPr b="0" lang="en-US" sz="1600" spc="-1" strike="noStrike">
-                <a:solidFill>
-                  <a:srgbClr val="000000"/>
-                </a:solidFill>
-                <a:latin typeface="Arial"/>
-                <a:ea typeface="DejaVu Sans"/>
-              </a:rPr>
-              <a:t>Lansare FastAPI : uvicorn fast_api:app –reload</a:t>
-            </a:r>
-            <a:endParaRPr b="0" lang="en-US" sz="1600" spc="-1" strike="noStrike">
-              <a:solidFill>
-                <a:schemeClr val="dk1"/>
-              </a:solidFill>
-              <a:latin typeface="Arial"/>
-            </a:endParaRPr>
-          </a:p>
-          <a:p>
-            <a:pPr marL="432000" indent="-324000" defTabSz="914400">
-              <a:lnSpc>
-                <a:spcPct val="100000"/>
-              </a:lnSpc>
-              <a:spcBef>
-                <a:spcPts val="1417"/>
-              </a:spcBef>
-              <a:buClr>
-                <a:srgbClr val="000000"/>
-              </a:buClr>
-              <a:buSzPct val="45000"/>
-              <a:buFont typeface="Wingdings" charset="2"/>
-              <a:buChar char=""/>
-            </a:pPr>
-            <a:r>
-              <a:rPr b="0" lang="en-US" sz="1600" spc="-1" strike="noStrike">
-                <a:solidFill>
-                  <a:srgbClr val="000000"/>
-                </a:solidFill>
-                <a:latin typeface="Arial"/>
-                <a:ea typeface="DejaVu Sans"/>
-              </a:rPr>
-              <a:t>Accesare server www localhost : </a:t>
-            </a:r>
-            <a:r>
-              <a:rPr b="0" lang="en-US" sz="1600" spc="-1" strike="noStrike" u="sng">
-                <a:solidFill>
-                  <a:srgbClr val="0000ee"/>
-                </a:solidFill>
-                <a:uFillTx/>
-                <a:latin typeface="Arial"/>
-                <a:ea typeface="DejaVu Sans"/>
-                <a:hlinkClick r:id="rId1"/>
-              </a:rPr>
-              <a:t>http://localhost</a:t>
-            </a:r>
-            <a:endParaRPr b="0" lang="en-US" sz="1600" spc="-1" strike="noStrike">
-              <a:solidFill>
-                <a:schemeClr val="dk1"/>
-              </a:solidFill>
-              <a:latin typeface="Arial"/>
-            </a:endParaRPr>
-          </a:p>
-          <a:p>
-            <a:pPr marL="108000" indent="0" defTabSz="914400">
+            <a:pPr indent="0" defTabSz="914400">
+              <a:lnSpc>
+                <a:spcPct val="100000"/>
+              </a:lnSpc>
+              <a:buNone/>
+              <a:tabLst>
+                <a:tab algn="l" pos="0"/>
+              </a:tabLst>
+            </a:pPr>
+            <a:endParaRPr b="0" lang="en-US" sz="1400" spc="-1" strike="noStrike">
+              <a:solidFill>
+                <a:srgbClr val="000000"/>
+              </a:solidFill>
+              <a:latin typeface="Arial"/>
+            </a:endParaRPr>
+          </a:p>
+          <a:p>
+            <a:pPr indent="0" defTabSz="914400">
               <a:lnSpc>
                 <a:spcPct val="100000"/>
               </a:lnSpc>
@@ -8347,122 +8224,552 @@
                 <a:spcPts val="992"/>
               </a:spcAft>
               <a:buNone/>
-            </a:pPr>
-            <a:endParaRPr b="0" lang="en-US" sz="1600" spc="-1" strike="noStrike">
-              <a:solidFill>
-                <a:schemeClr val="dk1"/>
-              </a:solidFill>
-              <a:latin typeface="Arial"/>
-            </a:endParaRPr>
-          </a:p>
-          <a:p>
-            <a:pPr marL="108000" indent="0" defTabSz="914400">
-              <a:lnSpc>
-                <a:spcPct val="100000"/>
-              </a:lnSpc>
-              <a:spcBef>
-                <a:spcPts val="1191"/>
-              </a:spcBef>
-              <a:spcAft>
-                <a:spcPts val="992"/>
-              </a:spcAft>
-              <a:buNone/>
-            </a:pPr>
-            <a:r>
-              <a:rPr b="0" lang="en-US" sz="1600" spc="-1" strike="noStrike">
-                <a:solidFill>
-                  <a:srgbClr val="000000"/>
-                </a:solidFill>
-                <a:latin typeface="Arial"/>
-                <a:ea typeface="DejaVu Sans"/>
-              </a:rPr>
-              <a:t>Dupa dezvoltarea local a </a:t>
-            </a:r>
-            <a:endParaRPr b="0" lang="en-US" sz="1600" spc="-1" strike="noStrike">
-              <a:solidFill>
-                <a:schemeClr val="dk1"/>
-              </a:solidFill>
-              <a:latin typeface="Arial"/>
-            </a:endParaRPr>
-          </a:p>
-          <a:p>
-            <a:pPr marL="108000" indent="0" defTabSz="914400">
-              <a:lnSpc>
-                <a:spcPct val="100000"/>
-              </a:lnSpc>
-              <a:spcBef>
-                <a:spcPts val="1191"/>
-              </a:spcBef>
-              <a:spcAft>
-                <a:spcPts val="992"/>
-              </a:spcAft>
-              <a:buNone/>
-            </a:pPr>
-            <a:r>
-              <a:rPr b="0" lang="en-US" sz="1600" spc="-1" strike="noStrike">
-                <a:solidFill>
-                  <a:srgbClr val="000000"/>
-                </a:solidFill>
-                <a:latin typeface="Arial"/>
-                <a:ea typeface="DejaVu Sans"/>
-              </a:rPr>
-              <a:t>Docker 28.4.0</a:t>
-            </a:r>
-            <a:endParaRPr b="0" lang="en-US" sz="1600" spc="-1" strike="noStrike">
-              <a:solidFill>
-                <a:schemeClr val="dk1"/>
-              </a:solidFill>
-              <a:latin typeface="Arial"/>
-            </a:endParaRPr>
-          </a:p>
-          <a:p>
-            <a:pPr marL="432000" indent="0" defTabSz="914400">
-              <a:lnSpc>
-                <a:spcPct val="100000"/>
-              </a:lnSpc>
-              <a:spcBef>
-                <a:spcPts val="1191"/>
-              </a:spcBef>
-              <a:spcAft>
-                <a:spcPts val="992"/>
-              </a:spcAft>
-              <a:buNone/>
-              <a:tabLst>
-                <a:tab algn="l" pos="0"/>
-              </a:tabLst>
-            </a:pPr>
-            <a:endParaRPr b="0" lang="en-US" sz="1600" spc="-1" strike="noStrike">
-              <a:solidFill>
-                <a:schemeClr val="dk1"/>
-              </a:solidFill>
-              <a:latin typeface="Arial"/>
-            </a:endParaRPr>
-          </a:p>
-          <a:p>
-            <a:pPr marL="864000" indent="0" defTabSz="914400">
-              <a:lnSpc>
-                <a:spcPct val="100000"/>
-              </a:lnSpc>
-              <a:spcBef>
-                <a:spcPts val="1191"/>
-              </a:spcBef>
-              <a:spcAft>
-                <a:spcPts val="992"/>
-              </a:spcAft>
-              <a:buNone/>
-              <a:tabLst>
-                <a:tab algn="l" pos="0"/>
-              </a:tabLst>
-            </a:pPr>
-            <a:endParaRPr b="0" lang="en-US" sz="1600" spc="-1" strike="noStrike">
-              <a:solidFill>
-                <a:schemeClr val="dk1"/>
+              <a:tabLst>
+                <a:tab algn="l" pos="0"/>
+              </a:tabLst>
+            </a:pPr>
+            <a:r>
+              <a:rPr b="0" lang="en-US" sz="1400" spc="-1" strike="noStrike">
+                <a:solidFill>
+                  <a:srgbClr val="000000"/>
+                </a:solidFill>
+                <a:latin typeface="Arial"/>
+                <a:ea typeface="DejaVu Sans"/>
+              </a:rPr>
+              <a:t>Predictiile pot fi apelate din browser, dintr-o pagina HTML, prin intermediul unei functii async + await mapate pe un link disponibil prin FastAPI (ex: </a:t>
+            </a:r>
+            <a:r>
+              <a:rPr b="0" lang="en-US" sz="1400" spc="-1" strike="noStrike" u="sng">
+                <a:solidFill>
+                  <a:srgbClr val="0000ee"/>
+                </a:solidFill>
+                <a:uFillTx/>
+                <a:latin typeface="Arial"/>
+                <a:ea typeface="DejaVu Sans"/>
+                <a:hlinkClick r:id="rId1"/>
+              </a:rPr>
+              <a:t>http://127.0.0.1:8000/predict/CB</a:t>
+            </a:r>
+            <a:r>
+              <a:rPr b="0" lang="en-US" sz="1400" spc="-1" strike="noStrike">
+                <a:solidFill>
+                  <a:srgbClr val="000000"/>
+                </a:solidFill>
+                <a:latin typeface="Arial"/>
+                <a:ea typeface="DejaVu Sans"/>
+              </a:rPr>
+              <a:t>) ; raspunsul este de tip JSON , iar decodarea lui (nr de predictii) este afisat intr-un tabel. In scriptul </a:t>
+            </a:r>
+            <a:r>
+              <a:rPr b="0" i="1" lang="en-US" sz="1400" spc="-1" strike="noStrike" u="sng">
+                <a:solidFill>
+                  <a:srgbClr val="000000"/>
+                </a:solidFill>
+                <a:uFillTx/>
+                <a:latin typeface="Arial"/>
+                <a:ea typeface="DejaVu Sans"/>
+              </a:rPr>
+              <a:t>fast_api.py</a:t>
+            </a:r>
+            <a:r>
+              <a:rPr b="0" lang="en-US" sz="1400" spc="-1" strike="noStrike">
+                <a:solidFill>
+                  <a:srgbClr val="000000"/>
+                </a:solidFill>
+                <a:latin typeface="Arial"/>
+                <a:ea typeface="DejaVu Sans"/>
+              </a:rPr>
+              <a:t> exista un decorator care “mapeaza” cererea GET(cu link-ul din pagina HTML) de o functie din script care executa incarcarea modelului, generarea predictiei pe meciurile selectate, si actualizarea in baza de date a predictiilor, astfel ca acestea sa poata fi vizualizate ulterior</a:t>
+            </a:r>
+            <a:r>
+              <a:rPr b="0" lang="en-US" sz="1400" spc="-1" strike="noStrike">
+                <a:solidFill>
+                  <a:srgbClr val="000000"/>
+                </a:solidFill>
+                <a:latin typeface="Arial"/>
+                <a:ea typeface="DejaVu Sans"/>
+              </a:rPr>
+              <a:t>	</a:t>
+            </a:r>
+            <a:endParaRPr b="0" lang="en-US" sz="1400" spc="-1" strike="noStrike">
+              <a:solidFill>
+                <a:srgbClr val="000000"/>
+              </a:solidFill>
+              <a:latin typeface="Arial"/>
+            </a:endParaRPr>
+          </a:p>
+          <a:p>
+            <a:pPr indent="0" defTabSz="914400">
+              <a:lnSpc>
+                <a:spcPct val="100000"/>
+              </a:lnSpc>
+              <a:buNone/>
+              <a:tabLst>
+                <a:tab algn="l" pos="0"/>
+              </a:tabLst>
+            </a:pPr>
+            <a:r>
+              <a:rPr b="0" lang="en-US" sz="1400" spc="-1" strike="noStrike">
+                <a:solidFill>
+                  <a:srgbClr val="000000"/>
+                </a:solidFill>
+                <a:latin typeface="Arial"/>
+                <a:ea typeface="DejaVu Sans"/>
+              </a:rPr>
+              <a:t>Putem accesa pagina de predictii</a:t>
+            </a:r>
+            <a:endParaRPr b="0" lang="en-US" sz="1400" spc="-1" strike="noStrike">
+              <a:solidFill>
+                <a:srgbClr val="000000"/>
+              </a:solidFill>
+              <a:latin typeface="Arial"/>
+            </a:endParaRPr>
+          </a:p>
+          <a:p>
+            <a:pPr indent="0" defTabSz="914400">
+              <a:lnSpc>
+                <a:spcPct val="100000"/>
+              </a:lnSpc>
+              <a:buNone/>
+              <a:tabLst>
+                <a:tab algn="l" pos="0"/>
+              </a:tabLst>
+            </a:pPr>
+            <a:r>
+              <a:rPr b="0" lang="en-US" sz="1400" spc="-1" strike="noStrike">
+                <a:solidFill>
+                  <a:srgbClr val="000000"/>
+                </a:solidFill>
+                <a:latin typeface="Arial"/>
+                <a:ea typeface="DejaVu Sans"/>
+              </a:rPr>
+              <a:t>din meniu</a:t>
+            </a:r>
+            <a:endParaRPr b="0" lang="en-US" sz="1400" spc="-1" strike="noStrike">
+              <a:solidFill>
+                <a:srgbClr val="000000"/>
+              </a:solidFill>
+              <a:latin typeface="Arial"/>
+            </a:endParaRPr>
+          </a:p>
+          <a:p>
+            <a:pPr indent="0" defTabSz="914400">
+              <a:lnSpc>
+                <a:spcPct val="100000"/>
+              </a:lnSpc>
+              <a:buNone/>
+              <a:tabLst>
+                <a:tab algn="l" pos="0"/>
+              </a:tabLst>
+            </a:pPr>
+            <a:endParaRPr b="0" lang="en-US" sz="1400" spc="-1" strike="noStrike">
+              <a:solidFill>
+                <a:srgbClr val="000000"/>
+              </a:solidFill>
+              <a:latin typeface="Arial"/>
+            </a:endParaRPr>
+          </a:p>
+          <a:p>
+            <a:pPr indent="0" defTabSz="914400">
+              <a:lnSpc>
+                <a:spcPct val="100000"/>
+              </a:lnSpc>
+              <a:buNone/>
+              <a:tabLst>
+                <a:tab algn="l" pos="0"/>
+              </a:tabLst>
+            </a:pPr>
+            <a:endParaRPr b="0" lang="en-US" sz="1400" spc="-1" strike="noStrike">
+              <a:solidFill>
+                <a:srgbClr val="000000"/>
+              </a:solidFill>
+              <a:latin typeface="Arial"/>
+            </a:endParaRPr>
+          </a:p>
+          <a:p>
+            <a:pPr indent="0" defTabSz="914400">
+              <a:lnSpc>
+                <a:spcPct val="100000"/>
+              </a:lnSpc>
+              <a:buNone/>
+              <a:tabLst>
+                <a:tab algn="l" pos="0"/>
+              </a:tabLst>
+            </a:pPr>
+            <a:endParaRPr b="0" lang="en-US" sz="1400" spc="-1" strike="noStrike">
+              <a:solidFill>
+                <a:srgbClr val="000000"/>
+              </a:solidFill>
+              <a:latin typeface="Arial"/>
+            </a:endParaRPr>
+          </a:p>
+          <a:p>
+            <a:pPr indent="0" defTabSz="914400">
+              <a:lnSpc>
+                <a:spcPct val="100000"/>
+              </a:lnSpc>
+              <a:buNone/>
+              <a:tabLst>
+                <a:tab algn="l" pos="0"/>
+              </a:tabLst>
+            </a:pPr>
+            <a:endParaRPr b="0" lang="en-US" sz="1400" spc="-1" strike="noStrike">
+              <a:solidFill>
+                <a:srgbClr val="000000"/>
+              </a:solidFill>
+              <a:latin typeface="Arial"/>
+            </a:endParaRPr>
+          </a:p>
+          <a:p>
+            <a:pPr indent="0" defTabSz="914400">
+              <a:lnSpc>
+                <a:spcPct val="100000"/>
+              </a:lnSpc>
+              <a:buNone/>
+              <a:tabLst>
+                <a:tab algn="l" pos="0"/>
+              </a:tabLst>
+            </a:pPr>
+            <a:r>
+              <a:rPr b="0" lang="en-US" sz="1400" spc="-1" strike="noStrike">
+                <a:solidFill>
+                  <a:srgbClr val="000000"/>
+                </a:solidFill>
+                <a:latin typeface="Arial"/>
+                <a:ea typeface="DejaVu Sans"/>
+              </a:rPr>
+              <a:t>La finalul rularii fiecarui algoritm in parte</a:t>
+            </a:r>
+            <a:endParaRPr b="0" lang="en-US" sz="1400" spc="-1" strike="noStrike">
+              <a:solidFill>
+                <a:srgbClr val="000000"/>
+              </a:solidFill>
+              <a:latin typeface="Arial"/>
+            </a:endParaRPr>
+          </a:p>
+          <a:p>
+            <a:pPr indent="0" defTabSz="914400">
+              <a:lnSpc>
+                <a:spcPct val="100000"/>
+              </a:lnSpc>
+              <a:buNone/>
+              <a:tabLst>
+                <a:tab algn="l" pos="0"/>
+              </a:tabLst>
+            </a:pPr>
+            <a:r>
+              <a:rPr b="0" lang="en-US" sz="1400" spc="-1" strike="noStrike">
+                <a:solidFill>
+                  <a:srgbClr val="000000"/>
+                </a:solidFill>
+                <a:latin typeface="Arial"/>
+                <a:ea typeface="DejaVu Sans"/>
+              </a:rPr>
+              <a:t>este afisat numarul de predictii </a:t>
+            </a:r>
+            <a:endParaRPr b="0" lang="en-US" sz="1400" spc="-1" strike="noStrike">
+              <a:solidFill>
+                <a:srgbClr val="000000"/>
+              </a:solidFill>
+              <a:latin typeface="Arial"/>
+            </a:endParaRPr>
+          </a:p>
+          <a:p>
+            <a:pPr indent="0" defTabSz="914400">
+              <a:lnSpc>
+                <a:spcPct val="100000"/>
+              </a:lnSpc>
+              <a:buNone/>
+              <a:tabLst>
+                <a:tab algn="l" pos="0"/>
+              </a:tabLst>
+            </a:pPr>
+            <a:endParaRPr b="0" lang="en-US" sz="1400" spc="-1" strike="noStrike">
+              <a:solidFill>
+                <a:srgbClr val="000000"/>
+              </a:solidFill>
+              <a:latin typeface="Arial"/>
+            </a:endParaRPr>
+          </a:p>
+          <a:p>
+            <a:pPr indent="0" defTabSz="914400">
+              <a:lnSpc>
+                <a:spcPct val="100000"/>
+              </a:lnSpc>
+              <a:buNone/>
+              <a:tabLst>
+                <a:tab algn="l" pos="0"/>
+              </a:tabLst>
+            </a:pPr>
+            <a:endParaRPr b="0" lang="en-US" sz="1400" spc="-1" strike="noStrike">
+              <a:solidFill>
+                <a:srgbClr val="000000"/>
+              </a:solidFill>
+              <a:latin typeface="Arial"/>
+            </a:endParaRPr>
+          </a:p>
+          <a:p>
+            <a:pPr indent="0" defTabSz="914400">
+              <a:lnSpc>
+                <a:spcPct val="100000"/>
+              </a:lnSpc>
+              <a:buNone/>
+              <a:tabLst>
+                <a:tab algn="l" pos="0"/>
+              </a:tabLst>
+            </a:pPr>
+            <a:endParaRPr b="0" lang="en-US" sz="1400" spc="-1" strike="noStrike">
+              <a:solidFill>
+                <a:srgbClr val="000000"/>
+              </a:solidFill>
+              <a:latin typeface="Arial"/>
+            </a:endParaRPr>
+          </a:p>
+          <a:p>
+            <a:pPr indent="0" defTabSz="914400">
+              <a:lnSpc>
+                <a:spcPct val="100000"/>
+              </a:lnSpc>
+              <a:buNone/>
+              <a:tabLst>
+                <a:tab algn="l" pos="0"/>
+              </a:tabLst>
+            </a:pPr>
+            <a:endParaRPr b="0" lang="en-US" sz="1400" spc="-1" strike="noStrike">
+              <a:solidFill>
+                <a:srgbClr val="000000"/>
+              </a:solidFill>
+              <a:latin typeface="Arial"/>
+            </a:endParaRPr>
+          </a:p>
+          <a:p>
+            <a:pPr indent="0" defTabSz="914400">
+              <a:lnSpc>
+                <a:spcPct val="100000"/>
+              </a:lnSpc>
+              <a:buNone/>
+              <a:tabLst>
+                <a:tab algn="l" pos="0"/>
+              </a:tabLst>
+            </a:pPr>
+            <a:endParaRPr b="0" lang="en-US" sz="1400" spc="-1" strike="noStrike">
+              <a:solidFill>
+                <a:srgbClr val="000000"/>
+              </a:solidFill>
+              <a:latin typeface="Arial"/>
+            </a:endParaRPr>
+          </a:p>
+          <a:p>
+            <a:pPr indent="0" defTabSz="914400">
+              <a:lnSpc>
+                <a:spcPct val="100000"/>
+              </a:lnSpc>
+              <a:buNone/>
+              <a:tabLst>
+                <a:tab algn="l" pos="0"/>
+              </a:tabLst>
+            </a:pPr>
+            <a:endParaRPr b="0" lang="en-US" sz="1400" spc="-1" strike="noStrike">
+              <a:solidFill>
+                <a:srgbClr val="000000"/>
+              </a:solidFill>
+              <a:latin typeface="Arial"/>
+            </a:endParaRPr>
+          </a:p>
+          <a:p>
+            <a:pPr indent="0" defTabSz="914400">
+              <a:lnSpc>
+                <a:spcPct val="100000"/>
+              </a:lnSpc>
+              <a:buNone/>
+              <a:tabLst>
+                <a:tab algn="l" pos="0"/>
+              </a:tabLst>
+            </a:pPr>
+            <a:endParaRPr b="0" lang="en-US" sz="1400" spc="-1" strike="noStrike">
+              <a:solidFill>
+                <a:srgbClr val="000000"/>
+              </a:solidFill>
+              <a:latin typeface="Arial"/>
+            </a:endParaRPr>
+          </a:p>
+          <a:p>
+            <a:pPr indent="0" defTabSz="914400">
+              <a:lnSpc>
+                <a:spcPct val="100000"/>
+              </a:lnSpc>
+              <a:buNone/>
+              <a:tabLst>
+                <a:tab algn="l" pos="0"/>
+              </a:tabLst>
+            </a:pPr>
+            <a:endParaRPr b="0" lang="en-US" sz="1400" spc="-1" strike="noStrike">
+              <a:solidFill>
+                <a:srgbClr val="000000"/>
+              </a:solidFill>
+              <a:latin typeface="Arial"/>
+            </a:endParaRPr>
+          </a:p>
+          <a:p>
+            <a:pPr indent="0" defTabSz="914400">
+              <a:lnSpc>
+                <a:spcPct val="100000"/>
+              </a:lnSpc>
+              <a:buNone/>
+              <a:tabLst>
+                <a:tab algn="l" pos="0"/>
+              </a:tabLst>
+            </a:pPr>
+            <a:endParaRPr b="0" lang="en-US" sz="1400" spc="-1" strike="noStrike">
+              <a:solidFill>
+                <a:srgbClr val="000000"/>
+              </a:solidFill>
+              <a:latin typeface="Arial"/>
+            </a:endParaRPr>
+          </a:p>
+          <a:p>
+            <a:pPr indent="0" defTabSz="914400">
+              <a:lnSpc>
+                <a:spcPct val="100000"/>
+              </a:lnSpc>
+              <a:buNone/>
+              <a:tabLst>
+                <a:tab algn="l" pos="0"/>
+              </a:tabLst>
+            </a:pPr>
+            <a:endParaRPr b="0" lang="en-US" sz="1400" spc="-1" strike="noStrike">
+              <a:solidFill>
+                <a:srgbClr val="000000"/>
+              </a:solidFill>
+              <a:latin typeface="Arial"/>
+            </a:endParaRPr>
+          </a:p>
+          <a:p>
+            <a:pPr indent="0" defTabSz="914400">
+              <a:lnSpc>
+                <a:spcPct val="100000"/>
+              </a:lnSpc>
+              <a:buNone/>
+              <a:tabLst>
+                <a:tab algn="l" pos="0"/>
+              </a:tabLst>
+            </a:pPr>
+            <a:endParaRPr b="0" lang="en-US" sz="1400" spc="-1" strike="noStrike">
+              <a:solidFill>
+                <a:srgbClr val="000000"/>
+              </a:solidFill>
+              <a:latin typeface="Arial"/>
+            </a:endParaRPr>
+          </a:p>
+          <a:p>
+            <a:pPr indent="0" defTabSz="914400">
+              <a:lnSpc>
+                <a:spcPct val="100000"/>
+              </a:lnSpc>
+              <a:buNone/>
+              <a:tabLst>
+                <a:tab algn="l" pos="0"/>
+              </a:tabLst>
+            </a:pPr>
+            <a:endParaRPr b="0" lang="en-US" sz="1400" spc="-1" strike="noStrike">
+              <a:solidFill>
+                <a:srgbClr val="000000"/>
+              </a:solidFill>
+              <a:latin typeface="Arial"/>
+            </a:endParaRPr>
+          </a:p>
+          <a:p>
+            <a:pPr indent="0" defTabSz="914400">
+              <a:lnSpc>
+                <a:spcPct val="100000"/>
+              </a:lnSpc>
+              <a:buNone/>
+              <a:tabLst>
+                <a:tab algn="l" pos="0"/>
+              </a:tabLst>
+            </a:pPr>
+            <a:endParaRPr b="0" lang="en-US" sz="1400" spc="-1" strike="noStrike">
+              <a:solidFill>
+                <a:srgbClr val="000000"/>
+              </a:solidFill>
+              <a:latin typeface="Arial"/>
+            </a:endParaRPr>
+          </a:p>
+          <a:p>
+            <a:pPr indent="0" defTabSz="914400">
+              <a:lnSpc>
+                <a:spcPct val="100000"/>
+              </a:lnSpc>
+              <a:buNone/>
+              <a:tabLst>
+                <a:tab algn="l" pos="0"/>
+              </a:tabLst>
+            </a:pPr>
+            <a:endParaRPr b="0" lang="en-US" sz="1400" spc="-1" strike="noStrike">
+              <a:solidFill>
+                <a:srgbClr val="000000"/>
               </a:solidFill>
               <a:latin typeface="Arial"/>
             </a:endParaRPr>
           </a:p>
         </p:txBody>
       </p:sp>
+      <p:pic>
+        <p:nvPicPr>
+          <p:cNvPr id="87" name="Picture 82" descr=""/>
+          <p:cNvPicPr/>
+          <p:nvPr/>
+        </p:nvPicPr>
+        <p:blipFill>
+          <a:blip r:embed="rId2"/>
+          <a:stretch/>
+        </p:blipFill>
+        <p:spPr>
+          <a:xfrm>
+            <a:off x="5028120" y="2429640"/>
+            <a:ext cx="4756680" cy="1220040"/>
+          </a:xfrm>
+          <a:prstGeom prst="rect">
+            <a:avLst/>
+          </a:prstGeom>
+          <a:ln w="0">
+            <a:noFill/>
+          </a:ln>
+          <a:effectLst>
+            <a:outerShdw dir="2700000" dist="101823" rotWithShape="0">
+              <a:srgbClr val="808080"/>
+            </a:outerShdw>
+          </a:effectLst>
+        </p:spPr>
+      </p:pic>
+      <p:pic>
+        <p:nvPicPr>
+          <p:cNvPr id="88" name="Picture 83" descr=""/>
+          <p:cNvPicPr/>
+          <p:nvPr/>
+        </p:nvPicPr>
+        <p:blipFill>
+          <a:blip r:embed="rId3"/>
+          <a:stretch/>
+        </p:blipFill>
+        <p:spPr>
+          <a:xfrm>
+            <a:off x="5001480" y="3858480"/>
+            <a:ext cx="4813920" cy="1449360"/>
+          </a:xfrm>
+          <a:prstGeom prst="rect">
+            <a:avLst/>
+          </a:prstGeom>
+          <a:ln w="0">
+            <a:noFill/>
+          </a:ln>
+          <a:effectLst>
+            <a:outerShdw dir="2700000" dist="101823" rotWithShape="0">
+              <a:srgbClr val="808080"/>
+            </a:outerShdw>
+          </a:effectLst>
+        </p:spPr>
+      </p:pic>
     </p:spTree>
   </p:cSld>
   <mc:AlternateContent>
@@ -8510,7 +8817,7 @@
       </p:grpSpPr>
       <p:sp>
         <p:nvSpPr>
-          <p:cNvPr id="87" name="PlaceHolder 1"/>
+          <p:cNvPr id="89" name="PlaceHolder 1"/>
           <p:cNvSpPr>
             <a:spLocks noGrp="1"/>
           </p:cNvSpPr>
@@ -8521,7 +8828,7 @@
         <p:spPr>
           <a:xfrm>
             <a:off x="504000" y="226080"/>
-            <a:ext cx="9069840" cy="478440"/>
+            <a:ext cx="9069480" cy="514080"/>
           </a:xfrm>
           <a:prstGeom prst="rect">
             <a:avLst/>
@@ -8553,11 +8860,11 @@
                 <a:latin typeface="Times New Roman"/>
                 <a:ea typeface="Noto Sans CJK SC"/>
               </a:rPr>
-              <a:t>Realizarea predictiilor</a:t>
+              <a:t>Statistici</a:t>
             </a:r>
             <a:endParaRPr b="0" lang="en-US" sz="2100" spc="-1" strike="noStrike">
               <a:solidFill>
-                <a:schemeClr val="dk1"/>
+                <a:srgbClr val="000000"/>
               </a:solidFill>
               <a:latin typeface="Arial"/>
             </a:endParaRPr>
@@ -8566,7 +8873,7 @@
       </p:sp>
       <p:sp>
         <p:nvSpPr>
-          <p:cNvPr id="88" name="PlaceHolder 2"/>
+          <p:cNvPr id="90" name="PlaceHolder 2"/>
           <p:cNvSpPr>
             <a:spLocks noGrp="1"/>
           </p:cNvSpPr>
@@ -8576,8 +8883,8 @@
         </p:nvSpPr>
         <p:spPr>
           <a:xfrm>
-            <a:off x="504000" y="829080"/>
-            <a:ext cx="9070560" cy="4479120"/>
+            <a:off x="504000" y="804600"/>
+            <a:ext cx="9070200" cy="4421520"/>
           </a:xfrm>
           <a:prstGeom prst="rect">
             <a:avLst/>
@@ -8592,518 +8899,151 @@
             <a:normAutofit/>
           </a:bodyPr>
           <a:p>
-            <a:pPr indent="0" defTabSz="914400">
-              <a:lnSpc>
-                <a:spcPct val="100000"/>
-              </a:lnSpc>
-              <a:buNone/>
-              <a:tabLst>
-                <a:tab algn="l" pos="0"/>
-              </a:tabLst>
-            </a:pPr>
-            <a:endParaRPr b="0" lang="en-US" sz="1400" spc="-1" strike="noStrike">
-              <a:solidFill>
-                <a:schemeClr val="dk1"/>
-              </a:solidFill>
-              <a:latin typeface="Arial"/>
-            </a:endParaRPr>
-          </a:p>
-          <a:p>
-            <a:pPr indent="0" defTabSz="914400">
-              <a:lnSpc>
-                <a:spcPct val="100000"/>
-              </a:lnSpc>
-              <a:spcBef>
-                <a:spcPts val="1191"/>
-              </a:spcBef>
-              <a:spcAft>
-                <a:spcPts val="992"/>
-              </a:spcAft>
-              <a:buNone/>
-              <a:tabLst>
-                <a:tab algn="l" pos="0"/>
-              </a:tabLst>
-            </a:pPr>
-            <a:r>
-              <a:rPr b="0" lang="en-US" sz="1400" spc="-1" strike="noStrike">
-                <a:solidFill>
-                  <a:srgbClr val="000000"/>
-                </a:solidFill>
-                <a:latin typeface="Arial"/>
-                <a:ea typeface="DejaVu Sans"/>
-              </a:rPr>
-              <a:t>Predictiile pot fi apelate din browser, dintr-o pagina HTML, prin intermediul unei functii async + await mapate pe un link disponibil prin FastAPI (ex: </a:t>
-            </a:r>
-            <a:r>
-              <a:rPr b="0" lang="en-US" sz="1400" spc="-1" strike="noStrike" u="sng">
-                <a:solidFill>
-                  <a:srgbClr val="0000ee"/>
-                </a:solidFill>
-                <a:uFillTx/>
-                <a:latin typeface="Arial"/>
-                <a:ea typeface="DejaVu Sans"/>
-                <a:hlinkClick r:id="rId1"/>
-              </a:rPr>
-              <a:t>http://127.0.0.1:8000/predict/CB</a:t>
-            </a:r>
-            <a:r>
-              <a:rPr b="0" lang="en-US" sz="1400" spc="-1" strike="noStrike">
-                <a:solidFill>
-                  <a:srgbClr val="000000"/>
-                </a:solidFill>
-                <a:latin typeface="Arial"/>
-                <a:ea typeface="DejaVu Sans"/>
-              </a:rPr>
-              <a:t>) ; raspunsul este de tip JSON , iar decodarea lui (nr de predictii) este afisat intr-un tabel. In scriptul </a:t>
-            </a:r>
-            <a:r>
-              <a:rPr b="0" i="1" lang="en-US" sz="1400" spc="-1" strike="noStrike" u="sng">
-                <a:solidFill>
-                  <a:srgbClr val="000000"/>
-                </a:solidFill>
-                <a:uFillTx/>
-                <a:latin typeface="Arial"/>
-                <a:ea typeface="DejaVu Sans"/>
-              </a:rPr>
-              <a:t>fast_api.py</a:t>
-            </a:r>
-            <a:r>
-              <a:rPr b="0" lang="en-US" sz="1400" spc="-1" strike="noStrike">
-                <a:solidFill>
-                  <a:srgbClr val="000000"/>
-                </a:solidFill>
-                <a:latin typeface="Arial"/>
-                <a:ea typeface="DejaVu Sans"/>
-              </a:rPr>
-              <a:t> exista un decorator care “mapeaza” cererea GET(cu link-ul din pagina HTML) de o functie din script care executa incarcarea modelului, generarea predictiei pe meciurile selectate, si actualizarea in baza de date a predictiilor, astfel ca acestea sa poata fi vizualizate ulterior</a:t>
-            </a:r>
-            <a:r>
-              <a:rPr b="0" lang="en-US" sz="1400" spc="-1" strike="noStrike">
-                <a:solidFill>
-                  <a:srgbClr val="000000"/>
-                </a:solidFill>
-                <a:latin typeface="Arial"/>
-                <a:ea typeface="DejaVu Sans"/>
-              </a:rPr>
-              <a:t>	</a:t>
-            </a:r>
-            <a:endParaRPr b="0" lang="en-US" sz="1400" spc="-1" strike="noStrike">
-              <a:solidFill>
-                <a:schemeClr val="dk1"/>
-              </a:solidFill>
-              <a:latin typeface="Arial"/>
-            </a:endParaRPr>
-          </a:p>
-          <a:p>
-            <a:pPr indent="0" defTabSz="914400">
-              <a:lnSpc>
-                <a:spcPct val="100000"/>
-              </a:lnSpc>
-              <a:buNone/>
-              <a:tabLst>
-                <a:tab algn="l" pos="0"/>
-              </a:tabLst>
-            </a:pPr>
-            <a:r>
-              <a:rPr b="0" lang="en-US" sz="1400" spc="-1" strike="noStrike">
-                <a:solidFill>
-                  <a:srgbClr val="000000"/>
-                </a:solidFill>
-                <a:latin typeface="Arial"/>
-                <a:ea typeface="DejaVu Sans"/>
-              </a:rPr>
-              <a:t>Putem accesa pagina de predictii</a:t>
-            </a:r>
-            <a:endParaRPr b="0" lang="en-US" sz="1400" spc="-1" strike="noStrike">
-              <a:solidFill>
-                <a:schemeClr val="dk1"/>
-              </a:solidFill>
-              <a:latin typeface="Arial"/>
-            </a:endParaRPr>
-          </a:p>
-          <a:p>
-            <a:pPr indent="0" defTabSz="914400">
-              <a:lnSpc>
-                <a:spcPct val="100000"/>
-              </a:lnSpc>
-              <a:buNone/>
-              <a:tabLst>
-                <a:tab algn="l" pos="0"/>
-              </a:tabLst>
-            </a:pPr>
-            <a:r>
-              <a:rPr b="0" lang="en-US" sz="1400" spc="-1" strike="noStrike">
-                <a:solidFill>
-                  <a:srgbClr val="000000"/>
-                </a:solidFill>
-                <a:latin typeface="Arial"/>
-                <a:ea typeface="DejaVu Sans"/>
-              </a:rPr>
-              <a:t>din meniu</a:t>
-            </a:r>
-            <a:endParaRPr b="0" lang="en-US" sz="1400" spc="-1" strike="noStrike">
-              <a:solidFill>
-                <a:schemeClr val="dk1"/>
-              </a:solidFill>
-              <a:latin typeface="Arial"/>
-            </a:endParaRPr>
-          </a:p>
-          <a:p>
-            <a:pPr indent="0" defTabSz="914400">
-              <a:lnSpc>
-                <a:spcPct val="100000"/>
-              </a:lnSpc>
-              <a:buNone/>
-              <a:tabLst>
-                <a:tab algn="l" pos="0"/>
-              </a:tabLst>
-            </a:pPr>
-            <a:endParaRPr b="0" lang="en-US" sz="1400" spc="-1" strike="noStrike">
-              <a:solidFill>
-                <a:schemeClr val="dk1"/>
-              </a:solidFill>
-              <a:latin typeface="Arial"/>
-            </a:endParaRPr>
-          </a:p>
-          <a:p>
-            <a:pPr indent="0" defTabSz="914400">
-              <a:lnSpc>
-                <a:spcPct val="100000"/>
-              </a:lnSpc>
-              <a:buNone/>
-              <a:tabLst>
-                <a:tab algn="l" pos="0"/>
-              </a:tabLst>
-            </a:pPr>
-            <a:endParaRPr b="0" lang="en-US" sz="1400" spc="-1" strike="noStrike">
-              <a:solidFill>
-                <a:schemeClr val="dk1"/>
-              </a:solidFill>
-              <a:latin typeface="Arial"/>
-            </a:endParaRPr>
-          </a:p>
-          <a:p>
-            <a:pPr indent="0" defTabSz="914400">
-              <a:lnSpc>
-                <a:spcPct val="100000"/>
-              </a:lnSpc>
-              <a:buNone/>
-              <a:tabLst>
-                <a:tab algn="l" pos="0"/>
-              </a:tabLst>
-            </a:pPr>
-            <a:endParaRPr b="0" lang="en-US" sz="1400" spc="-1" strike="noStrike">
-              <a:solidFill>
-                <a:schemeClr val="dk1"/>
-              </a:solidFill>
-              <a:latin typeface="Arial"/>
-            </a:endParaRPr>
-          </a:p>
-          <a:p>
-            <a:pPr indent="0" defTabSz="914400">
-              <a:lnSpc>
-                <a:spcPct val="100000"/>
-              </a:lnSpc>
-              <a:buNone/>
-              <a:tabLst>
-                <a:tab algn="l" pos="0"/>
-              </a:tabLst>
-            </a:pPr>
-            <a:endParaRPr b="0" lang="en-US" sz="1400" spc="-1" strike="noStrike">
-              <a:solidFill>
-                <a:schemeClr val="dk1"/>
-              </a:solidFill>
-              <a:latin typeface="Arial"/>
-            </a:endParaRPr>
-          </a:p>
-          <a:p>
-            <a:pPr indent="0" defTabSz="914400">
-              <a:lnSpc>
-                <a:spcPct val="100000"/>
-              </a:lnSpc>
-              <a:buNone/>
-              <a:tabLst>
-                <a:tab algn="l" pos="0"/>
-              </a:tabLst>
-            </a:pPr>
-            <a:r>
-              <a:rPr b="0" lang="en-US" sz="1400" spc="-1" strike="noStrike">
-                <a:solidFill>
-                  <a:srgbClr val="000000"/>
-                </a:solidFill>
-                <a:latin typeface="Arial"/>
-                <a:ea typeface="DejaVu Sans"/>
-              </a:rPr>
-              <a:t>La finalul rularii fiecarui algoritm in parte</a:t>
-            </a:r>
-            <a:endParaRPr b="0" lang="en-US" sz="1400" spc="-1" strike="noStrike">
-              <a:solidFill>
-                <a:schemeClr val="dk1"/>
-              </a:solidFill>
-              <a:latin typeface="Arial"/>
-            </a:endParaRPr>
-          </a:p>
-          <a:p>
-            <a:pPr indent="0" defTabSz="914400">
-              <a:lnSpc>
-                <a:spcPct val="100000"/>
-              </a:lnSpc>
-              <a:buNone/>
-              <a:tabLst>
-                <a:tab algn="l" pos="0"/>
-              </a:tabLst>
-            </a:pPr>
-            <a:r>
-              <a:rPr b="0" lang="en-US" sz="1400" spc="-1" strike="noStrike">
-                <a:solidFill>
-                  <a:srgbClr val="000000"/>
-                </a:solidFill>
-                <a:latin typeface="Arial"/>
-                <a:ea typeface="DejaVu Sans"/>
-              </a:rPr>
-              <a:t>este afisat numarul de predictii </a:t>
-            </a:r>
-            <a:endParaRPr b="0" lang="en-US" sz="1400" spc="-1" strike="noStrike">
-              <a:solidFill>
-                <a:schemeClr val="dk1"/>
-              </a:solidFill>
-              <a:latin typeface="Arial"/>
-            </a:endParaRPr>
-          </a:p>
-          <a:p>
-            <a:pPr indent="0" defTabSz="914400">
-              <a:lnSpc>
-                <a:spcPct val="100000"/>
-              </a:lnSpc>
-              <a:buNone/>
-              <a:tabLst>
-                <a:tab algn="l" pos="0"/>
-              </a:tabLst>
-            </a:pPr>
-            <a:endParaRPr b="0" lang="en-US" sz="1400" spc="-1" strike="noStrike">
-              <a:solidFill>
-                <a:schemeClr val="dk1"/>
-              </a:solidFill>
-              <a:latin typeface="Arial"/>
-            </a:endParaRPr>
-          </a:p>
-          <a:p>
-            <a:pPr indent="0" defTabSz="914400">
-              <a:lnSpc>
-                <a:spcPct val="100000"/>
-              </a:lnSpc>
-              <a:buNone/>
-              <a:tabLst>
-                <a:tab algn="l" pos="0"/>
-              </a:tabLst>
-            </a:pPr>
-            <a:endParaRPr b="0" lang="en-US" sz="1400" spc="-1" strike="noStrike">
-              <a:solidFill>
-                <a:schemeClr val="dk1"/>
-              </a:solidFill>
-              <a:latin typeface="Arial"/>
-            </a:endParaRPr>
-          </a:p>
-          <a:p>
-            <a:pPr indent="0" defTabSz="914400">
-              <a:lnSpc>
-                <a:spcPct val="100000"/>
-              </a:lnSpc>
-              <a:buNone/>
-              <a:tabLst>
-                <a:tab algn="l" pos="0"/>
-              </a:tabLst>
-            </a:pPr>
-            <a:endParaRPr b="0" lang="en-US" sz="1400" spc="-1" strike="noStrike">
-              <a:solidFill>
-                <a:schemeClr val="dk1"/>
-              </a:solidFill>
-              <a:latin typeface="Arial"/>
-            </a:endParaRPr>
-          </a:p>
-          <a:p>
-            <a:pPr indent="0" defTabSz="914400">
-              <a:lnSpc>
-                <a:spcPct val="100000"/>
-              </a:lnSpc>
-              <a:buNone/>
-              <a:tabLst>
-                <a:tab algn="l" pos="0"/>
-              </a:tabLst>
-            </a:pPr>
-            <a:endParaRPr b="0" lang="en-US" sz="1400" spc="-1" strike="noStrike">
-              <a:solidFill>
-                <a:schemeClr val="dk1"/>
-              </a:solidFill>
-              <a:latin typeface="Arial"/>
-            </a:endParaRPr>
-          </a:p>
-          <a:p>
-            <a:pPr indent="0" defTabSz="914400">
-              <a:lnSpc>
-                <a:spcPct val="100000"/>
-              </a:lnSpc>
-              <a:buNone/>
-              <a:tabLst>
-                <a:tab algn="l" pos="0"/>
-              </a:tabLst>
-            </a:pPr>
-            <a:endParaRPr b="0" lang="en-US" sz="1400" spc="-1" strike="noStrike">
-              <a:solidFill>
-                <a:schemeClr val="dk1"/>
-              </a:solidFill>
-              <a:latin typeface="Arial"/>
-            </a:endParaRPr>
-          </a:p>
-          <a:p>
-            <a:pPr indent="0" defTabSz="914400">
-              <a:lnSpc>
-                <a:spcPct val="100000"/>
-              </a:lnSpc>
-              <a:buNone/>
-              <a:tabLst>
-                <a:tab algn="l" pos="0"/>
-              </a:tabLst>
-            </a:pPr>
-            <a:endParaRPr b="0" lang="en-US" sz="1400" spc="-1" strike="noStrike">
-              <a:solidFill>
-                <a:schemeClr val="dk1"/>
-              </a:solidFill>
-              <a:latin typeface="Arial"/>
-            </a:endParaRPr>
-          </a:p>
-          <a:p>
-            <a:pPr indent="0" defTabSz="914400">
-              <a:lnSpc>
-                <a:spcPct val="100000"/>
-              </a:lnSpc>
-              <a:buNone/>
-              <a:tabLst>
-                <a:tab algn="l" pos="0"/>
-              </a:tabLst>
-            </a:pPr>
-            <a:endParaRPr b="0" lang="en-US" sz="1400" spc="-1" strike="noStrike">
-              <a:solidFill>
-                <a:schemeClr val="dk1"/>
-              </a:solidFill>
-              <a:latin typeface="Arial"/>
-            </a:endParaRPr>
-          </a:p>
-          <a:p>
-            <a:pPr indent="0" defTabSz="914400">
-              <a:lnSpc>
-                <a:spcPct val="100000"/>
-              </a:lnSpc>
-              <a:buNone/>
-              <a:tabLst>
-                <a:tab algn="l" pos="0"/>
-              </a:tabLst>
-            </a:pPr>
-            <a:endParaRPr b="0" lang="en-US" sz="1400" spc="-1" strike="noStrike">
-              <a:solidFill>
-                <a:schemeClr val="dk1"/>
-              </a:solidFill>
-              <a:latin typeface="Arial"/>
-            </a:endParaRPr>
-          </a:p>
-          <a:p>
-            <a:pPr indent="0" defTabSz="914400">
-              <a:lnSpc>
-                <a:spcPct val="100000"/>
-              </a:lnSpc>
-              <a:buNone/>
-              <a:tabLst>
-                <a:tab algn="l" pos="0"/>
-              </a:tabLst>
-            </a:pPr>
-            <a:endParaRPr b="0" lang="en-US" sz="1400" spc="-1" strike="noStrike">
-              <a:solidFill>
-                <a:schemeClr val="dk1"/>
-              </a:solidFill>
-              <a:latin typeface="Arial"/>
-            </a:endParaRPr>
-          </a:p>
-          <a:p>
-            <a:pPr indent="0" defTabSz="914400">
-              <a:lnSpc>
-                <a:spcPct val="100000"/>
-              </a:lnSpc>
-              <a:buNone/>
-              <a:tabLst>
-                <a:tab algn="l" pos="0"/>
-              </a:tabLst>
-            </a:pPr>
-            <a:endParaRPr b="0" lang="en-US" sz="1400" spc="-1" strike="noStrike">
-              <a:solidFill>
-                <a:schemeClr val="dk1"/>
-              </a:solidFill>
-              <a:latin typeface="Arial"/>
-            </a:endParaRPr>
-          </a:p>
-          <a:p>
-            <a:pPr indent="0" defTabSz="914400">
-              <a:lnSpc>
-                <a:spcPct val="100000"/>
-              </a:lnSpc>
-              <a:buNone/>
-              <a:tabLst>
-                <a:tab algn="l" pos="0"/>
-              </a:tabLst>
-            </a:pPr>
-            <a:endParaRPr b="0" lang="en-US" sz="1400" spc="-1" strike="noStrike">
-              <a:solidFill>
-                <a:schemeClr val="dk1"/>
-              </a:solidFill>
-              <a:latin typeface="Arial"/>
-            </a:endParaRPr>
-          </a:p>
-          <a:p>
-            <a:pPr indent="0" defTabSz="914400">
-              <a:lnSpc>
-                <a:spcPct val="100000"/>
-              </a:lnSpc>
-              <a:buNone/>
-              <a:tabLst>
-                <a:tab algn="l" pos="0"/>
-              </a:tabLst>
-            </a:pPr>
-            <a:endParaRPr b="0" lang="en-US" sz="1400" spc="-1" strike="noStrike">
-              <a:solidFill>
-                <a:schemeClr val="dk1"/>
-              </a:solidFill>
-              <a:latin typeface="Arial"/>
-            </a:endParaRPr>
-          </a:p>
-          <a:p>
-            <a:pPr indent="0" defTabSz="914400">
-              <a:lnSpc>
-                <a:spcPct val="100000"/>
-              </a:lnSpc>
-              <a:buNone/>
-              <a:tabLst>
-                <a:tab algn="l" pos="0"/>
-              </a:tabLst>
-            </a:pPr>
-            <a:endParaRPr b="0" lang="en-US" sz="1400" spc="-1" strike="noStrike">
-              <a:solidFill>
-                <a:schemeClr val="dk1"/>
-              </a:solidFill>
-              <a:latin typeface="Arial"/>
-            </a:endParaRPr>
-          </a:p>
-          <a:p>
-            <a:pPr indent="0" defTabSz="914400">
-              <a:lnSpc>
-                <a:spcPct val="100000"/>
-              </a:lnSpc>
-              <a:buNone/>
-              <a:tabLst>
-                <a:tab algn="l" pos="0"/>
-              </a:tabLst>
-            </a:pPr>
-            <a:endParaRPr b="0" lang="en-US" sz="1400" spc="-1" strike="noStrike">
-              <a:solidFill>
-                <a:schemeClr val="dk1"/>
+            <a:pPr marL="432000" indent="0" defTabSz="914400">
+              <a:lnSpc>
+                <a:spcPct val="100000"/>
+              </a:lnSpc>
+              <a:spcBef>
+                <a:spcPts val="1417"/>
+              </a:spcBef>
+              <a:buNone/>
+              <a:tabLst>
+                <a:tab algn="l" pos="0"/>
+              </a:tabLst>
+            </a:pPr>
+            <a:r>
+              <a:rPr b="0" lang="en-US" sz="1600" spc="-1" strike="noStrike">
+                <a:solidFill>
+                  <a:srgbClr val="000000"/>
+                </a:solidFill>
+                <a:latin typeface="Arial"/>
+                <a:ea typeface="DejaVu Sans"/>
+              </a:rPr>
+              <a:t>Putem obtine statistici dupa mai multe criterii : </a:t>
+            </a:r>
+            <a:r>
+              <a:rPr b="0" i="1" lang="en-US" sz="1600" spc="-1" strike="noStrike">
+                <a:solidFill>
+                  <a:srgbClr val="000000"/>
+                </a:solidFill>
+                <a:latin typeface="Arial"/>
+                <a:ea typeface="DejaVu Sans"/>
+              </a:rPr>
+              <a:t>tip de algoritm AI</a:t>
+            </a:r>
+            <a:r>
+              <a:rPr b="0" lang="en-US" sz="1600" spc="-1" strike="noStrike">
+                <a:solidFill>
+                  <a:srgbClr val="000000"/>
+                </a:solidFill>
+                <a:latin typeface="Arial"/>
+                <a:ea typeface="DejaVu Sans"/>
+              </a:rPr>
+              <a:t>,</a:t>
+            </a:r>
+            <a:r>
+              <a:rPr b="0" i="1" lang="en-US" sz="1600" spc="-1" strike="noStrike">
+                <a:solidFill>
+                  <a:srgbClr val="000000"/>
+                </a:solidFill>
+                <a:latin typeface="Arial"/>
+                <a:ea typeface="DejaVu Sans"/>
+              </a:rPr>
+              <a:t> perioada desfasurare meciuri</a:t>
+            </a:r>
+            <a:r>
+              <a:rPr b="0" lang="en-US" sz="1600" spc="-1" strike="noStrike">
+                <a:solidFill>
+                  <a:srgbClr val="000000"/>
+                </a:solidFill>
+                <a:latin typeface="Arial"/>
+                <a:ea typeface="DejaVu Sans"/>
+              </a:rPr>
+              <a:t>,  </a:t>
+            </a:r>
+            <a:r>
+              <a:rPr b="0" i="1" lang="en-US" sz="1600" spc="-1" strike="noStrike">
+                <a:solidFill>
+                  <a:srgbClr val="000000"/>
+                </a:solidFill>
+                <a:latin typeface="Arial"/>
+                <a:ea typeface="DejaVu Sans"/>
+              </a:rPr>
+              <a:t>o anumita liga, tip de rezultat in meci.</a:t>
+            </a:r>
+            <a:r>
+              <a:rPr b="0" lang="en-US" sz="1600" spc="-1" strike="noStrike">
+                <a:solidFill>
+                  <a:srgbClr val="000000"/>
+                </a:solidFill>
+                <a:latin typeface="Arial"/>
+                <a:ea typeface="DejaVu Sans"/>
+              </a:rPr>
+              <a:t> De asemenea se calculeaza </a:t>
+            </a:r>
+            <a:r>
+              <a:rPr b="1" lang="en-US" sz="1600" spc="-1" strike="noStrike">
+                <a:solidFill>
+                  <a:srgbClr val="000000"/>
+                </a:solidFill>
+                <a:latin typeface="Arial"/>
+                <a:ea typeface="DejaVu Sans"/>
+              </a:rPr>
+              <a:t>precizia predictiilor</a:t>
+            </a:r>
+            <a:r>
+              <a:rPr b="0" lang="en-US" sz="1600" spc="-1" strike="noStrike">
+                <a:solidFill>
+                  <a:srgbClr val="000000"/>
+                </a:solidFill>
+                <a:latin typeface="Arial"/>
+                <a:ea typeface="DejaVu Sans"/>
+              </a:rPr>
+              <a:t> pe fiecare tip de algoritm si fiecare tip de rezultat. (ex: pt rezultat “oaspeti” la NN obtinem o precizie de 0.506 pt meciurile desfasurate intre 01.11.2025 – 20.12.2025) (culorile semnifica tipul de rezultat din meci sau al predictiei pt  fi mai usor de identificat vizual)</a:t>
+            </a:r>
+            <a:endParaRPr b="0" lang="en-US" sz="1600" spc="-1" strike="noStrike">
+              <a:solidFill>
+                <a:srgbClr val="000000"/>
+              </a:solidFill>
+              <a:latin typeface="Arial"/>
+            </a:endParaRPr>
+          </a:p>
+          <a:p>
+            <a:pPr marL="432000" indent="0" defTabSz="914400">
+              <a:lnSpc>
+                <a:spcPct val="100000"/>
+              </a:lnSpc>
+              <a:spcBef>
+                <a:spcPts val="1417"/>
+              </a:spcBef>
+              <a:buNone/>
+              <a:tabLst>
+                <a:tab algn="l" pos="0"/>
+              </a:tabLst>
+            </a:pPr>
+            <a:endParaRPr b="0" lang="en-US" sz="1600" spc="-1" strike="noStrike">
+              <a:solidFill>
+                <a:srgbClr val="000000"/>
+              </a:solidFill>
+              <a:latin typeface="Arial"/>
+            </a:endParaRPr>
+          </a:p>
+          <a:p>
+            <a:pPr marL="432000" indent="0" defTabSz="914400">
+              <a:lnSpc>
+                <a:spcPct val="100000"/>
+              </a:lnSpc>
+              <a:spcBef>
+                <a:spcPts val="1417"/>
+              </a:spcBef>
+              <a:buNone/>
+              <a:tabLst>
+                <a:tab algn="l" pos="0"/>
+              </a:tabLst>
+            </a:pPr>
+            <a:endParaRPr b="0" lang="en-US" sz="1600" spc="-1" strike="noStrike">
+              <a:solidFill>
+                <a:srgbClr val="000000"/>
               </a:solidFill>
               <a:latin typeface="Arial"/>
             </a:endParaRPr>
@@ -9112,18 +9052,18 @@
       </p:sp>
       <p:pic>
         <p:nvPicPr>
-          <p:cNvPr id="89" name="Picture 82" descr=""/>
+          <p:cNvPr id="91" name="Picture 86" descr=""/>
           <p:cNvPicPr/>
           <p:nvPr/>
         </p:nvPicPr>
         <p:blipFill>
-          <a:blip r:embed="rId2"/>
+          <a:blip r:embed="rId1"/>
           <a:stretch/>
         </p:blipFill>
         <p:spPr>
           <a:xfrm>
-            <a:off x="5028120" y="2429640"/>
-            <a:ext cx="4757040" cy="1220400"/>
+            <a:off x="504000" y="2270160"/>
+            <a:ext cx="9353520" cy="3277800"/>
           </a:xfrm>
           <a:prstGeom prst="rect">
             <a:avLst/>
@@ -9131,39 +9071,6 @@
           <a:ln w="0">
             <a:noFill/>
           </a:ln>
-          <a:effectLst>
-            <a:outerShdw dir="2700000" dist="101823" rotWithShape="0">
-              <a:srgbClr val="808080"/>
-            </a:outerShdw>
-          </a:effectLst>
-        </p:spPr>
-      </p:pic>
-      <p:pic>
-        <p:nvPicPr>
-          <p:cNvPr id="90" name="Picture 83" descr=""/>
-          <p:cNvPicPr/>
-          <p:nvPr/>
-        </p:nvPicPr>
-        <p:blipFill>
-          <a:blip r:embed="rId3"/>
-          <a:stretch/>
-        </p:blipFill>
-        <p:spPr>
-          <a:xfrm>
-            <a:off x="5001480" y="3858480"/>
-            <a:ext cx="4814280" cy="1449720"/>
-          </a:xfrm>
-          <a:prstGeom prst="rect">
-            <a:avLst/>
-          </a:prstGeom>
-          <a:ln w="0">
-            <a:noFill/>
-          </a:ln>
-          <a:effectLst>
-            <a:outerShdw dir="2700000" dist="101823" rotWithShape="0">
-              <a:srgbClr val="808080"/>
-            </a:outerShdw>
-          </a:effectLst>
         </p:spPr>
       </p:pic>
     </p:spTree>
@@ -9213,7 +9120,7 @@
       </p:grpSpPr>
       <p:sp>
         <p:nvSpPr>
-          <p:cNvPr id="91" name="PlaceHolder 1"/>
+          <p:cNvPr id="92" name="PlaceHolder 1"/>
           <p:cNvSpPr>
             <a:spLocks noGrp="1"/>
           </p:cNvSpPr>
@@ -9224,7 +9131,7 @@
         <p:spPr>
           <a:xfrm>
             <a:off x="504000" y="226080"/>
-            <a:ext cx="9069840" cy="514440"/>
+            <a:ext cx="9069480" cy="514080"/>
           </a:xfrm>
           <a:prstGeom prst="rect">
             <a:avLst/>
@@ -9256,11 +9163,11 @@
                 <a:latin typeface="Times New Roman"/>
                 <a:ea typeface="Noto Sans CJK SC"/>
               </a:rPr>
-              <a:t>Statistici</a:t>
+              <a:t>Predictia pe meciuri care urmeaza a se desfasura</a:t>
             </a:r>
             <a:endParaRPr b="0" lang="en-US" sz="2100" spc="-1" strike="noStrike">
               <a:solidFill>
-                <a:schemeClr val="dk1"/>
+                <a:srgbClr val="000000"/>
               </a:solidFill>
               <a:latin typeface="Arial"/>
             </a:endParaRPr>
@@ -9269,7 +9176,7 @@
       </p:sp>
       <p:sp>
         <p:nvSpPr>
-          <p:cNvPr id="92" name="PlaceHolder 2"/>
+          <p:cNvPr id="93" name="PlaceHolder 2"/>
           <p:cNvSpPr>
             <a:spLocks noGrp="1"/>
           </p:cNvSpPr>
@@ -9280,7 +9187,7 @@
         <p:spPr>
           <a:xfrm>
             <a:off x="504000" y="804600"/>
-            <a:ext cx="9070560" cy="4421880"/>
+            <a:ext cx="9070200" cy="4421520"/>
           </a:xfrm>
           <a:prstGeom prst="rect">
             <a:avLst/>
@@ -9307,6 +9214,31 @@
                 <a:tab algn="l" pos="0"/>
               </a:tabLst>
             </a:pPr>
+            <a:endParaRPr b="0" lang="en-US" sz="1600" spc="-1" strike="noStrike">
+              <a:solidFill>
+                <a:srgbClr val="000000"/>
+              </a:solidFill>
+              <a:latin typeface="Arial"/>
+            </a:endParaRPr>
+          </a:p>
+          <a:p>
+            <a:pPr marL="432000" indent="-324000" defTabSz="914400">
+              <a:lnSpc>
+                <a:spcPct val="100000"/>
+              </a:lnSpc>
+              <a:spcBef>
+                <a:spcPts val="1417"/>
+              </a:spcBef>
+              <a:buClr>
+                <a:srgbClr val="000000"/>
+              </a:buClr>
+              <a:buSzPct val="45000"/>
+              <a:buFont typeface="Wingdings" charset="2"/>
+              <a:buChar char=""/>
+              <a:tabLst>
+                <a:tab algn="l" pos="0"/>
+              </a:tabLst>
+            </a:pPr>
             <a:r>
               <a:rPr b="0" lang="en-US" sz="1600" spc="-1" strike="noStrike">
                 <a:solidFill>
@@ -9315,7 +9247,7 @@
                 <a:latin typeface="Arial"/>
                 <a:ea typeface="DejaVu Sans"/>
               </a:rPr>
-              <a:t>Putem obtine statistici dupa mai multe criterii : </a:t>
+              <a:t>Putem vizualiza predictiile pentru meciurile care nu s-au desfasurat, dupa mai multe criterii : </a:t>
             </a:r>
             <a:r>
               <a:rPr b="0" i="1" lang="en-US" sz="1600" spc="-1" strike="noStrike">
@@ -9365,7 +9297,7 @@
                 <a:latin typeface="Arial"/>
                 <a:ea typeface="DejaVu Sans"/>
               </a:rPr>
-              <a:t>o anumita liga, tip de rezultat in meci.</a:t>
+              <a:t>o anumita liga, tip de rezultat in meci</a:t>
             </a:r>
             <a:r>
               <a:rPr b="0" lang="en-US" sz="1600" spc="-1" strike="noStrike">
@@ -9375,31 +9307,11 @@
                 <a:latin typeface="Arial"/>
                 <a:ea typeface="DejaVu Sans"/>
               </a:rPr>
-              <a:t> De asemenea se calculeaza </a:t>
-            </a:r>
-            <a:r>
-              <a:rPr b="1" lang="en-US" sz="1600" spc="-1" strike="noStrike">
-                <a:solidFill>
-                  <a:srgbClr val="000000"/>
-                </a:solidFill>
-                <a:latin typeface="Arial"/>
-                <a:ea typeface="DejaVu Sans"/>
-              </a:rPr>
-              <a:t>precizia predictiilor</a:t>
-            </a:r>
-            <a:r>
-              <a:rPr b="0" lang="en-US" sz="1600" spc="-1" strike="noStrike">
-                <a:solidFill>
-                  <a:srgbClr val="000000"/>
-                </a:solidFill>
-                <a:latin typeface="Arial"/>
-                <a:ea typeface="DejaVu Sans"/>
-              </a:rPr>
-              <a:t> pe fiecare tip de algoritm si fiecare tip de rezultat. (ex: pt rezultat “oaspeti” la NN obtinem o precizie de 0.506 pt meciurile desfasurate intre 01.11.2025 – 20.12.2025) (culorile semnifica tipul de rezultat din meci sau al predictiei pt  fi mai usor de identificat vizual)</a:t>
+              <a:t>.  (culorile semnifica tipul de rezultat din meci sau al predictiei pt  fi mai usor de identificat vizual)</a:t>
             </a:r>
             <a:endParaRPr b="0" lang="en-US" sz="1600" spc="-1" strike="noStrike">
               <a:solidFill>
-                <a:schemeClr val="dk1"/>
+                <a:srgbClr val="000000"/>
               </a:solidFill>
               <a:latin typeface="Arial"/>
             </a:endParaRPr>
@@ -9419,7 +9331,7 @@
             </a:pPr>
             <a:endParaRPr b="0" lang="en-US" sz="1600" spc="-1" strike="noStrike">
               <a:solidFill>
-                <a:schemeClr val="dk1"/>
+                <a:srgbClr val="000000"/>
               </a:solidFill>
               <a:latin typeface="Arial"/>
             </a:endParaRPr>
@@ -9439,7 +9351,7 @@
             </a:pPr>
             <a:endParaRPr b="0" lang="en-US" sz="1600" spc="-1" strike="noStrike">
               <a:solidFill>
-                <a:schemeClr val="dk1"/>
+                <a:srgbClr val="000000"/>
               </a:solidFill>
               <a:latin typeface="Arial"/>
             </a:endParaRPr>
@@ -9448,7 +9360,7 @@
       </p:sp>
       <p:pic>
         <p:nvPicPr>
-          <p:cNvPr id="93" name="Picture 86" descr=""/>
+          <p:cNvPr id="94" name="Picture 89" descr=""/>
           <p:cNvPicPr/>
           <p:nvPr/>
         </p:nvPicPr>
@@ -9458,8 +9370,8 @@
         </p:blipFill>
         <p:spPr>
           <a:xfrm>
-            <a:off x="504000" y="2270160"/>
-            <a:ext cx="9353880" cy="3278160"/>
+            <a:off x="1329480" y="2426040"/>
+            <a:ext cx="7922520" cy="3089880"/>
           </a:xfrm>
           <a:prstGeom prst="rect">
             <a:avLst/>
@@ -9516,7 +9428,7 @@
       </p:grpSpPr>
       <p:sp>
         <p:nvSpPr>
-          <p:cNvPr id="94" name="PlaceHolder 1"/>
+          <p:cNvPr id="95" name="PlaceHolder 1"/>
           <p:cNvSpPr>
             <a:spLocks noGrp="1"/>
           </p:cNvSpPr>
@@ -9527,7 +9439,7 @@
         <p:spPr>
           <a:xfrm>
             <a:off x="504000" y="226080"/>
-            <a:ext cx="9069840" cy="514440"/>
+            <a:ext cx="9069480" cy="944280"/>
           </a:xfrm>
           <a:prstGeom prst="rect">
             <a:avLst/>
@@ -9559,11 +9471,11 @@
                 <a:latin typeface="Times New Roman"/>
                 <a:ea typeface="Noto Sans CJK SC"/>
               </a:rPr>
-              <a:t>Predictia pe meciuri care urmeaza a se desfasura</a:t>
+              <a:t>Mediu de dezvoltare soft si hard</a:t>
             </a:r>
             <a:endParaRPr b="0" lang="en-US" sz="2100" spc="-1" strike="noStrike">
               <a:solidFill>
-                <a:schemeClr val="dk1"/>
+                <a:srgbClr val="000000"/>
               </a:solidFill>
               <a:latin typeface="Arial"/>
             </a:endParaRPr>
@@ -9572,7 +9484,7 @@
       </p:sp>
       <p:sp>
         <p:nvSpPr>
-          <p:cNvPr id="95" name="PlaceHolder 2"/>
+          <p:cNvPr id="96" name="PlaceHolder 2"/>
           <p:cNvSpPr>
             <a:spLocks noGrp="1"/>
           </p:cNvSpPr>
@@ -9582,8 +9494,8 @@
         </p:nvSpPr>
         <p:spPr>
           <a:xfrm>
-            <a:off x="504000" y="804600"/>
-            <a:ext cx="9070560" cy="4421880"/>
+            <a:off x="504000" y="1326600"/>
+            <a:ext cx="9070200" cy="3286800"/>
           </a:xfrm>
           <a:prstGeom prst="rect">
             <a:avLst/>
@@ -9598,32 +9510,12 @@
             <a:normAutofit/>
           </a:bodyPr>
           <a:p>
-            <a:pPr marL="432000" indent="0" defTabSz="914400">
-              <a:lnSpc>
-                <a:spcPct val="100000"/>
-              </a:lnSpc>
-              <a:spcBef>
-                <a:spcPts val="1417"/>
-              </a:spcBef>
-              <a:buNone/>
-              <a:tabLst>
-                <a:tab algn="l" pos="0"/>
-              </a:tabLst>
-            </a:pPr>
-            <a:endParaRPr b="0" lang="en-US" sz="1600" spc="-1" strike="noStrike">
-              <a:solidFill>
-                <a:schemeClr val="dk1"/>
-              </a:solidFill>
-              <a:latin typeface="Arial"/>
-            </a:endParaRPr>
-          </a:p>
-          <a:p>
             <a:pPr marL="432000" indent="-324000" defTabSz="914400">
               <a:lnSpc>
                 <a:spcPct val="100000"/>
               </a:lnSpc>
               <a:spcBef>
-                <a:spcPts val="1417"/>
+                <a:spcPts val="283"/>
               </a:spcBef>
               <a:buClr>
                 <a:srgbClr val="000000"/>
@@ -9631,6 +9523,276 @@
               <a:buSzPct val="45000"/>
               <a:buFont typeface="Wingdings" charset="2"/>
               <a:buChar char=""/>
+            </a:pPr>
+            <a:r>
+              <a:rPr b="0" lang="en-US" sz="1200" spc="-1" strike="noStrike">
+                <a:solidFill>
+                  <a:srgbClr val="000000"/>
+                </a:solidFill>
+                <a:latin typeface="Arial"/>
+                <a:ea typeface="DejaVu Sans"/>
+              </a:rPr>
+              <a:t>Sistem de operare Ubuntu 24.04.03 LTS</a:t>
+            </a:r>
+            <a:endParaRPr b="0" lang="en-US" sz="1200" spc="-1" strike="noStrike">
+              <a:solidFill>
+                <a:srgbClr val="000000"/>
+              </a:solidFill>
+              <a:latin typeface="Arial"/>
+              <a:ea typeface="Noto Sans CJK SC"/>
+            </a:endParaRPr>
+          </a:p>
+          <a:p>
+            <a:pPr marL="432000" indent="-324000" defTabSz="914400">
+              <a:lnSpc>
+                <a:spcPct val="100000"/>
+              </a:lnSpc>
+              <a:spcBef>
+                <a:spcPts val="283"/>
+              </a:spcBef>
+              <a:buClr>
+                <a:srgbClr val="000000"/>
+              </a:buClr>
+              <a:buSzPct val="45000"/>
+              <a:buFont typeface="Wingdings" charset="2"/>
+              <a:buChar char=""/>
+            </a:pPr>
+            <a:r>
+              <a:rPr b="0" lang="en-US" sz="1200" spc="-1" strike="noStrike">
+                <a:solidFill>
+                  <a:srgbClr val="000000"/>
+                </a:solidFill>
+                <a:latin typeface="Arial"/>
+                <a:ea typeface="DejaVu Sans"/>
+              </a:rPr>
+              <a:t>Logarea performantelor algoritmilor AI a fost realizata cu mlflow : mlflow server --host 127.0.0.1 --port 5000</a:t>
+            </a:r>
+            <a:endParaRPr b="0" lang="en-US" sz="1200" spc="-1" strike="noStrike">
+              <a:solidFill>
+                <a:srgbClr val="000000"/>
+              </a:solidFill>
+              <a:latin typeface="Arial"/>
+              <a:ea typeface="Noto Sans CJK SC"/>
+            </a:endParaRPr>
+          </a:p>
+          <a:p>
+            <a:pPr marL="432000" indent="-324000" defTabSz="914400">
+              <a:lnSpc>
+                <a:spcPct val="100000"/>
+              </a:lnSpc>
+              <a:spcBef>
+                <a:spcPts val="283"/>
+              </a:spcBef>
+              <a:buClr>
+                <a:srgbClr val="000000"/>
+              </a:buClr>
+              <a:buSzPct val="45000"/>
+              <a:buFont typeface="Wingdings" charset="2"/>
+              <a:buChar char=""/>
+            </a:pPr>
+            <a:r>
+              <a:rPr b="0" lang="en-US" sz="1200" spc="-1" strike="noStrike">
+                <a:solidFill>
+                  <a:srgbClr val="000000"/>
+                </a:solidFill>
+                <a:latin typeface="Arial"/>
+                <a:ea typeface="DejaVu Sans"/>
+              </a:rPr>
+              <a:t>Interfata dintre utilizator si modulele Python a fost realizata cu FastAPI : uvicorn fast_api:app –reload</a:t>
+            </a:r>
+            <a:endParaRPr b="0" lang="en-US" sz="1200" spc="-1" strike="noStrike">
+              <a:solidFill>
+                <a:srgbClr val="000000"/>
+              </a:solidFill>
+              <a:latin typeface="Arial"/>
+              <a:ea typeface="Noto Sans CJK SC"/>
+            </a:endParaRPr>
+          </a:p>
+          <a:p>
+            <a:pPr marL="432000" indent="-324000" defTabSz="914400">
+              <a:lnSpc>
+                <a:spcPct val="100000"/>
+              </a:lnSpc>
+              <a:spcBef>
+                <a:spcPts val="283"/>
+              </a:spcBef>
+              <a:buClr>
+                <a:srgbClr val="000000"/>
+              </a:buClr>
+              <a:buSzPct val="45000"/>
+              <a:buFont typeface="Wingdings" charset="2"/>
+              <a:buChar char=""/>
+            </a:pPr>
+            <a:r>
+              <a:rPr b="0" lang="en-US" sz="1200" spc="-1" strike="noStrike">
+                <a:solidFill>
+                  <a:srgbClr val="000000"/>
+                </a:solidFill>
+                <a:latin typeface="Arial"/>
+                <a:ea typeface="DejaVu Sans"/>
+              </a:rPr>
+              <a:t>Server web folosit Apache Web Server</a:t>
+            </a:r>
+            <a:endParaRPr b="0" lang="en-US" sz="1200" spc="-1" strike="noStrike">
+              <a:solidFill>
+                <a:srgbClr val="000000"/>
+              </a:solidFill>
+              <a:latin typeface="Arial"/>
+              <a:ea typeface="Noto Sans CJK SC"/>
+            </a:endParaRPr>
+          </a:p>
+          <a:p>
+            <a:pPr marL="432000" indent="-324000" defTabSz="914400">
+              <a:lnSpc>
+                <a:spcPct val="100000"/>
+              </a:lnSpc>
+              <a:spcBef>
+                <a:spcPts val="283"/>
+              </a:spcBef>
+              <a:buClr>
+                <a:srgbClr val="000000"/>
+              </a:buClr>
+              <a:buSzPct val="45000"/>
+              <a:buFont typeface="Wingdings" charset="2"/>
+              <a:buChar char=""/>
+            </a:pPr>
+            <a:r>
+              <a:rPr b="0" lang="en-US" sz="1200" spc="-1" strike="noStrike">
+                <a:solidFill>
+                  <a:srgbClr val="000000"/>
+                </a:solidFill>
+                <a:latin typeface="Arial"/>
+                <a:ea typeface="DejaVu Sans"/>
+              </a:rPr>
+              <a:t>Server Database MySQL 8.0.44</a:t>
+            </a:r>
+            <a:endParaRPr b="0" lang="en-US" sz="1200" spc="-1" strike="noStrike">
+              <a:solidFill>
+                <a:srgbClr val="000000"/>
+              </a:solidFill>
+              <a:latin typeface="Arial"/>
+              <a:ea typeface="Noto Sans CJK SC"/>
+            </a:endParaRPr>
+          </a:p>
+          <a:p>
+            <a:pPr marL="432000" indent="-324000" defTabSz="914400">
+              <a:lnSpc>
+                <a:spcPct val="100000"/>
+              </a:lnSpc>
+              <a:spcBef>
+                <a:spcPts val="283"/>
+              </a:spcBef>
+              <a:buClr>
+                <a:srgbClr val="000000"/>
+              </a:buClr>
+              <a:buSzPct val="45000"/>
+              <a:buFont typeface="Wingdings" charset="2"/>
+              <a:buChar char=""/>
+            </a:pPr>
+            <a:r>
+              <a:rPr b="0" lang="en-US" sz="1200" spc="-1" strike="noStrike">
+                <a:solidFill>
+                  <a:srgbClr val="000000"/>
+                </a:solidFill>
+                <a:latin typeface="Arial"/>
+                <a:ea typeface="DejaVu Sans"/>
+              </a:rPr>
+              <a:t>Accesare server www localhost : </a:t>
+            </a:r>
+            <a:r>
+              <a:rPr b="0" lang="en-US" sz="1200" spc="-1" strike="noStrike" u="sng">
+                <a:solidFill>
+                  <a:srgbClr val="0000ee"/>
+                </a:solidFill>
+                <a:uFillTx/>
+                <a:latin typeface="Arial"/>
+                <a:ea typeface="DejaVu Sans"/>
+                <a:hlinkClick r:id="rId1"/>
+              </a:rPr>
+              <a:t>http://localhost</a:t>
+            </a:r>
+            <a:endParaRPr b="0" lang="en-US" sz="1200" spc="-1" strike="noStrike">
+              <a:solidFill>
+                <a:srgbClr val="000000"/>
+              </a:solidFill>
+              <a:latin typeface="Arial"/>
+              <a:ea typeface="Noto Sans CJK SC"/>
+            </a:endParaRPr>
+          </a:p>
+          <a:p>
+            <a:pPr marL="432000" indent="-324000" defTabSz="914400">
+              <a:lnSpc>
+                <a:spcPct val="100000"/>
+              </a:lnSpc>
+              <a:spcBef>
+                <a:spcPts val="283"/>
+              </a:spcBef>
+              <a:buClr>
+                <a:srgbClr val="000000"/>
+              </a:buClr>
+              <a:buSzPct val="45000"/>
+              <a:buFont typeface="Wingdings" charset="2"/>
+              <a:buChar char=""/>
+            </a:pPr>
+            <a:r>
+              <a:rPr b="0" lang="en-US" sz="1500" spc="-1" strike="noStrike">
+                <a:solidFill>
+                  <a:srgbClr val="000000"/>
+                </a:solidFill>
+                <a:latin typeface="Arial"/>
+                <a:ea typeface="Noto Sans CJK SC"/>
+              </a:rPr>
+              <a:t>GitHub </a:t>
+            </a:r>
+            <a:r>
+              <a:rPr b="0" lang="en-US" sz="1500" spc="-1" strike="noStrike">
+                <a:solidFill>
+                  <a:srgbClr val="000000"/>
+                </a:solidFill>
+                <a:latin typeface="Arial"/>
+                <a:ea typeface="Noto Sans CJK SC"/>
+                <a:hlinkClick r:id="rId2"/>
+              </a:rPr>
+              <a:t>https://github.com/hohagigi/FinalProjectSDA_HOHA.git</a:t>
+            </a:r>
+            <a:endParaRPr b="0" lang="en-US" sz="1500" spc="-1" strike="noStrike">
+              <a:solidFill>
+                <a:srgbClr val="000000"/>
+              </a:solidFill>
+              <a:latin typeface="Arial"/>
+              <a:ea typeface="Noto Sans CJK SC"/>
+            </a:endParaRPr>
+          </a:p>
+          <a:p>
+            <a:pPr marL="432000" indent="0" defTabSz="914400">
+              <a:lnSpc>
+                <a:spcPct val="100000"/>
+              </a:lnSpc>
+              <a:spcBef>
+                <a:spcPts val="283"/>
+              </a:spcBef>
+              <a:buNone/>
+            </a:pPr>
+            <a:endParaRPr b="0" lang="en-US" sz="1500" spc="-1" strike="noStrike">
+              <a:solidFill>
+                <a:srgbClr val="000000"/>
+              </a:solidFill>
+              <a:latin typeface="Arial"/>
+              <a:ea typeface="Noto Sans CJK SC"/>
+            </a:endParaRPr>
+          </a:p>
+          <a:p>
+            <a:pPr marL="108000" indent="0" defTabSz="914400">
+              <a:lnSpc>
+                <a:spcPct val="100000"/>
+              </a:lnSpc>
+              <a:spcBef>
+                <a:spcPts val="1191"/>
+              </a:spcBef>
+              <a:spcAft>
+                <a:spcPts val="992"/>
+              </a:spcAft>
+              <a:buNone/>
               <a:tabLst>
                 <a:tab algn="l" pos="0"/>
               </a:tabLst>
@@ -9643,18 +9805,31 @@
                 <a:latin typeface="Arial"/>
                 <a:ea typeface="DejaVu Sans"/>
               </a:rPr>
-              <a:t>Putem vizualiza predictiile pentru meciurile care nu s-au desfasurat, dupa mai multe criterii : </a:t>
-            </a:r>
-            <a:r>
-              <a:rPr b="0" i="1" lang="en-US" sz="1600" spc="-1" strike="noStrike">
-                <a:solidFill>
-                  <a:srgbClr val="000000"/>
-                </a:solidFill>
-                <a:latin typeface="Arial"/>
-                <a:ea typeface="DejaVu Sans"/>
-              </a:rPr>
-              <a:t>tip de algoritm AI</a:t>
-            </a:r>
+              <a:t>Aplicatia a fost initial dezvoltata local, ca proiect partial in cadrul cursului SDA AI. Pe parcursul intregii perioade au fost aduse schimbari majore atat in abordarea problemei cat si in structurarea datelor si a codului.</a:t>
+            </a:r>
+            <a:endParaRPr b="0" lang="en-US" sz="1600" spc="-1" strike="noStrike">
+              <a:solidFill>
+                <a:srgbClr val="000000"/>
+              </a:solidFill>
+              <a:latin typeface="Arial"/>
+            </a:endParaRPr>
+          </a:p>
+          <a:p>
+            <a:pPr marL="108000" indent="0" defTabSz="914400">
+              <a:lnSpc>
+                <a:spcPct val="100000"/>
+              </a:lnSpc>
+              <a:spcBef>
+                <a:spcPts val="1191"/>
+              </a:spcBef>
+              <a:spcAft>
+                <a:spcPts val="992"/>
+              </a:spcAft>
+              <a:buNone/>
+              <a:tabLst>
+                <a:tab algn="l" pos="0"/>
+              </a:tabLst>
+            </a:pPr>
             <a:r>
               <a:rPr b="0" lang="en-US" sz="1600" spc="-1" strike="noStrike">
                 <a:solidFill>
@@ -9663,63 +9838,26 @@
                 <a:latin typeface="Arial"/>
                 <a:ea typeface="DejaVu Sans"/>
               </a:rPr>
-              <a:t>,</a:t>
-            </a:r>
-            <a:r>
-              <a:rPr b="0" i="1" lang="en-US" sz="1600" spc="-1" strike="noStrike">
-                <a:solidFill>
-                  <a:srgbClr val="000000"/>
-                </a:solidFill>
-                <a:latin typeface="Arial"/>
-                <a:ea typeface="DejaVu Sans"/>
-              </a:rPr>
-              <a:t> perioada desfasurare meciuri</a:t>
-            </a:r>
-            <a:r>
-              <a:rPr b="0" lang="en-US" sz="1600" spc="-1" strike="noStrike">
-                <a:solidFill>
-                  <a:srgbClr val="000000"/>
-                </a:solidFill>
-                <a:latin typeface="Arial"/>
-                <a:ea typeface="DejaVu Sans"/>
-              </a:rPr>
-              <a:t>,  </a:t>
-            </a:r>
-            <a:r>
-              <a:rPr b="0" i="1" lang="en-US" sz="1600" spc="-1" strike="noStrike">
-                <a:solidFill>
-                  <a:srgbClr val="000000"/>
-                </a:solidFill>
-                <a:latin typeface="Arial"/>
-                <a:ea typeface="DejaVu Sans"/>
-              </a:rPr>
-              <a:t>o anumita liga, tip de rezultat in meci</a:t>
-            </a:r>
-            <a:r>
-              <a:rPr b="0" lang="en-US" sz="1600" spc="-1" strike="noStrike">
-                <a:solidFill>
-                  <a:srgbClr val="000000"/>
-                </a:solidFill>
-                <a:latin typeface="Arial"/>
-                <a:ea typeface="DejaVu Sans"/>
-              </a:rPr>
-              <a:t>.  (culorile semnifica tipul de rezultat din meci sau al predictiei pt  fi mai usor de identificat vizual)</a:t>
+              <a:t>La finalul perioadei de development aplicatia a trecut printr-un proces de dockerizare.</a:t>
             </a:r>
             <a:endParaRPr b="0" lang="en-US" sz="1600" spc="-1" strike="noStrike">
               <a:solidFill>
-                <a:schemeClr val="dk1"/>
-              </a:solidFill>
-              <a:latin typeface="Arial"/>
-            </a:endParaRPr>
-          </a:p>
-          <a:p>
-            <a:pPr marL="432000" indent="0" defTabSz="914400">
-              <a:lnSpc>
-                <a:spcPct val="100000"/>
-              </a:lnSpc>
-              <a:spcBef>
-                <a:spcPts val="1417"/>
-              </a:spcBef>
+                <a:srgbClr val="000000"/>
+              </a:solidFill>
+              <a:latin typeface="Arial"/>
+            </a:endParaRPr>
+          </a:p>
+          <a:p>
+            <a:pPr marL="864000" indent="0" defTabSz="914400">
+              <a:lnSpc>
+                <a:spcPct val="100000"/>
+              </a:lnSpc>
+              <a:spcBef>
+                <a:spcPts val="1191"/>
+              </a:spcBef>
+              <a:spcAft>
+                <a:spcPts val="992"/>
+              </a:spcAft>
               <a:buNone/>
               <a:tabLst>
                 <a:tab algn="l" pos="0"/>
@@ -9727,56 +9865,13 @@
             </a:pPr>
             <a:endParaRPr b="0" lang="en-US" sz="1600" spc="-1" strike="noStrike">
               <a:solidFill>
-                <a:schemeClr val="dk1"/>
-              </a:solidFill>
-              <a:latin typeface="Arial"/>
-            </a:endParaRPr>
-          </a:p>
-          <a:p>
-            <a:pPr marL="432000" indent="0" defTabSz="914400">
-              <a:lnSpc>
-                <a:spcPct val="100000"/>
-              </a:lnSpc>
-              <a:spcBef>
-                <a:spcPts val="1417"/>
-              </a:spcBef>
-              <a:buNone/>
-              <a:tabLst>
-                <a:tab algn="l" pos="0"/>
-              </a:tabLst>
-            </a:pPr>
-            <a:endParaRPr b="0" lang="en-US" sz="1600" spc="-1" strike="noStrike">
-              <a:solidFill>
-                <a:schemeClr val="dk1"/>
+                <a:srgbClr val="000000"/>
               </a:solidFill>
               <a:latin typeface="Arial"/>
             </a:endParaRPr>
           </a:p>
         </p:txBody>
       </p:sp>
-      <p:pic>
-        <p:nvPicPr>
-          <p:cNvPr id="96" name="Picture 89" descr=""/>
-          <p:cNvPicPr/>
-          <p:nvPr/>
-        </p:nvPicPr>
-        <p:blipFill>
-          <a:blip r:embed="rId1"/>
-          <a:stretch/>
-        </p:blipFill>
-        <p:spPr>
-          <a:xfrm>
-            <a:off x="1329480" y="2426040"/>
-            <a:ext cx="7922880" cy="3090240"/>
-          </a:xfrm>
-          <a:prstGeom prst="rect">
-            <a:avLst/>
-          </a:prstGeom>
-          <a:ln w="0">
-            <a:noFill/>
-          </a:ln>
-        </p:spPr>
-      </p:pic>
     </p:spTree>
   </p:cSld>
   <mc:AlternateContent>
@@ -9835,7 +9930,7 @@
         <p:spPr>
           <a:xfrm>
             <a:off x="504000" y="226080"/>
-            <a:ext cx="9069840" cy="944640"/>
+            <a:ext cx="9069480" cy="944280"/>
           </a:xfrm>
           <a:prstGeom prst="rect">
             <a:avLst/>
@@ -9880,7 +9975,7 @@
             </a:br>
             <a:endParaRPr b="0" lang="en-US" sz="2100" spc="-1" strike="noStrike">
               <a:solidFill>
-                <a:schemeClr val="dk1"/>
+                <a:srgbClr val="000000"/>
               </a:solidFill>
               <a:latin typeface="Arial"/>
             </a:endParaRPr>
@@ -9900,7 +9995,7 @@
         <p:spPr>
           <a:xfrm>
             <a:off x="504000" y="982800"/>
-            <a:ext cx="9070560" cy="4489920"/>
+            <a:ext cx="9070200" cy="1774800"/>
           </a:xfrm>
           <a:prstGeom prst="rect">
             <a:avLst/>
@@ -9949,7 +10044,7 @@
             </a:r>
             <a:endParaRPr b="0" lang="en-US" sz="1200" spc="-1" strike="noStrike">
               <a:solidFill>
-                <a:schemeClr val="dk1"/>
+                <a:srgbClr val="000000"/>
               </a:solidFill>
               <a:latin typeface="Arial"/>
             </a:endParaRPr>
@@ -9969,7 +10064,7 @@
             </a:pPr>
             <a:endParaRPr b="0" lang="en-US" sz="1200" spc="-1" strike="noStrike">
               <a:solidFill>
-                <a:schemeClr val="dk1"/>
+                <a:srgbClr val="000000"/>
               </a:solidFill>
               <a:latin typeface="Arial"/>
             </a:endParaRPr>
@@ -9989,7 +10084,7 @@
             </a:pPr>
             <a:endParaRPr b="0" lang="en-US" sz="1200" spc="-1" strike="noStrike">
               <a:solidFill>
-                <a:schemeClr val="dk1"/>
+                <a:srgbClr val="000000"/>
               </a:solidFill>
               <a:latin typeface="Arial"/>
             </a:endParaRPr>
@@ -10009,7 +10104,7 @@
             </a:pPr>
             <a:endParaRPr b="0" lang="en-US" sz="1200" spc="-1" strike="noStrike">
               <a:solidFill>
-                <a:schemeClr val="dk1"/>
+                <a:srgbClr val="000000"/>
               </a:solidFill>
               <a:latin typeface="Arial"/>
             </a:endParaRPr>
@@ -10029,7 +10124,7 @@
             </a:pPr>
             <a:endParaRPr b="0" lang="en-US" sz="1200" spc="-1" strike="noStrike">
               <a:solidFill>
-                <a:schemeClr val="dk1"/>
+                <a:srgbClr val="000000"/>
               </a:solidFill>
               <a:latin typeface="Arial"/>
             </a:endParaRPr>
@@ -10049,7 +10144,7 @@
             </a:pPr>
             <a:endParaRPr b="0" lang="en-US" sz="1200" spc="-1" strike="noStrike">
               <a:solidFill>
-                <a:schemeClr val="dk1"/>
+                <a:srgbClr val="000000"/>
               </a:solidFill>
               <a:latin typeface="Arial"/>
             </a:endParaRPr>
@@ -10069,7 +10164,7 @@
         <p:spPr>
           <a:xfrm>
             <a:off x="691200" y="294120"/>
-            <a:ext cx="993960" cy="551160"/>
+            <a:ext cx="993600" cy="550800"/>
           </a:xfrm>
           <a:prstGeom prst="rect">
             <a:avLst/>
@@ -10088,9 +10183,9 @@
         <p:grpSpPr>
           <a:xfrm>
             <a:off x="936000" y="1316520"/>
-            <a:ext cx="1907280" cy="866880"/>
+            <a:ext cx="1906920" cy="866520"/>
             <a:chOff x="936000" y="1316520"/>
-            <a:chExt cx="1907280" cy="866880"/>
+            <a:chExt cx="1906920" cy="866520"/>
           </a:xfrm>
         </p:grpSpPr>
         <p:sp>
@@ -10102,7 +10197,7 @@
           <p:spPr>
             <a:xfrm>
               <a:off x="936000" y="1535760"/>
-              <a:ext cx="1907280" cy="215640"/>
+              <a:ext cx="1906920" cy="215280"/>
             </a:xfrm>
             <a:prstGeom prst="rect">
               <a:avLst/>
@@ -10171,7 +10266,7 @@
           <p:spPr>
             <a:xfrm>
               <a:off x="936000" y="1316520"/>
-              <a:ext cx="1907280" cy="215640"/>
+              <a:ext cx="1906920" cy="215280"/>
             </a:xfrm>
             <a:prstGeom prst="rect">
               <a:avLst/>
@@ -10239,7 +10334,7 @@
           <p:spPr>
             <a:xfrm>
               <a:off x="936000" y="1751760"/>
-              <a:ext cx="1907280" cy="215640"/>
+              <a:ext cx="1906920" cy="215280"/>
             </a:xfrm>
             <a:prstGeom prst="rect">
               <a:avLst/>
@@ -10308,7 +10403,7 @@
           <p:spPr>
             <a:xfrm>
               <a:off x="936000" y="1967760"/>
-              <a:ext cx="1907280" cy="215640"/>
+              <a:ext cx="1906920" cy="215280"/>
             </a:xfrm>
             <a:prstGeom prst="rect">
               <a:avLst/>
@@ -10378,9 +10473,9 @@
         <p:grpSpPr>
           <a:xfrm>
             <a:off x="2995920" y="1317960"/>
-            <a:ext cx="1907280" cy="867240"/>
+            <a:ext cx="1906920" cy="866880"/>
             <a:chOff x="2995920" y="1317960"/>
-            <a:chExt cx="1907280" cy="867240"/>
+            <a:chExt cx="1906920" cy="866880"/>
           </a:xfrm>
         </p:grpSpPr>
         <p:sp>
@@ -10392,7 +10487,7 @@
           <p:spPr>
             <a:xfrm>
               <a:off x="2995920" y="1537560"/>
-              <a:ext cx="1907280" cy="215640"/>
+              <a:ext cx="1906920" cy="215280"/>
             </a:xfrm>
             <a:prstGeom prst="rect">
               <a:avLst/>
@@ -10461,7 +10556,7 @@
           <p:spPr>
             <a:xfrm>
               <a:off x="2995920" y="1317960"/>
-              <a:ext cx="1907280" cy="215640"/>
+              <a:ext cx="1906920" cy="215280"/>
             </a:xfrm>
             <a:prstGeom prst="rect">
               <a:avLst/>
@@ -10529,7 +10624,7 @@
           <p:spPr>
             <a:xfrm>
               <a:off x="2995920" y="1753560"/>
-              <a:ext cx="1907280" cy="215640"/>
+              <a:ext cx="1906920" cy="215280"/>
             </a:xfrm>
             <a:prstGeom prst="rect">
               <a:avLst/>
@@ -10598,7 +10693,7 @@
           <p:spPr>
             <a:xfrm>
               <a:off x="2995920" y="1969560"/>
-              <a:ext cx="1907280" cy="215640"/>
+              <a:ext cx="1906920" cy="215280"/>
             </a:xfrm>
             <a:prstGeom prst="rect">
               <a:avLst/>
@@ -10668,9 +10763,9 @@
         <p:grpSpPr>
           <a:xfrm>
             <a:off x="5076000" y="1319760"/>
-            <a:ext cx="1907280" cy="866880"/>
+            <a:ext cx="1906920" cy="866520"/>
             <a:chOff x="5076000" y="1319760"/>
-            <a:chExt cx="1907280" cy="866880"/>
+            <a:chExt cx="1906920" cy="866520"/>
           </a:xfrm>
         </p:grpSpPr>
         <p:sp>
@@ -10682,7 +10777,7 @@
           <p:spPr>
             <a:xfrm>
               <a:off x="5076000" y="1539000"/>
-              <a:ext cx="1907280" cy="215640"/>
+              <a:ext cx="1906920" cy="215280"/>
             </a:xfrm>
             <a:prstGeom prst="rect">
               <a:avLst/>
@@ -10761,7 +10856,7 @@
           <p:spPr>
             <a:xfrm>
               <a:off x="5076000" y="1319760"/>
-              <a:ext cx="1907280" cy="215640"/>
+              <a:ext cx="1906920" cy="215280"/>
             </a:xfrm>
             <a:prstGeom prst="rect">
               <a:avLst/>
@@ -10829,7 +10924,7 @@
           <p:spPr>
             <a:xfrm>
               <a:off x="5076000" y="1755000"/>
-              <a:ext cx="1907280" cy="215640"/>
+              <a:ext cx="1906920" cy="215280"/>
             </a:xfrm>
             <a:prstGeom prst="rect">
               <a:avLst/>
@@ -10898,7 +10993,7 @@
           <p:spPr>
             <a:xfrm>
               <a:off x="5076000" y="1971000"/>
-              <a:ext cx="1907280" cy="215640"/>
+              <a:ext cx="1906920" cy="215280"/>
             </a:xfrm>
             <a:prstGeom prst="rect">
               <a:avLst/>
@@ -10968,9 +11063,9 @@
         <p:grpSpPr>
           <a:xfrm>
             <a:off x="7236000" y="1303920"/>
-            <a:ext cx="1907280" cy="867240"/>
+            <a:ext cx="1906920" cy="866880"/>
             <a:chOff x="7236000" y="1303920"/>
-            <a:chExt cx="1907280" cy="867240"/>
+            <a:chExt cx="1906920" cy="866880"/>
           </a:xfrm>
         </p:grpSpPr>
         <p:sp>
@@ -10982,7 +11077,7 @@
           <p:spPr>
             <a:xfrm>
               <a:off x="7236000" y="1523160"/>
-              <a:ext cx="1907280" cy="215640"/>
+              <a:ext cx="1906920" cy="215280"/>
             </a:xfrm>
             <a:prstGeom prst="rect">
               <a:avLst/>
@@ -11061,7 +11156,7 @@
           <p:spPr>
             <a:xfrm>
               <a:off x="7236000" y="1303920"/>
-              <a:ext cx="1907280" cy="215640"/>
+              <a:ext cx="1906920" cy="215280"/>
             </a:xfrm>
             <a:prstGeom prst="rect">
               <a:avLst/>
@@ -11129,7 +11224,7 @@
           <p:spPr>
             <a:xfrm>
               <a:off x="7236000" y="1739160"/>
-              <a:ext cx="1907280" cy="215640"/>
+              <a:ext cx="1906920" cy="215280"/>
             </a:xfrm>
             <a:prstGeom prst="rect">
               <a:avLst/>
@@ -11198,7 +11293,7 @@
           <p:spPr>
             <a:xfrm>
               <a:off x="7236000" y="1955520"/>
-              <a:ext cx="1907280" cy="215640"/>
+              <a:ext cx="1906920" cy="215280"/>
             </a:xfrm>
             <a:prstGeom prst="rect">
               <a:avLst/>
@@ -11268,7 +11363,7 @@
         <p:spPr>
           <a:xfrm>
             <a:off x="936000" y="2187360"/>
-            <a:ext cx="1907280" cy="431640"/>
+            <a:ext cx="1906920" cy="431280"/>
           </a:xfrm>
           <a:prstGeom prst="rect">
             <a:avLst/>
@@ -11337,7 +11432,7 @@
         <p:spPr>
           <a:xfrm>
             <a:off x="2995560" y="2187360"/>
-            <a:ext cx="1907280" cy="431640"/>
+            <a:ext cx="1906920" cy="431280"/>
           </a:xfrm>
           <a:prstGeom prst="rect">
             <a:avLst/>
@@ -11406,7 +11501,7 @@
         <p:spPr>
           <a:xfrm>
             <a:off x="5076000" y="2187720"/>
-            <a:ext cx="1907280" cy="431640"/>
+            <a:ext cx="1906920" cy="431280"/>
           </a:xfrm>
           <a:prstGeom prst="rect">
             <a:avLst/>
@@ -11475,7 +11570,7 @@
         <p:spPr>
           <a:xfrm>
             <a:off x="7236000" y="2187360"/>
-            <a:ext cx="1907280" cy="431640"/>
+            <a:ext cx="1906920" cy="431280"/>
           </a:xfrm>
           <a:prstGeom prst="rect">
             <a:avLst/>
@@ -11593,7 +11688,7 @@
         <p:spPr>
           <a:xfrm>
             <a:off x="504000" y="226080"/>
-            <a:ext cx="9069840" cy="1109160"/>
+            <a:ext cx="9069480" cy="1108800"/>
           </a:xfrm>
           <a:prstGeom prst="rect">
             <a:avLst/>
@@ -11629,7 +11724,7 @@
             </a:r>
             <a:endParaRPr b="0" lang="en-US" sz="2100" spc="-1" strike="noStrike">
               <a:solidFill>
-                <a:schemeClr val="dk1"/>
+                <a:srgbClr val="000000"/>
               </a:solidFill>
               <a:latin typeface="Arial"/>
             </a:endParaRPr>
@@ -11649,7 +11744,7 @@
         <p:spPr>
           <a:xfrm>
             <a:off x="504000" y="1729440"/>
-            <a:ext cx="9070560" cy="3357360"/>
+            <a:ext cx="9070200" cy="3357000"/>
           </a:xfrm>
           <a:prstGeom prst="rect">
             <a:avLst/>
@@ -11661,7 +11756,7 @@
         </p:spPr>
         <p:txBody>
           <a:bodyPr lIns="0" rIns="0" tIns="0" bIns="0" anchor="t">
-            <a:normAutofit fontScale="93333"/>
+            <a:normAutofit fontScale="81111"/>
           </a:bodyPr>
           <a:p>
             <a:pPr marL="432000" indent="-324000" defTabSz="914400">
@@ -11690,7 +11785,7 @@
             </a:r>
             <a:endParaRPr b="0" lang="en-US" sz="1400" spc="-1" strike="noStrike">
               <a:solidFill>
-                <a:schemeClr val="dk1"/>
+                <a:srgbClr val="000000"/>
               </a:solidFill>
               <a:latin typeface="Arial"/>
             </a:endParaRPr>
@@ -11722,7 +11817,7 @@
             </a:r>
             <a:endParaRPr b="0" lang="en-US" sz="1400" spc="-1" strike="noStrike">
               <a:solidFill>
-                <a:schemeClr val="dk1"/>
+                <a:srgbClr val="000000"/>
               </a:solidFill>
               <a:latin typeface="Arial"/>
             </a:endParaRPr>
@@ -11750,11 +11845,11 @@
                 <a:latin typeface="Arial"/>
                 <a:ea typeface="DejaVu Sans"/>
               </a:rPr>
-              <a:t>Regandirea functiei piRating </a:t>
+              <a:t>Adaptarea functiei piRating </a:t>
             </a:r>
             <a:endParaRPr b="0" lang="en-US" sz="1400" spc="-1" strike="noStrike">
               <a:solidFill>
-                <a:schemeClr val="dk1"/>
+                <a:srgbClr val="000000"/>
               </a:solidFill>
               <a:latin typeface="Arial"/>
             </a:endParaRPr>
@@ -11786,7 +11881,7 @@
             </a:r>
             <a:endParaRPr b="0" lang="en-US" sz="1400" spc="-1" strike="noStrike">
               <a:solidFill>
-                <a:schemeClr val="dk1"/>
+                <a:srgbClr val="000000"/>
               </a:solidFill>
               <a:latin typeface="Arial"/>
             </a:endParaRPr>
@@ -11843,7 +11938,7 @@
             </a:r>
             <a:endParaRPr b="0" lang="en-US" sz="1400" spc="-1" strike="noStrike">
               <a:solidFill>
-                <a:schemeClr val="dk1"/>
+                <a:srgbClr val="000000"/>
               </a:solidFill>
               <a:latin typeface="Arial"/>
             </a:endParaRPr>
@@ -11874,11 +11969,54 @@
                 <a:latin typeface="Arial"/>
                 <a:ea typeface="DejaVu Sans"/>
               </a:rPr>
-              <a:t>Data-driven prediction of soccer outcomes using enhanced machine and deep learning techniques https://link.springer.com/article/10.1186/s40537-024-01008-2</a:t>
+              <a:t>Data-driven prediction of soccer outcomes using enhanced machine and deep learning techniques </a:t>
+            </a:r>
+            <a:r>
+              <a:rPr b="0" lang="en-US" sz="1400" spc="-1" strike="noStrike">
+                <a:solidFill>
+                  <a:srgbClr val="000000"/>
+                </a:solidFill>
+                <a:latin typeface="Arial"/>
+                <a:ea typeface="DejaVu Sans"/>
+                <a:hlinkClick r:id="rId2"/>
+              </a:rPr>
+              <a:t>https://link.springer.com/article/10.1186/s40537-024-01008-2</a:t>
             </a:r>
             <a:endParaRPr b="0" lang="en-US" sz="1400" spc="-1" strike="noStrike">
               <a:solidFill>
-                <a:schemeClr val="dk1"/>
+                <a:srgbClr val="000000"/>
+              </a:solidFill>
+              <a:latin typeface="Arial"/>
+            </a:endParaRPr>
+          </a:p>
+          <a:p>
+            <a:pPr marL="432000" indent="-324000" defTabSz="914400">
+              <a:lnSpc>
+                <a:spcPct val="100000"/>
+              </a:lnSpc>
+              <a:spcBef>
+                <a:spcPts val="1417"/>
+              </a:spcBef>
+              <a:buClr>
+                <a:srgbClr val="000000"/>
+              </a:buClr>
+              <a:buSzPct val="45000"/>
+              <a:buFont typeface="Wingdings" charset="2"/>
+              <a:buChar char=""/>
+            </a:pPr>
+            <a:r>
+              <a:rPr b="0" lang="en-US" sz="1400" spc="-1" strike="noStrike">
+                <a:solidFill>
+                  <a:srgbClr val="000000"/>
+                </a:solidFill>
+                <a:latin typeface="Arial"/>
+                <a:ea typeface="DejaVu Sans"/>
+              </a:rPr>
+              <a:t>Folosirea unui nginx server pentru DNS forwarding si </a:t>
+            </a:r>
+            <a:endParaRPr b="0" lang="en-US" sz="1400" spc="-1" strike="noStrike">
+              <a:solidFill>
+                <a:srgbClr val="000000"/>
               </a:solidFill>
               <a:latin typeface="Arial"/>
             </a:endParaRPr>
@@ -11911,7 +12049,7 @@
             </a:r>
             <a:endParaRPr b="0" lang="en-US" sz="1600" spc="-1" strike="noStrike">
               <a:solidFill>
-                <a:schemeClr val="dk1"/>
+                <a:srgbClr val="000000"/>
               </a:solidFill>
               <a:latin typeface="Arial"/>
             </a:endParaRPr>
@@ -11976,7 +12114,7 @@
         <p:spPr>
           <a:xfrm>
             <a:off x="504000" y="226080"/>
-            <a:ext cx="9069840" cy="325440"/>
+            <a:ext cx="9069480" cy="325080"/>
           </a:xfrm>
           <a:prstGeom prst="rect">
             <a:avLst/>
@@ -12012,7 +12150,7 @@
             </a:r>
             <a:endParaRPr b="0" lang="en-US" sz="2100" spc="-1" strike="noStrike">
               <a:solidFill>
-                <a:schemeClr val="dk1"/>
+                <a:srgbClr val="000000"/>
               </a:solidFill>
               <a:latin typeface="Arial"/>
             </a:endParaRPr>
@@ -12032,7 +12170,7 @@
         <p:spPr>
           <a:xfrm>
             <a:off x="322560" y="756000"/>
-            <a:ext cx="9070560" cy="1488600"/>
+            <a:ext cx="9070200" cy="1488240"/>
           </a:xfrm>
           <a:prstGeom prst="rect">
             <a:avLst/>
@@ -12073,7 +12211,7 @@
             </a:r>
             <a:endParaRPr b="0" lang="en-US" sz="1400" spc="-1" strike="noStrike">
               <a:solidFill>
-                <a:schemeClr val="dk1"/>
+                <a:srgbClr val="000000"/>
               </a:solidFill>
               <a:latin typeface="Arial"/>
             </a:endParaRPr>
@@ -12105,7 +12243,7 @@
             </a:r>
             <a:endParaRPr b="0" lang="en-US" sz="1400" spc="-1" strike="noStrike">
               <a:solidFill>
-                <a:schemeClr val="dk1"/>
+                <a:srgbClr val="000000"/>
               </a:solidFill>
               <a:latin typeface="Arial"/>
             </a:endParaRPr>
@@ -12137,7 +12275,7 @@
             </a:r>
             <a:endParaRPr b="0" lang="en-US" sz="1400" spc="-1" strike="noStrike">
               <a:solidFill>
-                <a:schemeClr val="dk1"/>
+                <a:srgbClr val="000000"/>
               </a:solidFill>
               <a:latin typeface="Arial"/>
             </a:endParaRPr>
@@ -12169,7 +12307,7 @@
             </a:r>
             <a:endParaRPr b="0" lang="en-US" sz="1400" spc="-1" strike="noStrike">
               <a:solidFill>
-                <a:schemeClr val="dk1"/>
+                <a:srgbClr val="000000"/>
               </a:solidFill>
               <a:latin typeface="Arial"/>
             </a:endParaRPr>
@@ -12186,7 +12324,7 @@
             </a:pPr>
             <a:endParaRPr b="0" lang="en-US" sz="2000" spc="-1" strike="noStrike">
               <a:solidFill>
-                <a:schemeClr val="dk1"/>
+                <a:srgbClr val="000000"/>
               </a:solidFill>
               <a:latin typeface="Arial"/>
             </a:endParaRPr>
@@ -12202,7 +12340,7 @@
         <p:spPr>
           <a:xfrm>
             <a:off x="292320" y="2457720"/>
-            <a:ext cx="8931600" cy="3455640"/>
+            <a:ext cx="8931240" cy="3455280"/>
           </a:xfrm>
           <a:prstGeom prst="rect">
             <a:avLst/>
@@ -13014,7 +13152,7 @@
         <p:spPr>
           <a:xfrm>
             <a:off x="504000" y="226080"/>
-            <a:ext cx="9069840" cy="584280"/>
+            <a:ext cx="9069480" cy="583920"/>
           </a:xfrm>
           <a:prstGeom prst="rect">
             <a:avLst/>
@@ -13050,7 +13188,7 @@
             </a:r>
             <a:endParaRPr b="0" lang="en-US" sz="2100" spc="-1" strike="noStrike">
               <a:solidFill>
-                <a:schemeClr val="dk1"/>
+                <a:srgbClr val="000000"/>
               </a:solidFill>
               <a:latin typeface="Arial"/>
             </a:endParaRPr>
@@ -13070,7 +13208,7 @@
         <p:spPr>
           <a:xfrm>
             <a:off x="504000" y="902520"/>
-            <a:ext cx="9070560" cy="4259520"/>
+            <a:ext cx="9070200" cy="4259160"/>
           </a:xfrm>
           <a:prstGeom prst="rect">
             <a:avLst/>
@@ -13133,7 +13271,7 @@
             </a:r>
             <a:endParaRPr b="0" lang="en-US" sz="1500" spc="-1" strike="noStrike">
               <a:solidFill>
-                <a:schemeClr val="dk1"/>
+                <a:srgbClr val="000000"/>
               </a:solidFill>
               <a:latin typeface="Arial"/>
             </a:endParaRPr>
@@ -13165,7 +13303,7 @@
             </a:r>
             <a:endParaRPr b="0" lang="en-US" sz="1500" spc="-1" strike="noStrike">
               <a:solidFill>
-                <a:schemeClr val="dk1"/>
+                <a:srgbClr val="000000"/>
               </a:solidFill>
               <a:latin typeface="Arial"/>
             </a:endParaRPr>
@@ -13197,7 +13335,7 @@
             </a:r>
             <a:endParaRPr b="0" lang="en-US" sz="1500" spc="-1" strike="noStrike">
               <a:solidFill>
-                <a:schemeClr val="dk1"/>
+                <a:srgbClr val="000000"/>
               </a:solidFill>
               <a:latin typeface="Arial"/>
             </a:endParaRPr>
@@ -13229,7 +13367,7 @@
             </a:r>
             <a:endParaRPr b="0" lang="en-US" sz="1500" spc="-1" strike="noStrike">
               <a:solidFill>
-                <a:schemeClr val="dk1"/>
+                <a:srgbClr val="000000"/>
               </a:solidFill>
               <a:latin typeface="Arial"/>
             </a:endParaRPr>
@@ -13261,7 +13399,7 @@
             </a:r>
             <a:endParaRPr b="0" lang="en-US" sz="1500" spc="-1" strike="noStrike">
               <a:solidFill>
-                <a:schemeClr val="dk1"/>
+                <a:srgbClr val="000000"/>
               </a:solidFill>
               <a:latin typeface="Arial"/>
             </a:endParaRPr>
@@ -13313,7 +13451,7 @@
             </a:r>
             <a:endParaRPr b="0" lang="en-US" sz="1500" spc="-1" strike="noStrike">
               <a:solidFill>
-                <a:schemeClr val="dk1"/>
+                <a:srgbClr val="000000"/>
               </a:solidFill>
               <a:latin typeface="Arial"/>
             </a:endParaRPr>
@@ -13345,7 +13483,7 @@
             </a:r>
             <a:endParaRPr b="0" lang="en-US" sz="1500" spc="-1" strike="noStrike">
               <a:solidFill>
-                <a:schemeClr val="dk1"/>
+                <a:srgbClr val="000000"/>
               </a:solidFill>
               <a:latin typeface="Arial"/>
             </a:endParaRPr>
@@ -13365,7 +13503,7 @@
             </a:pPr>
             <a:endParaRPr b="0" lang="en-US" sz="1500" spc="-1" strike="noStrike">
               <a:solidFill>
-                <a:schemeClr val="dk1"/>
+                <a:srgbClr val="000000"/>
               </a:solidFill>
               <a:latin typeface="Arial"/>
             </a:endParaRPr>
@@ -13430,7 +13568,7 @@
         <p:spPr>
           <a:xfrm>
             <a:off x="504000" y="226080"/>
-            <a:ext cx="9069840" cy="944640"/>
+            <a:ext cx="9069480" cy="944280"/>
           </a:xfrm>
           <a:prstGeom prst="rect">
             <a:avLst/>
@@ -13466,7 +13604,7 @@
             </a:r>
             <a:endParaRPr b="0" lang="en-US" sz="2100" spc="-1" strike="noStrike">
               <a:solidFill>
-                <a:schemeClr val="dk1"/>
+                <a:srgbClr val="000000"/>
               </a:solidFill>
               <a:latin typeface="Arial"/>
             </a:endParaRPr>
@@ -13486,7 +13624,7 @@
         <p:spPr>
           <a:xfrm>
             <a:off x="397080" y="1273680"/>
-            <a:ext cx="9435600" cy="4113720"/>
+            <a:ext cx="9435240" cy="4113360"/>
           </a:xfrm>
           <a:prstGeom prst="rect">
             <a:avLst/>
@@ -13524,7 +13662,7 @@
             </a:r>
             <a:endParaRPr b="0" lang="en-US" sz="1200" spc="-1" strike="noStrike">
               <a:solidFill>
-                <a:schemeClr val="dk1"/>
+                <a:srgbClr val="000000"/>
               </a:solidFill>
               <a:latin typeface="Arial"/>
             </a:endParaRPr>
@@ -13551,7 +13689,7 @@
             </a:r>
             <a:endParaRPr b="0" lang="en-US" sz="1200" spc="-1" strike="noStrike">
               <a:solidFill>
-                <a:schemeClr val="dk1"/>
+                <a:srgbClr val="000000"/>
               </a:solidFill>
               <a:latin typeface="Arial"/>
             </a:endParaRPr>
@@ -13583,7 +13721,7 @@
             </a:r>
             <a:endParaRPr b="0" lang="en-US" sz="1200" spc="-1" strike="noStrike">
               <a:solidFill>
-                <a:schemeClr val="dk1"/>
+                <a:srgbClr val="000000"/>
               </a:solidFill>
               <a:latin typeface="Arial"/>
             </a:endParaRPr>
@@ -13600,7 +13738,7 @@
             </a:pPr>
             <a:endParaRPr b="0" lang="en-US" sz="1200" spc="-1" strike="noStrike">
               <a:solidFill>
-                <a:schemeClr val="dk1"/>
+                <a:srgbClr val="000000"/>
               </a:solidFill>
               <a:latin typeface="Arial"/>
             </a:endParaRPr>
@@ -13627,7 +13765,7 @@
             </a:r>
             <a:endParaRPr b="0" lang="en-US" sz="1200" spc="-1" strike="noStrike">
               <a:solidFill>
-                <a:schemeClr val="dk1"/>
+                <a:srgbClr val="000000"/>
               </a:solidFill>
               <a:latin typeface="Arial"/>
             </a:endParaRPr>
@@ -13659,7 +13797,7 @@
             </a:r>
             <a:endParaRPr b="0" lang="en-US" sz="1200" spc="-1" strike="noStrike">
               <a:solidFill>
-                <a:schemeClr val="dk1"/>
+                <a:srgbClr val="000000"/>
               </a:solidFill>
               <a:latin typeface="Arial"/>
             </a:endParaRPr>
@@ -13691,7 +13829,7 @@
             </a:r>
             <a:endParaRPr b="0" lang="en-US" sz="1200" spc="-1" strike="noStrike">
               <a:solidFill>
-                <a:schemeClr val="dk1"/>
+                <a:srgbClr val="000000"/>
               </a:solidFill>
               <a:latin typeface="Arial"/>
             </a:endParaRPr>
@@ -13723,7 +13861,7 @@
             </a:r>
             <a:endParaRPr b="0" lang="en-US" sz="1200" spc="-1" strike="noStrike">
               <a:solidFill>
-                <a:schemeClr val="dk1"/>
+                <a:srgbClr val="000000"/>
               </a:solidFill>
               <a:latin typeface="Arial"/>
             </a:endParaRPr>
@@ -13755,7 +13893,7 @@
             </a:r>
             <a:endParaRPr b="0" lang="en-US" sz="1200" spc="-1" strike="noStrike">
               <a:solidFill>
-                <a:schemeClr val="dk1"/>
+                <a:srgbClr val="000000"/>
               </a:solidFill>
               <a:latin typeface="Arial"/>
             </a:endParaRPr>
@@ -13787,7 +13925,7 @@
             </a:r>
             <a:endParaRPr b="0" lang="en-US" sz="1200" spc="-1" strike="noStrike">
               <a:solidFill>
-                <a:schemeClr val="dk1"/>
+                <a:srgbClr val="000000"/>
               </a:solidFill>
               <a:latin typeface="Arial"/>
             </a:endParaRPr>
@@ -13819,7 +13957,7 @@
             </a:r>
             <a:endParaRPr b="0" lang="en-US" sz="1200" spc="-1" strike="noStrike">
               <a:solidFill>
-                <a:schemeClr val="dk1"/>
+                <a:srgbClr val="000000"/>
               </a:solidFill>
               <a:latin typeface="Arial"/>
             </a:endParaRPr>
@@ -13854,7 +13992,7 @@
             </a:r>
             <a:endParaRPr b="0" lang="en-US" sz="2100" spc="-1" strike="noStrike">
               <a:solidFill>
-                <a:schemeClr val="dk1"/>
+                <a:srgbClr val="000000"/>
               </a:solidFill>
               <a:latin typeface="Arial"/>
             </a:endParaRPr>
@@ -13871,7 +14009,7 @@
             </a:pPr>
             <a:endParaRPr b="0" lang="en-US" sz="1200" spc="-1" strike="noStrike">
               <a:solidFill>
-                <a:schemeClr val="dk1"/>
+                <a:srgbClr val="000000"/>
               </a:solidFill>
               <a:latin typeface="Arial"/>
             </a:endParaRPr>
@@ -13888,7 +14026,7 @@
             </a:pPr>
             <a:endParaRPr b="0" lang="en-US" sz="1200" spc="-1" strike="noStrike">
               <a:solidFill>
-                <a:schemeClr val="dk1"/>
+                <a:srgbClr val="000000"/>
               </a:solidFill>
               <a:latin typeface="Arial"/>
             </a:endParaRPr>
@@ -13905,7 +14043,7 @@
             </a:pPr>
             <a:endParaRPr b="0" lang="en-US" sz="1200" spc="-1" strike="noStrike">
               <a:solidFill>
-                <a:schemeClr val="dk1"/>
+                <a:srgbClr val="000000"/>
               </a:solidFill>
               <a:latin typeface="Arial"/>
             </a:endParaRPr>
@@ -13922,7 +14060,7 @@
             </a:pPr>
             <a:endParaRPr b="0" lang="en-US" sz="1200" spc="-1" strike="noStrike">
               <a:solidFill>
-                <a:schemeClr val="dk1"/>
+                <a:srgbClr val="000000"/>
               </a:solidFill>
               <a:latin typeface="Arial"/>
             </a:endParaRPr>
@@ -13987,7 +14125,7 @@
         <p:spPr>
           <a:xfrm>
             <a:off x="504000" y="226080"/>
-            <a:ext cx="9069840" cy="944640"/>
+            <a:ext cx="9069480" cy="944280"/>
           </a:xfrm>
           <a:prstGeom prst="rect">
             <a:avLst/>
@@ -14022,7 +14160,7 @@
             </a:r>
             <a:endParaRPr b="0" lang="en-US" sz="2100" spc="-1" strike="noStrike">
               <a:solidFill>
-                <a:schemeClr val="dk1"/>
+                <a:srgbClr val="000000"/>
               </a:solidFill>
               <a:latin typeface="Arial"/>
             </a:endParaRPr>
@@ -14042,7 +14180,7 @@
         <p:spPr>
           <a:xfrm>
             <a:off x="345240" y="1126080"/>
-            <a:ext cx="9070560" cy="4181400"/>
+            <a:ext cx="9070200" cy="4181040"/>
           </a:xfrm>
           <a:prstGeom prst="rect">
             <a:avLst/>
@@ -14083,7 +14221,7 @@
             </a:r>
             <a:endParaRPr b="0" lang="en-US" sz="1500" spc="-1" strike="noStrike">
               <a:solidFill>
-                <a:schemeClr val="dk1"/>
+                <a:srgbClr val="000000"/>
               </a:solidFill>
               <a:latin typeface="Arial"/>
             </a:endParaRPr>
@@ -14113,7 +14251,7 @@
             </a:r>
             <a:endParaRPr b="0" lang="en-US" sz="1500" spc="-1" strike="noStrike">
               <a:solidFill>
-                <a:schemeClr val="dk1"/>
+                <a:srgbClr val="000000"/>
               </a:solidFill>
               <a:latin typeface="Arial"/>
             </a:endParaRPr>
@@ -14161,7 +14299,7 @@
             </a:r>
             <a:endParaRPr b="0" lang="en-US" sz="1500" spc="-1" strike="noStrike">
               <a:solidFill>
-                <a:schemeClr val="dk1"/>
+                <a:srgbClr val="000000"/>
               </a:solidFill>
               <a:latin typeface="Arial"/>
             </a:endParaRPr>
@@ -14199,7 +14337,7 @@
             </a:r>
             <a:endParaRPr b="0" lang="en-US" sz="1500" spc="-1" strike="noStrike">
               <a:solidFill>
-                <a:schemeClr val="dk1"/>
+                <a:srgbClr val="000000"/>
               </a:solidFill>
               <a:latin typeface="Arial"/>
             </a:endParaRPr>
@@ -14234,7 +14372,7 @@
             </a:r>
             <a:endParaRPr b="0" lang="en-US" sz="1500" spc="-1" strike="noStrike">
               <a:solidFill>
-                <a:schemeClr val="dk1"/>
+                <a:srgbClr val="000000"/>
               </a:solidFill>
               <a:latin typeface="Arial"/>
             </a:endParaRPr>
@@ -14272,7 +14410,7 @@
             </a:r>
             <a:endParaRPr b="0" lang="en-US" sz="1500" spc="-1" strike="noStrike">
               <a:solidFill>
-                <a:schemeClr val="dk1"/>
+                <a:srgbClr val="000000"/>
               </a:solidFill>
               <a:latin typeface="Arial"/>
             </a:endParaRPr>
@@ -14307,7 +14445,7 @@
             </a:r>
             <a:endParaRPr b="0" lang="en-US" sz="1500" spc="-1" strike="noStrike">
               <a:solidFill>
-                <a:schemeClr val="dk1"/>
+                <a:srgbClr val="000000"/>
               </a:solidFill>
               <a:latin typeface="Arial"/>
             </a:endParaRPr>
@@ -14342,7 +14480,7 @@
             </a:r>
             <a:endParaRPr b="0" lang="en-US" sz="1400" spc="-1" strike="noStrike">
               <a:solidFill>
-                <a:schemeClr val="dk1"/>
+                <a:srgbClr val="000000"/>
               </a:solidFill>
               <a:latin typeface="Arial"/>
             </a:endParaRPr>
@@ -14417,7 +14555,7 @@
             </a:r>
             <a:endParaRPr b="0" lang="en-US" sz="1400" spc="-1" strike="noStrike">
               <a:solidFill>
-                <a:schemeClr val="dk1"/>
+                <a:srgbClr val="000000"/>
               </a:solidFill>
               <a:latin typeface="Arial"/>
             </a:endParaRPr>
@@ -14437,7 +14575,7 @@
             </a:pPr>
             <a:endParaRPr b="0" lang="en-US" sz="1200" spc="-1" strike="noStrike">
               <a:solidFill>
-                <a:schemeClr val="dk1"/>
+                <a:srgbClr val="000000"/>
               </a:solidFill>
               <a:latin typeface="Arial"/>
             </a:endParaRPr>
@@ -14467,7 +14605,7 @@
             </a:r>
             <a:endParaRPr b="0" lang="en-US" sz="1200" spc="-1" strike="noStrike">
               <a:solidFill>
-                <a:schemeClr val="dk1"/>
+                <a:srgbClr val="000000"/>
               </a:solidFill>
               <a:latin typeface="Arial"/>
             </a:endParaRPr>
@@ -14532,7 +14670,7 @@
         <p:spPr>
           <a:xfrm>
             <a:off x="504000" y="226080"/>
-            <a:ext cx="9069840" cy="645840"/>
+            <a:ext cx="9069480" cy="645480"/>
           </a:xfrm>
           <a:prstGeom prst="rect">
             <a:avLst/>
@@ -14585,7 +14723,7 @@
             </a:r>
             <a:endParaRPr b="0" lang="en-US" sz="1200" spc="-1" strike="noStrike">
               <a:solidFill>
-                <a:schemeClr val="dk1"/>
+                <a:srgbClr val="000000"/>
               </a:solidFill>
               <a:latin typeface="Arial"/>
             </a:endParaRPr>
@@ -14605,7 +14743,7 @@
         <p:spPr>
           <a:xfrm>
             <a:off x="504000" y="917280"/>
-            <a:ext cx="9070560" cy="4575960"/>
+            <a:ext cx="9070200" cy="4575600"/>
           </a:xfrm>
           <a:prstGeom prst="rect">
             <a:avLst/>
@@ -14647,7 +14785,7 @@
             </a:r>
             <a:endParaRPr b="0" lang="en-US" sz="1400" spc="-1" strike="noStrike">
               <a:solidFill>
-                <a:schemeClr val="dk1"/>
+                <a:srgbClr val="000000"/>
               </a:solidFill>
               <a:latin typeface="Arial"/>
             </a:endParaRPr>
@@ -14677,7 +14815,7 @@
             </a:r>
             <a:endParaRPr b="0" lang="en-US" sz="1400" spc="-1" strike="noStrike">
               <a:solidFill>
-                <a:schemeClr val="dk1"/>
+                <a:srgbClr val="000000"/>
               </a:solidFill>
               <a:latin typeface="Arial"/>
             </a:endParaRPr>
@@ -14712,7 +14850,7 @@
             </a:r>
             <a:endParaRPr b="0" lang="en-US" sz="1400" spc="-1" strike="noStrike">
               <a:solidFill>
-                <a:schemeClr val="dk1"/>
+                <a:srgbClr val="000000"/>
               </a:solidFill>
               <a:latin typeface="Arial"/>
             </a:endParaRPr>
@@ -14747,7 +14885,7 @@
             </a:r>
             <a:endParaRPr b="0" lang="en-US" sz="1400" spc="-1" strike="noStrike">
               <a:solidFill>
-                <a:schemeClr val="dk1"/>
+                <a:srgbClr val="000000"/>
               </a:solidFill>
               <a:latin typeface="Arial"/>
             </a:endParaRPr>
@@ -14782,7 +14920,7 @@
             </a:r>
             <a:endParaRPr b="0" lang="en-US" sz="1400" spc="-1" strike="noStrike">
               <a:solidFill>
-                <a:schemeClr val="dk1"/>
+                <a:srgbClr val="000000"/>
               </a:solidFill>
               <a:latin typeface="Arial"/>
             </a:endParaRPr>
@@ -14817,7 +14955,7 @@
             </a:r>
             <a:endParaRPr b="0" lang="en-US" sz="1400" spc="-1" strike="noStrike">
               <a:solidFill>
-                <a:schemeClr val="dk1"/>
+                <a:srgbClr val="000000"/>
               </a:solidFill>
               <a:latin typeface="Arial"/>
             </a:endParaRPr>
@@ -14849,7 +14987,7 @@
             </a:r>
             <a:endParaRPr b="0" lang="en-US" sz="1400" spc="-1" strike="noStrike">
               <a:solidFill>
-                <a:schemeClr val="dk1"/>
+                <a:srgbClr val="000000"/>
               </a:solidFill>
               <a:latin typeface="Arial"/>
             </a:endParaRPr>
@@ -14884,7 +15022,7 @@
             </a:r>
             <a:endParaRPr b="0" lang="en-US" sz="1400" spc="-1" strike="noStrike">
               <a:solidFill>
-                <a:schemeClr val="dk1"/>
+                <a:srgbClr val="000000"/>
               </a:solidFill>
               <a:latin typeface="Arial"/>
             </a:endParaRPr>
@@ -14919,7 +15057,7 @@
             </a:r>
             <a:endParaRPr b="0" lang="en-US" sz="1400" spc="-1" strike="noStrike">
               <a:solidFill>
-                <a:schemeClr val="dk1"/>
+                <a:srgbClr val="000000"/>
               </a:solidFill>
               <a:latin typeface="Arial"/>
             </a:endParaRPr>
@@ -14954,7 +15092,7 @@
             </a:r>
             <a:endParaRPr b="0" lang="en-US" sz="1400" spc="-1" strike="noStrike">
               <a:solidFill>
-                <a:schemeClr val="dk1"/>
+                <a:srgbClr val="000000"/>
               </a:solidFill>
               <a:latin typeface="Arial"/>
             </a:endParaRPr>
@@ -14989,7 +15127,7 @@
             </a:r>
             <a:endParaRPr b="0" lang="en-US" sz="1400" spc="-1" strike="noStrike">
               <a:solidFill>
-                <a:schemeClr val="dk1"/>
+                <a:srgbClr val="000000"/>
               </a:solidFill>
               <a:latin typeface="Arial"/>
             </a:endParaRPr>
@@ -15019,7 +15157,7 @@
             </a:r>
             <a:endParaRPr b="0" lang="en-US" sz="1400" spc="-1" strike="noStrike">
               <a:solidFill>
-                <a:schemeClr val="dk1"/>
+                <a:srgbClr val="000000"/>
               </a:solidFill>
               <a:latin typeface="Arial"/>
             </a:endParaRPr>
@@ -15049,7 +15187,7 @@
             </a:r>
             <a:endParaRPr b="0" lang="en-US" sz="1400" spc="-1" strike="noStrike">
               <a:solidFill>
-                <a:schemeClr val="dk1"/>
+                <a:srgbClr val="000000"/>
               </a:solidFill>
               <a:latin typeface="Arial"/>
             </a:endParaRPr>
@@ -15076,7 +15214,7 @@
             </a:r>
             <a:endParaRPr b="0" lang="en-US" sz="1400" spc="-1" strike="noStrike">
               <a:solidFill>
-                <a:schemeClr val="dk1"/>
+                <a:srgbClr val="000000"/>
               </a:solidFill>
               <a:latin typeface="Arial"/>
             </a:endParaRPr>
@@ -15103,7 +15241,7 @@
             </a:r>
             <a:endParaRPr b="0" lang="en-US" sz="1400" spc="-1" strike="noStrike">
               <a:solidFill>
-                <a:schemeClr val="dk1"/>
+                <a:srgbClr val="000000"/>
               </a:solidFill>
               <a:latin typeface="Arial"/>
             </a:endParaRPr>
@@ -15133,7 +15271,7 @@
             </a:r>
             <a:endParaRPr b="0" lang="en-US" sz="1400" spc="-1" strike="noStrike">
               <a:solidFill>
-                <a:schemeClr val="dk1"/>
+                <a:srgbClr val="000000"/>
               </a:solidFill>
               <a:latin typeface="Arial"/>
             </a:endParaRPr>
@@ -15160,7 +15298,7 @@
             </a:r>
             <a:endParaRPr b="0" lang="en-US" sz="1400" spc="-1" strike="noStrike">
               <a:solidFill>
-                <a:schemeClr val="dk1"/>
+                <a:srgbClr val="000000"/>
               </a:solidFill>
               <a:latin typeface="Arial"/>
             </a:endParaRPr>
@@ -15187,7 +15325,7 @@
             </a:r>
             <a:endParaRPr b="0" lang="en-US" sz="1400" spc="-1" strike="noStrike">
               <a:solidFill>
-                <a:schemeClr val="dk1"/>
+                <a:srgbClr val="000000"/>
               </a:solidFill>
               <a:latin typeface="Arial"/>
             </a:endParaRPr>
@@ -15214,7 +15352,7 @@
             </a:r>
             <a:endParaRPr b="0" lang="en-US" sz="1400" spc="-1" strike="noStrike">
               <a:solidFill>
-                <a:schemeClr val="dk1"/>
+                <a:srgbClr val="000000"/>
               </a:solidFill>
               <a:latin typeface="Arial"/>
             </a:endParaRPr>
@@ -15231,7 +15369,7 @@
             </a:pPr>
             <a:endParaRPr b="0" lang="en-US" sz="1400" spc="-1" strike="noStrike">
               <a:solidFill>
-                <a:schemeClr val="dk1"/>
+                <a:srgbClr val="000000"/>
               </a:solidFill>
               <a:latin typeface="Arial"/>
             </a:endParaRPr>
@@ -15296,7 +15434,7 @@
         <p:spPr>
           <a:xfrm>
             <a:off x="549360" y="264600"/>
-            <a:ext cx="9069840" cy="626400"/>
+            <a:ext cx="9069480" cy="626040"/>
           </a:xfrm>
           <a:prstGeom prst="rect">
             <a:avLst/>
@@ -15331,7 +15469,7 @@
             </a:r>
             <a:endParaRPr b="0" lang="en-US" sz="2100" spc="-1" strike="noStrike">
               <a:solidFill>
-                <a:schemeClr val="dk1"/>
+                <a:srgbClr val="000000"/>
               </a:solidFill>
               <a:latin typeface="Arial"/>
             </a:endParaRPr>
@@ -15351,7 +15489,7 @@
         <p:spPr>
           <a:xfrm>
             <a:off x="504000" y="891720"/>
-            <a:ext cx="8921880" cy="331920"/>
+            <a:ext cx="8921520" cy="331560"/>
           </a:xfrm>
           <a:prstGeom prst="rect">
             <a:avLst/>
@@ -15403,7 +15541,7 @@
             </a:r>
             <a:endParaRPr b="0" lang="en-US" sz="1200" spc="-1" strike="noStrike">
               <a:solidFill>
-                <a:schemeClr val="dk1"/>
+                <a:srgbClr val="000000"/>
               </a:solidFill>
               <a:latin typeface="Arial"/>
             </a:endParaRPr>
@@ -15419,7 +15557,7 @@
         <p:spPr>
           <a:xfrm>
             <a:off x="196560" y="1406520"/>
-            <a:ext cx="9584640" cy="3975120"/>
+            <a:ext cx="9584280" cy="3974760"/>
           </a:xfrm>
           <a:prstGeom prst="rect">
             <a:avLst/>
@@ -16241,7 +16379,7 @@
         <p:spPr>
           <a:xfrm>
             <a:off x="549360" y="264600"/>
-            <a:ext cx="9069840" cy="626400"/>
+            <a:ext cx="9069480" cy="626040"/>
           </a:xfrm>
           <a:prstGeom prst="rect">
             <a:avLst/>
@@ -16276,7 +16414,7 @@
             </a:r>
             <a:endParaRPr b="0" lang="en-US" sz="2100" spc="-1" strike="noStrike">
               <a:solidFill>
-                <a:schemeClr val="dk1"/>
+                <a:srgbClr val="000000"/>
               </a:solidFill>
               <a:latin typeface="Arial"/>
             </a:endParaRPr>
@@ -16296,7 +16434,7 @@
         <p:spPr>
           <a:xfrm>
             <a:off x="504000" y="891720"/>
-            <a:ext cx="9156600" cy="476280"/>
+            <a:ext cx="9156240" cy="475920"/>
           </a:xfrm>
           <a:prstGeom prst="rect">
             <a:avLst/>
@@ -16338,7 +16476,7 @@
             </a:r>
             <a:endParaRPr b="0" lang="en-US" sz="1200" spc="-1" strike="noStrike">
               <a:solidFill>
-                <a:schemeClr val="dk1"/>
+                <a:srgbClr val="000000"/>
               </a:solidFill>
               <a:latin typeface="Arial"/>
             </a:endParaRPr>
@@ -16354,7 +16492,7 @@
         <p:spPr>
           <a:xfrm>
             <a:off x="196560" y="1406520"/>
-            <a:ext cx="9584640" cy="3975120"/>
+            <a:ext cx="9584280" cy="3974760"/>
           </a:xfrm>
           <a:prstGeom prst="rect">
             <a:avLst/>
@@ -16403,7 +16541,7 @@
         <p:spPr>
           <a:xfrm>
             <a:off x="1294560" y="1512000"/>
-            <a:ext cx="7216920" cy="4057200"/>
+            <a:ext cx="7216560" cy="4056840"/>
           </a:xfrm>
           <a:prstGeom prst="rect">
             <a:avLst/>
@@ -16471,7 +16609,7 @@
         <p:spPr>
           <a:xfrm>
             <a:off x="549360" y="264600"/>
-            <a:ext cx="9069840" cy="626400"/>
+            <a:ext cx="9069480" cy="626040"/>
           </a:xfrm>
           <a:prstGeom prst="rect">
             <a:avLst/>
@@ -16506,7 +16644,7 @@
             </a:r>
             <a:endParaRPr b="0" lang="en-US" sz="2100" spc="-1" strike="noStrike">
               <a:solidFill>
-                <a:schemeClr val="dk1"/>
+                <a:srgbClr val="000000"/>
               </a:solidFill>
               <a:latin typeface="Arial"/>
             </a:endParaRPr>
@@ -16526,7 +16664,7 @@
         <p:spPr>
           <a:xfrm>
             <a:off x="504000" y="891720"/>
-            <a:ext cx="9156600" cy="476280"/>
+            <a:ext cx="9156240" cy="475920"/>
           </a:xfrm>
           <a:prstGeom prst="rect">
             <a:avLst/>
@@ -16568,7 +16706,7 @@
             </a:r>
             <a:endParaRPr b="0" lang="en-US" sz="1200" spc="-1" strike="noStrike">
               <a:solidFill>
-                <a:schemeClr val="dk1"/>
+                <a:srgbClr val="000000"/>
               </a:solidFill>
               <a:latin typeface="Arial"/>
             </a:endParaRPr>
@@ -16584,7 +16722,7 @@
         <p:spPr>
           <a:xfrm>
             <a:off x="196560" y="1406520"/>
-            <a:ext cx="9584640" cy="3975120"/>
+            <a:ext cx="9584280" cy="3974760"/>
           </a:xfrm>
           <a:prstGeom prst="rect">
             <a:avLst/>
@@ -16633,7 +16771,7 @@
         <p:spPr>
           <a:xfrm>
             <a:off x="432720" y="1765440"/>
-            <a:ext cx="9296280" cy="3616200"/>
+            <a:ext cx="9295920" cy="3615840"/>
           </a:xfrm>
           <a:prstGeom prst="rect">
             <a:avLst/>

--- a/prezentare proiect SDA HOHA.pptx
+++ b/prezentare proiect SDA HOHA.pptx
@@ -29,6 +29,7 @@
     <p:sldId id="272" r:id="rId24"/>
     <p:sldId id="273" r:id="rId25"/>
     <p:sldId id="274" r:id="rId26"/>
+    <p:sldId id="275" r:id="rId27"/>
   </p:sldIdLst>
   <p:sldSz cx="10080625" cy="5670550"/>
   <p:notesSz cx="7559675" cy="10691813"/>
@@ -65,7 +66,7 @@
         <p:spPr>
           <a:xfrm>
             <a:off x="504000" y="226080"/>
-            <a:ext cx="9069480" cy="944280"/>
+            <a:ext cx="9069120" cy="943920"/>
           </a:xfrm>
           <a:prstGeom prst="rect">
             <a:avLst/>
@@ -105,7 +106,7 @@
         <p:spPr>
           <a:xfrm>
             <a:off x="504000" y="1326600"/>
-            <a:ext cx="9070200" cy="3286800"/>
+            <a:ext cx="9069840" cy="3286440"/>
           </a:xfrm>
           <a:prstGeom prst="rect">
             <a:avLst/>
@@ -169,7 +170,7 @@
         <p:txBody>
           <a:bodyPr/>
           <a:p>
-            <a:fld id="{CAB01C25-56D9-40D5-91E6-2C5F8844DC9D}" type="slidenum">
+            <a:fld id="{E5CB467E-F018-4C04-8D36-06BE03566B03}" type="slidenum">
               <a:t>&lt;#&gt;</a:t>
             </a:fld>
           </a:p>
@@ -231,7 +232,7 @@
         <p:spPr>
           <a:xfrm>
             <a:off x="504000" y="226080"/>
-            <a:ext cx="9069480" cy="944280"/>
+            <a:ext cx="9069120" cy="943920"/>
           </a:xfrm>
           <a:prstGeom prst="rect">
             <a:avLst/>
@@ -271,7 +272,7 @@
         <p:spPr>
           <a:xfrm>
             <a:off x="504000" y="1326600"/>
-            <a:ext cx="9070200" cy="3286800"/>
+            <a:ext cx="9069840" cy="3286440"/>
           </a:xfrm>
           <a:prstGeom prst="rect">
             <a:avLst/>
@@ -332,7 +333,7 @@
         <p:txBody>
           <a:bodyPr/>
           <a:p>
-            <a:fld id="{6C2A7B84-9709-4DE0-A355-7D8DDF01FA96}" type="slidenum">
+            <a:fld id="{B319C58A-9569-4DD9-A0ED-4E1F731932B2}" type="slidenum">
               <a:t>&lt;#&gt;</a:t>
             </a:fld>
           </a:p>
@@ -394,7 +395,7 @@
         <p:spPr>
           <a:xfrm>
             <a:off x="504000" y="226080"/>
-            <a:ext cx="9069480" cy="944280"/>
+            <a:ext cx="9069120" cy="943920"/>
           </a:xfrm>
           <a:prstGeom prst="rect">
             <a:avLst/>
@@ -434,7 +435,7 @@
         <p:spPr>
           <a:xfrm>
             <a:off x="504000" y="1326600"/>
-            <a:ext cx="9070200" cy="3286800"/>
+            <a:ext cx="9069840" cy="3286440"/>
           </a:xfrm>
           <a:prstGeom prst="rect">
             <a:avLst/>
@@ -498,7 +499,7 @@
         <p:txBody>
           <a:bodyPr/>
           <a:p>
-            <a:fld id="{2A61D553-D17E-4A37-97DB-A4D59A34F207}" type="slidenum">
+            <a:fld id="{3CF0B06C-C8DA-4D2B-8423-311E869FFAE1}" type="slidenum">
               <a:t>&lt;#&gt;</a:t>
             </a:fld>
           </a:p>
@@ -560,7 +561,7 @@
         <p:spPr>
           <a:xfrm>
             <a:off x="504000" y="226080"/>
-            <a:ext cx="9069480" cy="944280"/>
+            <a:ext cx="9069120" cy="943920"/>
           </a:xfrm>
           <a:prstGeom prst="rect">
             <a:avLst/>
@@ -600,7 +601,7 @@
         <p:spPr>
           <a:xfrm>
             <a:off x="504000" y="1326600"/>
-            <a:ext cx="9070200" cy="3286800"/>
+            <a:ext cx="9069840" cy="3286440"/>
           </a:xfrm>
           <a:prstGeom prst="rect">
             <a:avLst/>
@@ -664,7 +665,7 @@
         <p:txBody>
           <a:bodyPr/>
           <a:p>
-            <a:fld id="{79CDAC32-12A8-4A6E-8E94-93F540BAEB4A}" type="slidenum">
+            <a:fld id="{06716B4E-670E-40EF-9248-BFB1FBA93AC5}" type="slidenum">
               <a:t>&lt;#&gt;</a:t>
             </a:fld>
           </a:p>
@@ -726,7 +727,7 @@
         <p:spPr>
           <a:xfrm>
             <a:off x="504000" y="226080"/>
-            <a:ext cx="9069480" cy="944280"/>
+            <a:ext cx="9069120" cy="943920"/>
           </a:xfrm>
           <a:prstGeom prst="rect">
             <a:avLst/>
@@ -766,7 +767,7 @@
         <p:spPr>
           <a:xfrm>
             <a:off x="504000" y="1326600"/>
-            <a:ext cx="9070200" cy="3286800"/>
+            <a:ext cx="9069840" cy="3286440"/>
           </a:xfrm>
           <a:prstGeom prst="rect">
             <a:avLst/>
@@ -830,7 +831,7 @@
         <p:txBody>
           <a:bodyPr/>
           <a:p>
-            <a:fld id="{3F66DC55-390F-44EA-839D-8354053874D8}" type="slidenum">
+            <a:fld id="{84199749-3AA9-474C-A020-D54B03998DEE}" type="slidenum">
               <a:t>&lt;#&gt;</a:t>
             </a:fld>
           </a:p>
@@ -892,7 +893,7 @@
         <p:spPr>
           <a:xfrm>
             <a:off x="504000" y="226080"/>
-            <a:ext cx="9069480" cy="944280"/>
+            <a:ext cx="9069120" cy="943920"/>
           </a:xfrm>
           <a:prstGeom prst="rect">
             <a:avLst/>
@@ -932,7 +933,7 @@
         <p:spPr>
           <a:xfrm>
             <a:off x="504000" y="1326600"/>
-            <a:ext cx="9070200" cy="3286800"/>
+            <a:ext cx="9069840" cy="3286440"/>
           </a:xfrm>
           <a:prstGeom prst="rect">
             <a:avLst/>
@@ -996,7 +997,7 @@
         <p:txBody>
           <a:bodyPr/>
           <a:p>
-            <a:fld id="{CECCAF39-8AD0-4D9B-A776-B79585AD1C88}" type="slidenum">
+            <a:fld id="{15685587-AA60-41D3-8821-8ED476CF8233}" type="slidenum">
               <a:t>&lt;#&gt;</a:t>
             </a:fld>
           </a:p>
@@ -1065,7 +1066,7 @@
         <p:spPr>
           <a:xfrm>
             <a:off x="504000" y="226080"/>
-            <a:ext cx="9069480" cy="944280"/>
+            <a:ext cx="9069120" cy="943920"/>
           </a:xfrm>
           <a:prstGeom prst="rect">
             <a:avLst/>
@@ -1114,7 +1115,7 @@
         <p:spPr>
           <a:xfrm>
             <a:off x="504000" y="1326600"/>
-            <a:ext cx="9070200" cy="3286800"/>
+            <a:ext cx="9069840" cy="3286440"/>
           </a:xfrm>
           <a:prstGeom prst="rect">
             <a:avLst/>
@@ -1339,7 +1340,7 @@
         <p:spPr>
           <a:xfrm>
             <a:off x="3447360" y="5165280"/>
-            <a:ext cx="3192840" cy="388440"/>
+            <a:ext cx="3192480" cy="388080"/>
           </a:xfrm>
           <a:prstGeom prst="rect">
             <a:avLst/>
@@ -1413,7 +1414,7 @@
         <p:spPr>
           <a:xfrm>
             <a:off x="7227360" y="5165280"/>
-            <a:ext cx="2346120" cy="388440"/>
+            <a:ext cx="2345760" cy="388080"/>
           </a:xfrm>
           <a:prstGeom prst="rect">
             <a:avLst/>
@@ -1455,7 +1456,7 @@
                 <a:tab algn="l" pos="0"/>
               </a:tabLst>
             </a:pPr>
-            <a:fld id="{7C8952BF-5902-4EA0-BDDC-3DD82468D626}" type="slidenum">
+            <a:fld id="{EE1F63D1-C957-425C-B9C2-59FD2003DD28}" type="slidenum">
               <a:rPr b="0" lang="en-US" sz="1400" spc="-1" strike="noStrike">
                 <a:solidFill>
                   <a:srgbClr val="000000"/>
@@ -1487,7 +1488,7 @@
         <p:spPr>
           <a:xfrm>
             <a:off x="504000" y="5165280"/>
-            <a:ext cx="2346120" cy="388440"/>
+            <a:ext cx="2345760" cy="388080"/>
           </a:xfrm>
           <a:prstGeom prst="rect">
             <a:avLst/>
@@ -1580,7 +1581,7 @@
         <p:spPr>
           <a:xfrm>
             <a:off x="504000" y="226080"/>
-            <a:ext cx="9069480" cy="944280"/>
+            <a:ext cx="9069120" cy="943920"/>
           </a:xfrm>
           <a:prstGeom prst="rect">
             <a:avLst/>
@@ -1629,7 +1630,7 @@
         <p:spPr>
           <a:xfrm>
             <a:off x="3447360" y="5165280"/>
-            <a:ext cx="3192840" cy="388440"/>
+            <a:ext cx="3192480" cy="388080"/>
           </a:xfrm>
           <a:prstGeom prst="rect">
             <a:avLst/>
@@ -1703,7 +1704,7 @@
         <p:spPr>
           <a:xfrm>
             <a:off x="7227360" y="5165280"/>
-            <a:ext cx="2346120" cy="388440"/>
+            <a:ext cx="2345760" cy="388080"/>
           </a:xfrm>
           <a:prstGeom prst="rect">
             <a:avLst/>
@@ -1745,7 +1746,7 @@
                 <a:tab algn="l" pos="0"/>
               </a:tabLst>
             </a:pPr>
-            <a:fld id="{F565F63E-9E40-4F41-B15F-1D40B49EEB26}" type="slidenum">
+            <a:fld id="{56147064-18E2-4373-ACCB-ADCDAA79644C}" type="slidenum">
               <a:rPr b="0" lang="en-US" sz="1400" spc="-1" strike="noStrike">
                 <a:solidFill>
                   <a:srgbClr val="000000"/>
@@ -1777,7 +1778,7 @@
         <p:spPr>
           <a:xfrm>
             <a:off x="504000" y="5165280"/>
-            <a:ext cx="2346120" cy="388440"/>
+            <a:ext cx="2345760" cy="388080"/>
           </a:xfrm>
           <a:prstGeom prst="rect">
             <a:avLst/>
@@ -2095,7 +2096,7 @@
         <p:spPr>
           <a:xfrm>
             <a:off x="504000" y="226080"/>
-            <a:ext cx="9069480" cy="944280"/>
+            <a:ext cx="9069120" cy="943920"/>
           </a:xfrm>
           <a:prstGeom prst="rect">
             <a:avLst/>
@@ -2144,7 +2145,7 @@
         <p:spPr>
           <a:xfrm>
             <a:off x="504000" y="1326600"/>
-            <a:ext cx="9070200" cy="3286800"/>
+            <a:ext cx="9069840" cy="3286440"/>
           </a:xfrm>
           <a:prstGeom prst="rect">
             <a:avLst/>
@@ -2369,7 +2370,7 @@
         <p:spPr>
           <a:xfrm>
             <a:off x="3447360" y="5165280"/>
-            <a:ext cx="3192840" cy="388440"/>
+            <a:ext cx="3192480" cy="388080"/>
           </a:xfrm>
           <a:prstGeom prst="rect">
             <a:avLst/>
@@ -2443,7 +2444,7 @@
         <p:spPr>
           <a:xfrm>
             <a:off x="7227360" y="5165280"/>
-            <a:ext cx="2346120" cy="388440"/>
+            <a:ext cx="2345760" cy="388080"/>
           </a:xfrm>
           <a:prstGeom prst="rect">
             <a:avLst/>
@@ -2485,7 +2486,7 @@
                 <a:tab algn="l" pos="0"/>
               </a:tabLst>
             </a:pPr>
-            <a:fld id="{7BFB2680-D74C-4456-8BE8-C7304FAAD660}" type="slidenum">
+            <a:fld id="{71B63128-7462-4534-B743-E5B7ED04DA99}" type="slidenum">
               <a:rPr b="0" lang="en-US" sz="1400" spc="-1" strike="noStrike">
                 <a:solidFill>
                   <a:srgbClr val="000000"/>
@@ -2517,7 +2518,7 @@
         <p:spPr>
           <a:xfrm>
             <a:off x="504000" y="5165280"/>
-            <a:ext cx="2346120" cy="388440"/>
+            <a:ext cx="2345760" cy="388080"/>
           </a:xfrm>
           <a:prstGeom prst="rect">
             <a:avLst/>
@@ -2610,7 +2611,7 @@
         <p:spPr>
           <a:xfrm>
             <a:off x="504000" y="226080"/>
-            <a:ext cx="9069480" cy="944280"/>
+            <a:ext cx="9069120" cy="943920"/>
           </a:xfrm>
           <a:prstGeom prst="rect">
             <a:avLst/>
@@ -2659,7 +2660,7 @@
         <p:spPr>
           <a:xfrm>
             <a:off x="504000" y="1326600"/>
-            <a:ext cx="9070200" cy="3286800"/>
+            <a:ext cx="9069840" cy="3286440"/>
           </a:xfrm>
           <a:prstGeom prst="rect">
             <a:avLst/>
@@ -2884,7 +2885,7 @@
         <p:spPr>
           <a:xfrm>
             <a:off x="3447360" y="5165280"/>
-            <a:ext cx="3192840" cy="388440"/>
+            <a:ext cx="3192480" cy="388080"/>
           </a:xfrm>
           <a:prstGeom prst="rect">
             <a:avLst/>
@@ -2958,7 +2959,7 @@
         <p:spPr>
           <a:xfrm>
             <a:off x="7227360" y="5165280"/>
-            <a:ext cx="2346120" cy="388440"/>
+            <a:ext cx="2345760" cy="388080"/>
           </a:xfrm>
           <a:prstGeom prst="rect">
             <a:avLst/>
@@ -3000,7 +3001,7 @@
                 <a:tab algn="l" pos="0"/>
               </a:tabLst>
             </a:pPr>
-            <a:fld id="{79A7CE12-80C4-4B9B-8675-403749F755FA}" type="slidenum">
+            <a:fld id="{FE2974A3-424B-46A1-85AA-A8B5D45727AB}" type="slidenum">
               <a:rPr b="0" lang="en-US" sz="1400" spc="-1" strike="noStrike">
                 <a:solidFill>
                   <a:srgbClr val="000000"/>
@@ -3032,7 +3033,7 @@
         <p:spPr>
           <a:xfrm>
             <a:off x="504000" y="5165280"/>
-            <a:ext cx="2346120" cy="388440"/>
+            <a:ext cx="2345760" cy="388080"/>
           </a:xfrm>
           <a:prstGeom prst="rect">
             <a:avLst/>
@@ -3125,7 +3126,7 @@
         <p:spPr>
           <a:xfrm>
             <a:off x="504000" y="226080"/>
-            <a:ext cx="9069480" cy="944280"/>
+            <a:ext cx="9069120" cy="943920"/>
           </a:xfrm>
           <a:prstGeom prst="rect">
             <a:avLst/>
@@ -3174,7 +3175,7 @@
         <p:spPr>
           <a:xfrm>
             <a:off x="504000" y="1326600"/>
-            <a:ext cx="9070200" cy="3286800"/>
+            <a:ext cx="9069840" cy="3286440"/>
           </a:xfrm>
           <a:prstGeom prst="rect">
             <a:avLst/>
@@ -3399,7 +3400,7 @@
         <p:spPr>
           <a:xfrm>
             <a:off x="3447360" y="5165280"/>
-            <a:ext cx="3192840" cy="388440"/>
+            <a:ext cx="3192480" cy="388080"/>
           </a:xfrm>
           <a:prstGeom prst="rect">
             <a:avLst/>
@@ -3473,7 +3474,7 @@
         <p:spPr>
           <a:xfrm>
             <a:off x="7227360" y="5165280"/>
-            <a:ext cx="2346120" cy="388440"/>
+            <a:ext cx="2345760" cy="388080"/>
           </a:xfrm>
           <a:prstGeom prst="rect">
             <a:avLst/>
@@ -3515,7 +3516,7 @@
                 <a:tab algn="l" pos="0"/>
               </a:tabLst>
             </a:pPr>
-            <a:fld id="{A424CC7F-39CB-44EA-91EB-844CD9223B6B}" type="slidenum">
+            <a:fld id="{F0A8522D-170B-4606-AD52-8EE86B46B281}" type="slidenum">
               <a:rPr b="0" lang="en-US" sz="1400" spc="-1" strike="noStrike">
                 <a:solidFill>
                   <a:srgbClr val="000000"/>
@@ -3547,7 +3548,7 @@
         <p:spPr>
           <a:xfrm>
             <a:off x="504000" y="5165280"/>
-            <a:ext cx="2346120" cy="388440"/>
+            <a:ext cx="2345760" cy="388080"/>
           </a:xfrm>
           <a:prstGeom prst="rect">
             <a:avLst/>
@@ -3640,7 +3641,7 @@
         <p:spPr>
           <a:xfrm>
             <a:off x="504000" y="226080"/>
-            <a:ext cx="9069480" cy="944280"/>
+            <a:ext cx="9069120" cy="943920"/>
           </a:xfrm>
           <a:prstGeom prst="rect">
             <a:avLst/>
@@ -3689,7 +3690,7 @@
         <p:spPr>
           <a:xfrm>
             <a:off x="504000" y="1326600"/>
-            <a:ext cx="9070200" cy="3286800"/>
+            <a:ext cx="9069840" cy="3286440"/>
           </a:xfrm>
           <a:prstGeom prst="rect">
             <a:avLst/>
@@ -3914,7 +3915,7 @@
         <p:spPr>
           <a:xfrm>
             <a:off x="3447360" y="5165280"/>
-            <a:ext cx="3192840" cy="388440"/>
+            <a:ext cx="3192480" cy="388080"/>
           </a:xfrm>
           <a:prstGeom prst="rect">
             <a:avLst/>
@@ -3988,7 +3989,7 @@
         <p:spPr>
           <a:xfrm>
             <a:off x="7227360" y="5165280"/>
-            <a:ext cx="2346120" cy="388440"/>
+            <a:ext cx="2345760" cy="388080"/>
           </a:xfrm>
           <a:prstGeom prst="rect">
             <a:avLst/>
@@ -4030,7 +4031,7 @@
                 <a:tab algn="l" pos="0"/>
               </a:tabLst>
             </a:pPr>
-            <a:fld id="{9F509CD6-611A-4EC7-8E25-18CAA534742C}" type="slidenum">
+            <a:fld id="{FABEC51A-A4E9-4669-93B6-7DC67E8BC4F1}" type="slidenum">
               <a:rPr b="0" lang="en-US" sz="1400" spc="-1" strike="noStrike">
                 <a:solidFill>
                   <a:srgbClr val="000000"/>
@@ -4062,7 +4063,7 @@
         <p:spPr>
           <a:xfrm>
             <a:off x="504000" y="5165280"/>
-            <a:ext cx="2346120" cy="388440"/>
+            <a:ext cx="2345760" cy="388080"/>
           </a:xfrm>
           <a:prstGeom prst="rect">
             <a:avLst/>
@@ -4163,7 +4164,7 @@
         <p:spPr>
           <a:xfrm>
             <a:off x="504000" y="226080"/>
-            <a:ext cx="9069480" cy="4383720"/>
+            <a:ext cx="9069120" cy="4383360"/>
           </a:xfrm>
           <a:prstGeom prst="rect">
             <a:avLst/>
@@ -4362,7 +4363,7 @@
         <p:spPr>
           <a:xfrm>
             <a:off x="504000" y="226080"/>
-            <a:ext cx="9069480" cy="944280"/>
+            <a:ext cx="9069120" cy="943920"/>
           </a:xfrm>
           <a:prstGeom prst="rect">
             <a:avLst/>
@@ -4420,7 +4421,7 @@
         <p:spPr>
           <a:xfrm>
             <a:off x="707040" y="1076760"/>
-            <a:ext cx="5435640" cy="1185840"/>
+            <a:ext cx="5435280" cy="1185480"/>
           </a:xfrm>
           <a:prstGeom prst="rect">
             <a:avLst/>
@@ -4645,7 +4646,7 @@
         <p:spPr>
           <a:xfrm>
             <a:off x="843480" y="2287440"/>
-            <a:ext cx="4986720" cy="771480"/>
+            <a:ext cx="4986360" cy="771120"/>
           </a:xfrm>
           <a:prstGeom prst="rect">
             <a:avLst/>
@@ -4854,7 +4855,7 @@
         <p:spPr>
           <a:xfrm>
             <a:off x="820080" y="3270960"/>
-            <a:ext cx="4174920" cy="669960"/>
+            <a:ext cx="4174560" cy="669600"/>
           </a:xfrm>
           <a:prstGeom prst="rect">
             <a:avLst/>
@@ -4959,7 +4960,7 @@
         <p:spPr>
           <a:xfrm>
             <a:off x="5715360" y="2388960"/>
-            <a:ext cx="3698640" cy="669960"/>
+            <a:ext cx="3698280" cy="669600"/>
           </a:xfrm>
           <a:prstGeom prst="rect">
             <a:avLst/>
@@ -5070,7 +5071,7 @@
         <p:spPr>
           <a:xfrm>
             <a:off x="650160" y="4246920"/>
-            <a:ext cx="8942040" cy="1122480"/>
+            <a:ext cx="8941680" cy="1122120"/>
           </a:xfrm>
           <a:prstGeom prst="rect">
             <a:avLst/>
@@ -5244,7 +5245,7 @@
         <p:spPr>
           <a:xfrm>
             <a:off x="504000" y="226080"/>
-            <a:ext cx="9069480" cy="944280"/>
+            <a:ext cx="9069120" cy="943920"/>
           </a:xfrm>
           <a:prstGeom prst="rect">
             <a:avLst/>
@@ -5302,7 +5303,7 @@
         <p:spPr>
           <a:xfrm>
             <a:off x="504000" y="1326600"/>
-            <a:ext cx="4389480" cy="943560"/>
+            <a:ext cx="4389120" cy="943200"/>
           </a:xfrm>
           <a:prstGeom prst="rect">
             <a:avLst/>
@@ -5383,7 +5384,7 @@
         <p:spPr>
           <a:xfrm>
             <a:off x="5485680" y="1172160"/>
-            <a:ext cx="3741120" cy="1614240"/>
+            <a:ext cx="3740760" cy="1613880"/>
           </a:xfrm>
           <a:prstGeom prst="rect">
             <a:avLst/>
@@ -5670,7 +5671,7 @@
         <p:spPr>
           <a:xfrm>
             <a:off x="1488600" y="2499840"/>
-            <a:ext cx="7932960" cy="1027080"/>
+            <a:ext cx="7932600" cy="1026720"/>
           </a:xfrm>
           <a:prstGeom prst="rect">
             <a:avLst/>
@@ -5931,7 +5932,7 @@
         <p:spPr>
           <a:xfrm>
             <a:off x="627480" y="3732480"/>
-            <a:ext cx="9199080" cy="1512360"/>
+            <a:ext cx="9198720" cy="1512000"/>
           </a:xfrm>
           <a:prstGeom prst="rect">
             <a:avLst/>
@@ -6099,7 +6100,7 @@
         <p:spPr>
           <a:xfrm>
             <a:off x="504000" y="210240"/>
-            <a:ext cx="9069480" cy="623520"/>
+            <a:ext cx="9069120" cy="623160"/>
           </a:xfrm>
           <a:prstGeom prst="rect">
             <a:avLst/>
@@ -6157,7 +6158,7 @@
         <p:spPr>
           <a:xfrm>
             <a:off x="426240" y="835560"/>
-            <a:ext cx="3741120" cy="1614240"/>
+            <a:ext cx="3740760" cy="1613880"/>
           </a:xfrm>
           <a:prstGeom prst="rect">
             <a:avLst/>
@@ -6445,7 +6446,7 @@
         <p:spPr>
           <a:xfrm>
             <a:off x="4247280" y="835560"/>
-            <a:ext cx="5502240" cy="1419840"/>
+            <a:ext cx="5501880" cy="1419480"/>
           </a:xfrm>
           <a:prstGeom prst="rect">
             <a:avLst/>
@@ -6671,7 +6672,7 @@
         <p:spPr>
           <a:xfrm>
             <a:off x="624600" y="2116080"/>
-            <a:ext cx="8937720" cy="1582920"/>
+            <a:ext cx="8937360" cy="1582560"/>
           </a:xfrm>
           <a:prstGeom prst="rect">
             <a:avLst/>
@@ -7203,7 +7204,7 @@
         <p:spPr>
           <a:xfrm>
             <a:off x="648360" y="3841920"/>
-            <a:ext cx="9039240" cy="1285560"/>
+            <a:ext cx="9038880" cy="1285200"/>
           </a:xfrm>
           <a:prstGeom prst="rect">
             <a:avLst/>
@@ -7432,7 +7433,7 @@
         <p:spPr>
           <a:xfrm>
             <a:off x="504000" y="226080"/>
-            <a:ext cx="9069480" cy="478080"/>
+            <a:ext cx="9069120" cy="477720"/>
           </a:xfrm>
           <a:prstGeom prst="rect">
             <a:avLst/>
@@ -7488,7 +7489,7 @@
         <p:spPr>
           <a:xfrm>
             <a:off x="504000" y="829080"/>
-            <a:ext cx="9070200" cy="4478760"/>
+            <a:ext cx="9069840" cy="4478400"/>
           </a:xfrm>
           <a:prstGeom prst="rect">
             <a:avLst/>
@@ -8034,7 +8035,7 @@
         <p:spPr>
           <a:xfrm>
             <a:off x="5760360" y="2337840"/>
-            <a:ext cx="3461760" cy="1051560"/>
+            <a:ext cx="3461400" cy="1051200"/>
           </a:xfrm>
           <a:prstGeom prst="rect">
             <a:avLst/>
@@ -8057,7 +8058,7 @@
         <p:spPr>
           <a:xfrm>
             <a:off x="5364360" y="3560400"/>
-            <a:ext cx="4091760" cy="1937880"/>
+            <a:ext cx="4091400" cy="1937520"/>
           </a:xfrm>
           <a:prstGeom prst="rect">
             <a:avLst/>
@@ -8125,7 +8126,7 @@
         <p:spPr>
           <a:xfrm>
             <a:off x="504000" y="226080"/>
-            <a:ext cx="9069480" cy="478080"/>
+            <a:ext cx="9069120" cy="477720"/>
           </a:xfrm>
           <a:prstGeom prst="rect">
             <a:avLst/>
@@ -8181,7 +8182,7 @@
         <p:spPr>
           <a:xfrm>
             <a:off x="504000" y="829080"/>
-            <a:ext cx="9070200" cy="4478760"/>
+            <a:ext cx="9069840" cy="4478400"/>
           </a:xfrm>
           <a:prstGeom prst="rect">
             <a:avLst/>
@@ -8727,7 +8728,7 @@
         <p:spPr>
           <a:xfrm>
             <a:off x="5028120" y="2429640"/>
-            <a:ext cx="4756680" cy="1220040"/>
+            <a:ext cx="4756320" cy="1219680"/>
           </a:xfrm>
           <a:prstGeom prst="rect">
             <a:avLst/>
@@ -8755,7 +8756,7 @@
         <p:spPr>
           <a:xfrm>
             <a:off x="5001480" y="3858480"/>
-            <a:ext cx="4813920" cy="1449360"/>
+            <a:ext cx="4813560" cy="1449000"/>
           </a:xfrm>
           <a:prstGeom prst="rect">
             <a:avLst/>
@@ -8828,7 +8829,7 @@
         <p:spPr>
           <a:xfrm>
             <a:off x="504000" y="226080"/>
-            <a:ext cx="9069480" cy="514080"/>
+            <a:ext cx="9069120" cy="513720"/>
           </a:xfrm>
           <a:prstGeom prst="rect">
             <a:avLst/>
@@ -8884,7 +8885,7 @@
         <p:spPr>
           <a:xfrm>
             <a:off x="504000" y="804600"/>
-            <a:ext cx="9070200" cy="4421520"/>
+            <a:ext cx="9069840" cy="4421160"/>
           </a:xfrm>
           <a:prstGeom prst="rect">
             <a:avLst/>
@@ -9063,7 +9064,7 @@
         <p:spPr>
           <a:xfrm>
             <a:off x="504000" y="2270160"/>
-            <a:ext cx="9353520" cy="3277800"/>
+            <a:ext cx="9353160" cy="3277440"/>
           </a:xfrm>
           <a:prstGeom prst="rect">
             <a:avLst/>
@@ -9131,7 +9132,7 @@
         <p:spPr>
           <a:xfrm>
             <a:off x="504000" y="226080"/>
-            <a:ext cx="9069480" cy="514080"/>
+            <a:ext cx="9069120" cy="513720"/>
           </a:xfrm>
           <a:prstGeom prst="rect">
             <a:avLst/>
@@ -9187,7 +9188,7 @@
         <p:spPr>
           <a:xfrm>
             <a:off x="504000" y="804600"/>
-            <a:ext cx="9070200" cy="4421520"/>
+            <a:ext cx="9069840" cy="4421160"/>
           </a:xfrm>
           <a:prstGeom prst="rect">
             <a:avLst/>
@@ -9371,7 +9372,7 @@
         <p:spPr>
           <a:xfrm>
             <a:off x="1329480" y="2426040"/>
-            <a:ext cx="7922520" cy="3089880"/>
+            <a:ext cx="7922160" cy="3089520"/>
           </a:xfrm>
           <a:prstGeom prst="rect">
             <a:avLst/>
@@ -9439,7 +9440,7 @@
         <p:spPr>
           <a:xfrm>
             <a:off x="504000" y="226080"/>
-            <a:ext cx="9069480" cy="944280"/>
+            <a:ext cx="9069120" cy="943920"/>
           </a:xfrm>
           <a:prstGeom prst="rect">
             <a:avLst/>
@@ -9495,7 +9496,7 @@
         <p:spPr>
           <a:xfrm>
             <a:off x="504000" y="1326600"/>
-            <a:ext cx="9070200" cy="3286800"/>
+            <a:ext cx="9069840" cy="3286440"/>
           </a:xfrm>
           <a:prstGeom prst="rect">
             <a:avLst/>
@@ -9539,7 +9540,6 @@
                 <a:srgbClr val="000000"/>
               </a:solidFill>
               <a:latin typeface="Arial"/>
-              <a:ea typeface="Noto Sans CJK SC"/>
             </a:endParaRPr>
           </a:p>
           <a:p>
@@ -9572,7 +9572,6 @@
                 <a:srgbClr val="000000"/>
               </a:solidFill>
               <a:latin typeface="Arial"/>
-              <a:ea typeface="Noto Sans CJK SC"/>
             </a:endParaRPr>
           </a:p>
           <a:p>
@@ -9605,7 +9604,6 @@
                 <a:srgbClr val="000000"/>
               </a:solidFill>
               <a:latin typeface="Arial"/>
-              <a:ea typeface="Noto Sans CJK SC"/>
             </a:endParaRPr>
           </a:p>
           <a:p>
@@ -9638,7 +9636,6 @@
                 <a:srgbClr val="000000"/>
               </a:solidFill>
               <a:latin typeface="Arial"/>
-              <a:ea typeface="Noto Sans CJK SC"/>
             </a:endParaRPr>
           </a:p>
           <a:p>
@@ -9671,7 +9668,6 @@
                 <a:srgbClr val="000000"/>
               </a:solidFill>
               <a:latin typeface="Arial"/>
-              <a:ea typeface="Noto Sans CJK SC"/>
             </a:endParaRPr>
           </a:p>
           <a:p>
@@ -9716,7 +9712,6 @@
                 <a:srgbClr val="000000"/>
               </a:solidFill>
               <a:latin typeface="Arial"/>
-              <a:ea typeface="Noto Sans CJK SC"/>
             </a:endParaRPr>
           </a:p>
           <a:p>
@@ -9745,10 +9740,11 @@
               <a:t>GitHub </a:t>
             </a:r>
             <a:r>
-              <a:rPr b="0" lang="en-US" sz="1500" spc="-1" strike="noStrike">
-                <a:solidFill>
-                  <a:srgbClr val="000000"/>
-                </a:solidFill>
+              <a:rPr b="0" lang="en-US" sz="1500" spc="-1" strike="noStrike" u="sng">
+                <a:solidFill>
+                  <a:srgbClr val="0000ee"/>
+                </a:solidFill>
+                <a:uFillTx/>
                 <a:latin typeface="Arial"/>
                 <a:ea typeface="Noto Sans CJK SC"/>
                 <a:hlinkClick r:id="rId2"/>
@@ -9760,7 +9756,6 @@
                 <a:srgbClr val="000000"/>
               </a:solidFill>
               <a:latin typeface="Arial"/>
-              <a:ea typeface="Noto Sans CJK SC"/>
             </a:endParaRPr>
           </a:p>
           <a:p>
@@ -9772,13 +9767,15 @@
                 <a:spcPts val="283"/>
               </a:spcBef>
               <a:buNone/>
+              <a:tabLst>
+                <a:tab algn="l" pos="0"/>
+              </a:tabLst>
             </a:pPr>
             <a:endParaRPr b="0" lang="en-US" sz="1500" spc="-1" strike="noStrike">
               <a:solidFill>
                 <a:srgbClr val="000000"/>
               </a:solidFill>
               <a:latin typeface="Arial"/>
-              <a:ea typeface="Noto Sans CJK SC"/>
             </a:endParaRPr>
           </a:p>
           <a:p>
@@ -9930,7 +9927,7 @@
         <p:spPr>
           <a:xfrm>
             <a:off x="504000" y="226080"/>
-            <a:ext cx="9069480" cy="944280"/>
+            <a:ext cx="9069120" cy="943920"/>
           </a:xfrm>
           <a:prstGeom prst="rect">
             <a:avLst/>
@@ -9995,7 +9992,7 @@
         <p:spPr>
           <a:xfrm>
             <a:off x="504000" y="982800"/>
-            <a:ext cx="9070200" cy="1774800"/>
+            <a:ext cx="9069840" cy="1774440"/>
           </a:xfrm>
           <a:prstGeom prst="rect">
             <a:avLst/>
@@ -10010,7 +10007,7 @@
             <a:normAutofit/>
           </a:bodyPr>
           <a:p>
-            <a:pPr marL="432000" indent="0" defTabSz="914400">
+            <a:pPr marL="432000" indent="0" algn="ctr" defTabSz="914400">
               <a:lnSpc>
                 <a:spcPct val="100000"/>
               </a:lnSpc>
@@ -10164,7 +10161,7 @@
         <p:spPr>
           <a:xfrm>
             <a:off x="691200" y="294120"/>
-            <a:ext cx="993600" cy="550800"/>
+            <a:ext cx="993240" cy="550440"/>
           </a:xfrm>
           <a:prstGeom prst="rect">
             <a:avLst/>
@@ -10182,10 +10179,10 @@
         </p:nvGrpSpPr>
         <p:grpSpPr>
           <a:xfrm>
-            <a:off x="936000" y="1316520"/>
-            <a:ext cx="1906920" cy="866520"/>
-            <a:chOff x="936000" y="1316520"/>
-            <a:chExt cx="1906920" cy="866520"/>
+            <a:off x="874800" y="1254960"/>
+            <a:ext cx="1906560" cy="866160"/>
+            <a:chOff x="874800" y="1254960"/>
+            <a:chExt cx="1906560" cy="866160"/>
           </a:xfrm>
         </p:grpSpPr>
         <p:sp>
@@ -10196,8 +10193,8 @@
           </p:nvSpPr>
           <p:spPr>
             <a:xfrm>
-              <a:off x="936000" y="1535760"/>
-              <a:ext cx="1906920" cy="215280"/>
+              <a:off x="874800" y="1474200"/>
+              <a:ext cx="1906560" cy="214920"/>
             </a:xfrm>
             <a:prstGeom prst="rect">
               <a:avLst/>
@@ -10265,8 +10262,8 @@
           </p:nvSpPr>
           <p:spPr>
             <a:xfrm>
-              <a:off x="936000" y="1316520"/>
-              <a:ext cx="1906920" cy="215280"/>
+              <a:off x="874800" y="1254960"/>
+              <a:ext cx="1906560" cy="214920"/>
             </a:xfrm>
             <a:prstGeom prst="rect">
               <a:avLst/>
@@ -10333,8 +10330,8 @@
           </p:nvSpPr>
           <p:spPr>
             <a:xfrm>
-              <a:off x="936000" y="1751760"/>
-              <a:ext cx="1906920" cy="215280"/>
+              <a:off x="874800" y="1690200"/>
+              <a:ext cx="1906560" cy="214920"/>
             </a:xfrm>
             <a:prstGeom prst="rect">
               <a:avLst/>
@@ -10402,8 +10399,8 @@
           </p:nvSpPr>
           <p:spPr>
             <a:xfrm>
-              <a:off x="936000" y="1967760"/>
-              <a:ext cx="1906920" cy="215280"/>
+              <a:off x="874800" y="1906200"/>
+              <a:ext cx="1906560" cy="214920"/>
             </a:xfrm>
             <a:prstGeom prst="rect">
               <a:avLst/>
@@ -10472,10 +10469,10 @@
         </p:nvGrpSpPr>
         <p:grpSpPr>
           <a:xfrm>
-            <a:off x="2995920" y="1317960"/>
-            <a:ext cx="1906920" cy="866880"/>
-            <a:chOff x="2995920" y="1317960"/>
-            <a:chExt cx="1906920" cy="866880"/>
+            <a:off x="2934720" y="1256400"/>
+            <a:ext cx="1906560" cy="866520"/>
+            <a:chOff x="2934720" y="1256400"/>
+            <a:chExt cx="1906560" cy="866520"/>
           </a:xfrm>
         </p:grpSpPr>
         <p:sp>
@@ -10486,8 +10483,8 @@
           </p:nvSpPr>
           <p:spPr>
             <a:xfrm>
-              <a:off x="2995920" y="1537560"/>
-              <a:ext cx="1906920" cy="215280"/>
+              <a:off x="2934720" y="1476000"/>
+              <a:ext cx="1906560" cy="214920"/>
             </a:xfrm>
             <a:prstGeom prst="rect">
               <a:avLst/>
@@ -10555,8 +10552,8 @@
           </p:nvSpPr>
           <p:spPr>
             <a:xfrm>
-              <a:off x="2995920" y="1317960"/>
-              <a:ext cx="1906920" cy="215280"/>
+              <a:off x="2934720" y="1256400"/>
+              <a:ext cx="1906560" cy="214920"/>
             </a:xfrm>
             <a:prstGeom prst="rect">
               <a:avLst/>
@@ -10623,8 +10620,8 @@
           </p:nvSpPr>
           <p:spPr>
             <a:xfrm>
-              <a:off x="2995920" y="1753560"/>
-              <a:ext cx="1906920" cy="215280"/>
+              <a:off x="2934720" y="1692000"/>
+              <a:ext cx="1906560" cy="214920"/>
             </a:xfrm>
             <a:prstGeom prst="rect">
               <a:avLst/>
@@ -10692,8 +10689,8 @@
           </p:nvSpPr>
           <p:spPr>
             <a:xfrm>
-              <a:off x="2995920" y="1969560"/>
-              <a:ext cx="1906920" cy="215280"/>
+              <a:off x="2934720" y="1908000"/>
+              <a:ext cx="1906560" cy="214920"/>
             </a:xfrm>
             <a:prstGeom prst="rect">
               <a:avLst/>
@@ -10762,10 +10759,10 @@
         </p:nvGrpSpPr>
         <p:grpSpPr>
           <a:xfrm>
-            <a:off x="5076000" y="1319760"/>
-            <a:ext cx="1906920" cy="866520"/>
-            <a:chOff x="5076000" y="1319760"/>
-            <a:chExt cx="1906920" cy="866520"/>
+            <a:off x="5014800" y="1258200"/>
+            <a:ext cx="1906560" cy="866160"/>
+            <a:chOff x="5014800" y="1258200"/>
+            <a:chExt cx="1906560" cy="866160"/>
           </a:xfrm>
         </p:grpSpPr>
         <p:sp>
@@ -10776,8 +10773,8 @@
           </p:nvSpPr>
           <p:spPr>
             <a:xfrm>
-              <a:off x="5076000" y="1539000"/>
-              <a:ext cx="1906920" cy="215280"/>
+              <a:off x="5014800" y="1477440"/>
+              <a:ext cx="1906560" cy="214920"/>
             </a:xfrm>
             <a:prstGeom prst="rect">
               <a:avLst/>
@@ -10855,8 +10852,8 @@
           </p:nvSpPr>
           <p:spPr>
             <a:xfrm>
-              <a:off x="5076000" y="1319760"/>
-              <a:ext cx="1906920" cy="215280"/>
+              <a:off x="5014800" y="1258200"/>
+              <a:ext cx="1906560" cy="214920"/>
             </a:xfrm>
             <a:prstGeom prst="rect">
               <a:avLst/>
@@ -10923,8 +10920,8 @@
           </p:nvSpPr>
           <p:spPr>
             <a:xfrm>
-              <a:off x="5076000" y="1755000"/>
-              <a:ext cx="1906920" cy="215280"/>
+              <a:off x="5014800" y="1693440"/>
+              <a:ext cx="1906560" cy="214920"/>
             </a:xfrm>
             <a:prstGeom prst="rect">
               <a:avLst/>
@@ -10992,8 +10989,8 @@
           </p:nvSpPr>
           <p:spPr>
             <a:xfrm>
-              <a:off x="5076000" y="1971000"/>
-              <a:ext cx="1906920" cy="215280"/>
+              <a:off x="5014800" y="1909440"/>
+              <a:ext cx="1906560" cy="214920"/>
             </a:xfrm>
             <a:prstGeom prst="rect">
               <a:avLst/>
@@ -11062,10 +11059,10 @@
         </p:nvGrpSpPr>
         <p:grpSpPr>
           <a:xfrm>
-            <a:off x="7236000" y="1303920"/>
-            <a:ext cx="1906920" cy="866880"/>
-            <a:chOff x="7236000" y="1303920"/>
-            <a:chExt cx="1906920" cy="866880"/>
+            <a:off x="7174800" y="1242360"/>
+            <a:ext cx="1906560" cy="866520"/>
+            <a:chOff x="7174800" y="1242360"/>
+            <a:chExt cx="1906560" cy="866520"/>
           </a:xfrm>
         </p:grpSpPr>
         <p:sp>
@@ -11076,8 +11073,8 @@
           </p:nvSpPr>
           <p:spPr>
             <a:xfrm>
-              <a:off x="7236000" y="1523160"/>
-              <a:ext cx="1906920" cy="215280"/>
+              <a:off x="7174800" y="1461600"/>
+              <a:ext cx="1906560" cy="214920"/>
             </a:xfrm>
             <a:prstGeom prst="rect">
               <a:avLst/>
@@ -11155,8 +11152,8 @@
           </p:nvSpPr>
           <p:spPr>
             <a:xfrm>
-              <a:off x="7236000" y="1303920"/>
-              <a:ext cx="1906920" cy="215280"/>
+              <a:off x="7174800" y="1242360"/>
+              <a:ext cx="1906560" cy="214920"/>
             </a:xfrm>
             <a:prstGeom prst="rect">
               <a:avLst/>
@@ -11223,8 +11220,8 @@
           </p:nvSpPr>
           <p:spPr>
             <a:xfrm>
-              <a:off x="7236000" y="1739160"/>
-              <a:ext cx="1906920" cy="215280"/>
+              <a:off x="7174800" y="1677600"/>
+              <a:ext cx="1906560" cy="214920"/>
             </a:xfrm>
             <a:prstGeom prst="rect">
               <a:avLst/>
@@ -11292,8 +11289,8 @@
           </p:nvSpPr>
           <p:spPr>
             <a:xfrm>
-              <a:off x="7236000" y="1955520"/>
-              <a:ext cx="1906920" cy="215280"/>
+              <a:off x="7174800" y="1893960"/>
+              <a:ext cx="1906560" cy="214920"/>
             </a:xfrm>
             <a:prstGeom prst="rect">
               <a:avLst/>
@@ -11362,8 +11359,8 @@
         </p:nvSpPr>
         <p:spPr>
           <a:xfrm>
-            <a:off x="936000" y="2187360"/>
-            <a:ext cx="1906920" cy="431280"/>
+            <a:off x="874800" y="2125800"/>
+            <a:ext cx="1906560" cy="430920"/>
           </a:xfrm>
           <a:prstGeom prst="rect">
             <a:avLst/>
@@ -11431,8 +11428,8 @@
         </p:nvSpPr>
         <p:spPr>
           <a:xfrm>
-            <a:off x="2995560" y="2187360"/>
-            <a:ext cx="1906920" cy="431280"/>
+            <a:off x="2934360" y="2125800"/>
+            <a:ext cx="1906560" cy="430920"/>
           </a:xfrm>
           <a:prstGeom prst="rect">
             <a:avLst/>
@@ -11500,8 +11497,8 @@
         </p:nvSpPr>
         <p:spPr>
           <a:xfrm>
-            <a:off x="5076000" y="2187720"/>
-            <a:ext cx="1906920" cy="431280"/>
+            <a:off x="5014800" y="2126160"/>
+            <a:ext cx="1906560" cy="430920"/>
           </a:xfrm>
           <a:prstGeom prst="rect">
             <a:avLst/>
@@ -11569,8 +11566,8 @@
         </p:nvSpPr>
         <p:spPr>
           <a:xfrm>
-            <a:off x="7236000" y="2187360"/>
-            <a:ext cx="1906920" cy="431280"/>
+            <a:off x="7174800" y="2125800"/>
+            <a:ext cx="1906560" cy="430920"/>
           </a:xfrm>
           <a:prstGeom prst="rect">
             <a:avLst/>
@@ -11688,7 +11685,7 @@
         <p:spPr>
           <a:xfrm>
             <a:off x="504000" y="226080"/>
-            <a:ext cx="9069480" cy="1108800"/>
+            <a:ext cx="9069120" cy="411480"/>
           </a:xfrm>
           <a:prstGeom prst="rect">
             <a:avLst/>
@@ -11703,10 +11700,16 @@
             <a:noAutofit/>
           </a:bodyPr>
           <a:p>
-            <a:pPr marL="571680" indent="-228600" algn="ctr">
-              <a:lnSpc>
-                <a:spcPct val="100000"/>
-              </a:lnSpc>
+            <a:pPr marL="457200" indent="-228600" algn="ctr">
+              <a:lnSpc>
+                <a:spcPct val="100000"/>
+              </a:lnSpc>
+              <a:spcBef>
+                <a:spcPts val="1134"/>
+              </a:spcBef>
+              <a:spcAft>
+                <a:spcPts val="1134"/>
+              </a:spcAft>
               <a:buNone/>
               <a:tabLst>
                 <a:tab algn="l" pos="0"/>
@@ -11720,322 +11723,957 @@
                 <a:latin typeface="Times New Roman"/>
                 <a:ea typeface="Noto Sans CJK SC"/>
               </a:rPr>
-              <a:t>Planuri de viitor pentru aplicatie</a:t>
+              <a:t>CREARE MEDII </a:t>
+            </a:r>
+            <a:r>
+              <a:rPr b="1" lang="en-US" sz="2100" spc="-1" strike="noStrike">
+                <a:solidFill>
+                  <a:srgbClr val="ff7b59"/>
+                </a:solidFill>
+                <a:highlight>
+                  <a:srgbClr val="0025ff"/>
+                </a:highlight>
+                <a:latin typeface="Times New Roman"/>
+                <a:ea typeface="Noto Sans CJK SC"/>
+              </a:rPr>
+              <a:t>DEVELOPMENT</a:t>
+            </a:r>
+            <a:r>
+              <a:rPr b="1" lang="en-US" sz="2100" spc="-1" strike="noStrike">
+                <a:solidFill>
+                  <a:srgbClr val="222222"/>
+                </a:solidFill>
+                <a:latin typeface="Times New Roman"/>
+                <a:ea typeface="Noto Sans CJK SC"/>
+              </a:rPr>
+              <a:t> / </a:t>
+            </a:r>
+            <a:r>
+              <a:rPr b="1" lang="en-US" sz="2100" spc="-1" strike="noStrike">
+                <a:solidFill>
+                  <a:srgbClr val="222222"/>
+                </a:solidFill>
+                <a:highlight>
+                  <a:srgbClr val="01ff00"/>
+                </a:highlight>
+                <a:latin typeface="Times New Roman"/>
+                <a:ea typeface="Noto Sans CJK SC"/>
+              </a:rPr>
+              <a:t>PRODUCTIE</a:t>
+            </a:r>
+            <a:r>
+              <a:rPr b="1" lang="en-US" sz="2100" spc="-1" strike="noStrike">
+                <a:solidFill>
+                  <a:srgbClr val="222222"/>
+                </a:solidFill>
+                <a:latin typeface="Times New Roman"/>
+                <a:ea typeface="Noto Sans CJK SC"/>
+              </a:rPr>
+              <a:t> / </a:t>
+            </a:r>
+            <a:r>
+              <a:rPr b="1" lang="en-US" sz="2100" spc="-1" strike="noStrike">
+                <a:solidFill>
+                  <a:srgbClr val="222222"/>
+                </a:solidFill>
+                <a:highlight>
+                  <a:srgbClr val="ffff38"/>
+                </a:highlight>
+                <a:latin typeface="Times New Roman"/>
+                <a:ea typeface="Noto Sans CJK SC"/>
+              </a:rPr>
+              <a:t>TESTARE</a:t>
             </a:r>
             <a:endParaRPr b="0" lang="en-US" sz="2100" spc="-1" strike="noStrike">
               <a:solidFill>
                 <a:srgbClr val="000000"/>
               </a:solidFill>
               <a:latin typeface="Arial"/>
+              <a:ea typeface="Noto Sans CJK SC"/>
             </a:endParaRPr>
           </a:p>
         </p:txBody>
       </p:sp>
       <p:sp>
         <p:nvSpPr>
-          <p:cNvPr id="125" name="PlaceHolder 2"/>
-          <p:cNvSpPr>
-            <a:spLocks noGrp="1"/>
-          </p:cNvSpPr>
-          <p:nvPr>
-            <p:ph/>
-          </p:nvPr>
+          <p:cNvPr id="125" name="PlaceHolder 7"/>
+          <p:cNvSpPr txBox="1"/>
+          <p:nvPr/>
         </p:nvSpPr>
         <p:spPr>
           <a:xfrm>
-            <a:off x="504000" y="1729440"/>
-            <a:ext cx="9070200" cy="3357000"/>
+            <a:off x="488520" y="2860920"/>
+            <a:ext cx="9069840" cy="1352160"/>
           </a:xfrm>
           <a:prstGeom prst="rect">
             <a:avLst/>
           </a:prstGeom>
-          <a:noFill/>
+          <a:solidFill>
+            <a:srgbClr val="d4ea6b"/>
+          </a:solidFill>
           <a:ln w="0">
             <a:noFill/>
           </a:ln>
         </p:spPr>
         <p:txBody>
           <a:bodyPr lIns="0" rIns="0" tIns="0" bIns="0" anchor="t">
-            <a:normAutofit fontScale="81111"/>
+            <a:normAutofit/>
           </a:bodyPr>
           <a:p>
             <a:pPr marL="432000" indent="-324000" defTabSz="914400">
               <a:lnSpc>
                 <a:spcPct val="100000"/>
               </a:lnSpc>
-              <a:spcBef>
-                <a:spcPts val="1417"/>
-              </a:spcBef>
               <a:buClr>
                 <a:srgbClr val="000000"/>
               </a:buClr>
               <a:buSzPct val="45000"/>
               <a:buFont typeface="Wingdings" charset="2"/>
-              <a:buChar char=""/>
-            </a:pPr>
-            <a:r>
-              <a:rPr b="0" lang="en-US" sz="1400" spc="-1" strike="noStrike">
-                <a:solidFill>
-                  <a:srgbClr val="000000"/>
-                </a:solidFill>
-                <a:latin typeface="Arial"/>
-                <a:ea typeface="DejaVu Sans"/>
-              </a:rPr>
-              <a:t>Creare de modele pentru intervale bine definite de cote (ex: cota castig gazde intre 1.1 si 1.6) si aplicarea lor tot pe aceleasi intervale</a:t>
-            </a:r>
-            <a:endParaRPr b="0" lang="en-US" sz="1400" spc="-1" strike="noStrike">
-              <a:solidFill>
-                <a:srgbClr val="000000"/>
-              </a:solidFill>
-              <a:latin typeface="Arial"/>
-            </a:endParaRPr>
-          </a:p>
-          <a:p>
-            <a:pPr marL="432000" indent="-324000" defTabSz="914400">
-              <a:lnSpc>
-                <a:spcPct val="100000"/>
-              </a:lnSpc>
-              <a:spcBef>
-                <a:spcPts val="1417"/>
+              <a:buChar char=""/>
+            </a:pPr>
+            <a:endParaRPr b="0" lang="en-US" sz="1000" spc="-1" strike="noStrike">
+              <a:solidFill>
+                <a:srgbClr val="000000"/>
+              </a:solidFill>
+              <a:latin typeface="Arial"/>
+              <a:ea typeface="Noto Sans CJK SC"/>
+            </a:endParaRPr>
+          </a:p>
+          <a:p>
+            <a:pPr marL="864000" defTabSz="914400">
+              <a:lnSpc>
+                <a:spcPct val="100000"/>
+              </a:lnSpc>
+              <a:buClr>
+                <a:srgbClr val="000000"/>
+              </a:buClr>
+              <a:buFont typeface="Symbol" charset="2"/>
+              <a:buChar char=""/>
+              <a:tabLst>
+                <a:tab algn="l" pos="0"/>
+              </a:tabLst>
+            </a:pPr>
+            <a:r>
+              <a:rPr b="0" lang="en-US" sz="1000" spc="-1" strike="noStrike">
+                <a:solidFill>
+                  <a:srgbClr val="000000"/>
+                </a:solidFill>
+                <a:latin typeface="Arial"/>
+                <a:ea typeface="Noto Sans CJK SC"/>
+              </a:rPr>
+              <a:t>sudo docker compose -f docker-compose.prod.yml build (construim imaginile pe baza socker-compose.prod.yml)</a:t>
+            </a:r>
+            <a:endParaRPr b="0" lang="en-US" sz="1000" spc="-1" strike="noStrike">
+              <a:solidFill>
+                <a:srgbClr val="000000"/>
+              </a:solidFill>
+              <a:latin typeface="Arial"/>
+              <a:ea typeface="Noto Sans CJK SC"/>
+            </a:endParaRPr>
+          </a:p>
+          <a:p>
+            <a:pPr marL="864000" defTabSz="914400">
+              <a:lnSpc>
+                <a:spcPct val="100000"/>
+              </a:lnSpc>
+              <a:buClr>
+                <a:srgbClr val="000000"/>
+              </a:buClr>
+              <a:buFont typeface="Symbol" charset="2"/>
+              <a:buChar char=""/>
+              <a:tabLst>
+                <a:tab algn="l" pos="0"/>
+              </a:tabLst>
+            </a:pPr>
+            <a:r>
+              <a:rPr b="0" lang="en-US" sz="1000" spc="-1" strike="noStrike">
+                <a:solidFill>
+                  <a:srgbClr val="000000"/>
+                </a:solidFill>
+                <a:latin typeface="Arial"/>
+                <a:ea typeface="Noto Sans CJK SC"/>
+              </a:rPr>
+              <a:t>sudo docker images (verificam imaginile anterior create)</a:t>
+            </a:r>
+            <a:endParaRPr b="0" lang="en-US" sz="1000" spc="-1" strike="noStrike">
+              <a:solidFill>
+                <a:srgbClr val="000000"/>
+              </a:solidFill>
+              <a:latin typeface="Arial"/>
+              <a:ea typeface="Noto Sans CJK SC"/>
+            </a:endParaRPr>
+          </a:p>
+          <a:p>
+            <a:pPr marL="864000" defTabSz="914400">
+              <a:lnSpc>
+                <a:spcPct val="100000"/>
+              </a:lnSpc>
+              <a:spcBef>
+                <a:spcPts val="57"/>
+              </a:spcBef>
+              <a:buClr>
+                <a:srgbClr val="000000"/>
+              </a:buClr>
+              <a:buFont typeface="Symbol" charset="2"/>
+              <a:buChar char=""/>
+              <a:tabLst>
+                <a:tab algn="l" pos="0"/>
+              </a:tabLst>
+            </a:pPr>
+            <a:r>
+              <a:rPr b="0" lang="en-US" sz="1000" spc="-1" strike="noStrike">
+                <a:solidFill>
+                  <a:srgbClr val="000000"/>
+                </a:solidFill>
+                <a:latin typeface="Arial"/>
+                <a:ea typeface="Noto Sans CJK SC"/>
+              </a:rPr>
+              <a:t>docker login (ne logam in hub.docker)</a:t>
+            </a:r>
+            <a:endParaRPr b="0" lang="en-US" sz="1000" spc="-1" strike="noStrike">
+              <a:solidFill>
+                <a:srgbClr val="000000"/>
+              </a:solidFill>
+              <a:latin typeface="Arial"/>
+              <a:ea typeface="Noto Sans CJK SC"/>
+            </a:endParaRPr>
+          </a:p>
+          <a:p>
+            <a:pPr marL="864000" defTabSz="914400">
+              <a:lnSpc>
+                <a:spcPct val="100000"/>
+              </a:lnSpc>
+              <a:buClr>
+                <a:srgbClr val="000000"/>
+              </a:buClr>
+              <a:buFont typeface="Symbol" charset="2"/>
+              <a:buChar char=""/>
+              <a:tabLst>
+                <a:tab algn="l" pos="0"/>
+              </a:tabLst>
+            </a:pPr>
+            <a:r>
+              <a:rPr b="0" lang="en-US" sz="1000" spc="-1" strike="noStrike">
+                <a:solidFill>
+                  <a:srgbClr val="000000"/>
+                </a:solidFill>
+                <a:latin typeface="Arial"/>
+                <a:ea typeface="Noto Sans CJK SC"/>
+              </a:rPr>
+              <a:t>sudo docker tag finalprojectsda-mlflow:latest hohagigi/mlflow:prod (redenumim si modiificam eventual tagurile)</a:t>
+            </a:r>
+            <a:endParaRPr b="0" lang="en-US" sz="1000" spc="-1" strike="noStrike">
+              <a:solidFill>
+                <a:srgbClr val="000000"/>
+              </a:solidFill>
+              <a:latin typeface="Arial"/>
+              <a:ea typeface="Noto Sans CJK SC"/>
+            </a:endParaRPr>
+          </a:p>
+          <a:p>
+            <a:pPr marL="864000" defTabSz="914400">
+              <a:lnSpc>
+                <a:spcPct val="100000"/>
+              </a:lnSpc>
+              <a:buClr>
+                <a:srgbClr val="000000"/>
+              </a:buClr>
+              <a:buFont typeface="Symbol" charset="2"/>
+              <a:buChar char=""/>
+              <a:tabLst>
+                <a:tab algn="l" pos="0"/>
+              </a:tabLst>
+            </a:pPr>
+            <a:r>
+              <a:rPr b="0" lang="en-US" sz="1000" spc="-1" strike="noStrike">
+                <a:solidFill>
+                  <a:srgbClr val="000000"/>
+                </a:solidFill>
+                <a:latin typeface="Arial"/>
+                <a:ea typeface="Noto Sans CJK SC"/>
+              </a:rPr>
+              <a:t>sudo docker push hohagigi/api_app:prod (upload imagine api_app)</a:t>
+            </a:r>
+            <a:endParaRPr b="0" lang="en-US" sz="1000" spc="-1" strike="noStrike">
+              <a:solidFill>
+                <a:srgbClr val="000000"/>
+              </a:solidFill>
+              <a:latin typeface="Arial"/>
+              <a:ea typeface="Noto Sans CJK SC"/>
+            </a:endParaRPr>
+          </a:p>
+          <a:p>
+            <a:pPr marL="864000" defTabSz="914400">
+              <a:lnSpc>
+                <a:spcPct val="100000"/>
+              </a:lnSpc>
+              <a:spcBef>
+                <a:spcPts val="57"/>
+              </a:spcBef>
+              <a:buClr>
+                <a:srgbClr val="000000"/>
+              </a:buClr>
+              <a:buFont typeface="Symbol" charset="2"/>
+              <a:buChar char=""/>
+              <a:tabLst>
+                <a:tab algn="l" pos="0"/>
+              </a:tabLst>
+            </a:pPr>
+            <a:r>
+              <a:rPr b="0" lang="en-US" sz="1000" spc="-1" strike="noStrike">
+                <a:solidFill>
+                  <a:srgbClr val="000000"/>
+                </a:solidFill>
+                <a:latin typeface="Arial"/>
+                <a:ea typeface="Noto Sans CJK SC"/>
+              </a:rPr>
+              <a:t>sudo docker push hohagigi/mlflow:prod (upload imagine mlflow)</a:t>
+            </a:r>
+            <a:endParaRPr b="0" lang="en-US" sz="1000" spc="-1" strike="noStrike">
+              <a:solidFill>
+                <a:srgbClr val="000000"/>
+              </a:solidFill>
+              <a:latin typeface="Arial"/>
+              <a:ea typeface="Noto Sans CJK SC"/>
+            </a:endParaRPr>
+          </a:p>
+          <a:p>
+            <a:pPr marL="864000" defTabSz="914400">
+              <a:lnSpc>
+                <a:spcPct val="100000"/>
+              </a:lnSpc>
+              <a:spcBef>
+                <a:spcPts val="57"/>
+              </a:spcBef>
+              <a:buClr>
+                <a:srgbClr val="000000"/>
+              </a:buClr>
+              <a:buFont typeface="Symbol" charset="2"/>
+              <a:buChar char=""/>
+              <a:tabLst>
+                <a:tab algn="l" pos="0"/>
+              </a:tabLst>
+            </a:pPr>
+            <a:r>
+              <a:rPr b="0" lang="en-US" sz="1000" spc="-1" strike="noStrike">
+                <a:solidFill>
+                  <a:srgbClr val="000000"/>
+                </a:solidFill>
+                <a:latin typeface="Arial"/>
+                <a:ea typeface="Noto Sans CJK SC"/>
+              </a:rPr>
+              <a:t>sudo docker push hohagigi/mlflow:prod (upload imagine web_app)</a:t>
+            </a:r>
+            <a:endParaRPr b="0" lang="en-US" sz="1000" spc="-1" strike="noStrike">
+              <a:solidFill>
+                <a:srgbClr val="000000"/>
+              </a:solidFill>
+              <a:latin typeface="Arial"/>
+              <a:ea typeface="Noto Sans CJK SC"/>
+            </a:endParaRPr>
+          </a:p>
+        </p:txBody>
+      </p:sp>
+      <p:sp>
+        <p:nvSpPr>
+          <p:cNvPr id="126" name="PlaceHolder 8"/>
+          <p:cNvSpPr txBox="1"/>
+          <p:nvPr/>
+        </p:nvSpPr>
+        <p:spPr>
+          <a:xfrm>
+            <a:off x="488520" y="2611080"/>
+            <a:ext cx="9069840" cy="284040"/>
+          </a:xfrm>
+          <a:prstGeom prst="rect">
+            <a:avLst/>
+          </a:prstGeom>
+          <a:solidFill>
+            <a:srgbClr val="ff7b59"/>
+          </a:solidFill>
+          <a:ln w="0">
+            <a:noFill/>
+          </a:ln>
+        </p:spPr>
+        <p:txBody>
+          <a:bodyPr lIns="0" rIns="0" tIns="0" bIns="0" anchor="t">
+            <a:normAutofit/>
+          </a:bodyPr>
+          <a:p>
+            <a:pPr marL="432000" indent="-324000" algn="ctr" defTabSz="914400">
+              <a:lnSpc>
+                <a:spcPct val="100000"/>
+              </a:lnSpc>
+              <a:spcBef>
+                <a:spcPts val="283"/>
               </a:spcBef>
               <a:buClr>
                 <a:srgbClr val="000000"/>
               </a:buClr>
               <a:buSzPct val="45000"/>
               <a:buFont typeface="Wingdings" charset="2"/>
-              <a:buChar char=""/>
-            </a:pPr>
-            <a:r>
-              <a:rPr b="0" lang="en-US" sz="1400" spc="-1" strike="noStrike">
-                <a:solidFill>
-                  <a:srgbClr val="000000"/>
-                </a:solidFill>
-                <a:latin typeface="Arial"/>
-                <a:ea typeface="DejaVu Sans"/>
-              </a:rPr>
-              <a:t>Aplicarea inca odata a unui algoritm AI doar pentru inregistrarile care sunt considerate surprize.</a:t>
-            </a:r>
-            <a:endParaRPr b="0" lang="en-US" sz="1400" spc="-1" strike="noStrike">
-              <a:solidFill>
-                <a:srgbClr val="000000"/>
-              </a:solidFill>
-              <a:latin typeface="Arial"/>
-            </a:endParaRPr>
-          </a:p>
-          <a:p>
-            <a:pPr marL="432000" indent="-324000" defTabSz="914400">
-              <a:lnSpc>
-                <a:spcPct val="100000"/>
-              </a:lnSpc>
-              <a:spcBef>
-                <a:spcPts val="1417"/>
+              <a:buChar char=""/>
+            </a:pPr>
+            <a:r>
+              <a:rPr b="0" lang="en-US" sz="1600" spc="-1" strike="noStrike">
+                <a:solidFill>
+                  <a:srgbClr val="000000"/>
+                </a:solidFill>
+                <a:latin typeface="Arial"/>
+                <a:ea typeface="DejaVu Sans"/>
+              </a:rPr>
+              <a:t>CREAREA SI INCARCAREA IN HUB A VARIANTEI DE PRODUCTIE (LINUX)</a:t>
+            </a:r>
+            <a:endParaRPr b="0" lang="en-US" sz="1600" spc="-1" strike="noStrike">
+              <a:solidFill>
+                <a:srgbClr val="000000"/>
+              </a:solidFill>
+              <a:latin typeface="Arial"/>
+            </a:endParaRPr>
+          </a:p>
+        </p:txBody>
+      </p:sp>
+      <p:sp>
+        <p:nvSpPr>
+          <p:cNvPr id="127" name="PlaceHolder 5"/>
+          <p:cNvSpPr txBox="1"/>
+          <p:nvPr/>
+        </p:nvSpPr>
+        <p:spPr>
+          <a:xfrm>
+            <a:off x="504000" y="790560"/>
+            <a:ext cx="9069840" cy="322560"/>
+          </a:xfrm>
+          <a:prstGeom prst="rect">
+            <a:avLst/>
+          </a:prstGeom>
+          <a:solidFill>
+            <a:srgbClr val="ff7b59"/>
+          </a:solidFill>
+          <a:ln w="0">
+            <a:noFill/>
+          </a:ln>
+        </p:spPr>
+        <p:txBody>
+          <a:bodyPr lIns="0" rIns="0" tIns="0" bIns="0" anchor="t">
+            <a:normAutofit/>
+          </a:bodyPr>
+          <a:p>
+            <a:pPr marL="432000" indent="-324000" algn="ctr" defTabSz="914400">
+              <a:lnSpc>
+                <a:spcPct val="100000"/>
+              </a:lnSpc>
+              <a:spcBef>
+                <a:spcPts val="283"/>
               </a:spcBef>
               <a:buClr>
                 <a:srgbClr val="000000"/>
               </a:buClr>
               <a:buSzPct val="45000"/>
               <a:buFont typeface="Wingdings" charset="2"/>
-              <a:buChar char=""/>
-            </a:pPr>
-            <a:r>
-              <a:rPr b="0" lang="en-US" sz="1400" spc="-1" strike="noStrike">
-                <a:solidFill>
-                  <a:srgbClr val="000000"/>
-                </a:solidFill>
-                <a:latin typeface="Arial"/>
-                <a:ea typeface="DejaVu Sans"/>
-              </a:rPr>
-              <a:t>Adaptarea functiei piRating </a:t>
-            </a:r>
-            <a:endParaRPr b="0" lang="en-US" sz="1400" spc="-1" strike="noStrike">
-              <a:solidFill>
-                <a:srgbClr val="000000"/>
-              </a:solidFill>
-              <a:latin typeface="Arial"/>
-            </a:endParaRPr>
-          </a:p>
+              <a:buChar char=""/>
+            </a:pPr>
+            <a:r>
+              <a:rPr b="0" lang="en-US" sz="1600" spc="-1" strike="noStrike">
+                <a:solidFill>
+                  <a:srgbClr val="000000"/>
+                </a:solidFill>
+                <a:latin typeface="Arial"/>
+                <a:ea typeface="DejaVu Sans"/>
+              </a:rPr>
+              <a:t>CREAREA SI INCARCAREA IN HUB A VARIANTEI DE PRODUCTIE (IN LINUX)</a:t>
+            </a:r>
+            <a:endParaRPr b="0" lang="en-US" sz="1600" spc="-1" strike="noStrike">
+              <a:solidFill>
+                <a:srgbClr val="000000"/>
+              </a:solidFill>
+              <a:latin typeface="Arial"/>
+            </a:endParaRPr>
+          </a:p>
+        </p:txBody>
+      </p:sp>
+      <p:sp>
+        <p:nvSpPr>
+          <p:cNvPr id="128" name="PlaceHolder 11"/>
+          <p:cNvSpPr txBox="1"/>
+          <p:nvPr/>
+        </p:nvSpPr>
+        <p:spPr>
+          <a:xfrm>
+            <a:off x="488520" y="1114920"/>
+            <a:ext cx="9069840" cy="1343160"/>
+          </a:xfrm>
+          <a:prstGeom prst="rect">
+            <a:avLst/>
+          </a:prstGeom>
+          <a:solidFill>
+            <a:srgbClr val="d4ea6b"/>
+          </a:solidFill>
+          <a:ln w="0">
+            <a:noFill/>
+          </a:ln>
+        </p:spPr>
+        <p:txBody>
+          <a:bodyPr lIns="0" rIns="0" tIns="0" bIns="0" anchor="t">
+            <a:normAutofit/>
+          </a:bodyPr>
           <a:p>
             <a:pPr marL="432000" indent="-324000" defTabSz="914400">
               <a:lnSpc>
                 <a:spcPct val="100000"/>
               </a:lnSpc>
-              <a:spcBef>
-                <a:spcPts val="1417"/>
-              </a:spcBef>
               <a:buClr>
                 <a:srgbClr val="000000"/>
               </a:buClr>
               <a:buSzPct val="45000"/>
               <a:buFont typeface="Wingdings" charset="2"/>
-              <a:buChar char=""/>
-            </a:pPr>
-            <a:r>
-              <a:rPr b="0" lang="en-US" sz="1400" spc="-1" strike="noStrike">
-                <a:solidFill>
-                  <a:srgbClr val="000000"/>
-                </a:solidFill>
-                <a:latin typeface="Arial"/>
-                <a:ea typeface="DejaVu Sans"/>
-              </a:rPr>
-              <a:t>Documentarea din studii legate de predictia rezultatelor sportive folosind algoritmi de ML precum:</a:t>
-            </a:r>
-            <a:endParaRPr b="0" lang="en-US" sz="1400" spc="-1" strike="noStrike">
-              <a:solidFill>
-                <a:srgbClr val="000000"/>
-              </a:solidFill>
-              <a:latin typeface="Arial"/>
-            </a:endParaRPr>
-          </a:p>
-          <a:p>
-            <a:pPr lvl="1" marL="864000" indent="-324000" defTabSz="914400">
-              <a:lnSpc>
-                <a:spcPct val="100000"/>
-              </a:lnSpc>
-              <a:spcBef>
-                <a:spcPts val="1191"/>
-              </a:spcBef>
-              <a:spcAft>
-                <a:spcPts val="992"/>
-              </a:spcAft>
+              <a:buChar char=""/>
+            </a:pPr>
+            <a:endParaRPr b="0" lang="en-US" sz="1000" spc="-1" strike="noStrike">
+              <a:solidFill>
+                <a:srgbClr val="000000"/>
+              </a:solidFill>
+              <a:latin typeface="Arial"/>
+              <a:ea typeface="Noto Sans CJK SC"/>
+            </a:endParaRPr>
+          </a:p>
+          <a:p>
+            <a:pPr marL="864000" defTabSz="914400">
+              <a:lnSpc>
+                <a:spcPct val="100000"/>
+              </a:lnSpc>
+              <a:buClr>
+                <a:srgbClr val="000000"/>
+              </a:buClr>
+              <a:buFont typeface="Symbol" charset="2"/>
+              <a:buChar char=""/>
+              <a:tabLst>
+                <a:tab algn="l" pos="0"/>
+              </a:tabLst>
+            </a:pPr>
+            <a:r>
+              <a:rPr b="0" lang="en-US" sz="1000" spc="-1" strike="noStrike">
+                <a:solidFill>
+                  <a:srgbClr val="000000"/>
+                </a:solidFill>
+                <a:latin typeface="Arial"/>
+                <a:ea typeface="Noto Sans CJK SC"/>
+              </a:rPr>
+              <a:t>Constructia fisierelor de configurare:</a:t>
+            </a:r>
+            <a:endParaRPr b="0" lang="en-US" sz="1000" spc="-1" strike="noStrike">
+              <a:solidFill>
+                <a:srgbClr val="000000"/>
+              </a:solidFill>
+              <a:latin typeface="Arial"/>
+              <a:ea typeface="Noto Sans CJK SC"/>
+            </a:endParaRPr>
+          </a:p>
+          <a:p>
+            <a:pPr lvl="1" marL="864000" defTabSz="914400">
+              <a:lnSpc>
+                <a:spcPct val="100000"/>
+              </a:lnSpc>
               <a:buClr>
                 <a:srgbClr val="000000"/>
               </a:buClr>
               <a:buSzPct val="75000"/>
-              <a:buFont typeface="Wingdings" charset="2"/>
-              <a:buChar char=""/>
-            </a:pPr>
-            <a:r>
-              <a:rPr b="0" lang="en-US" sz="1400" spc="-1" strike="noStrike">
-                <a:solidFill>
-                  <a:srgbClr val="000000"/>
-                </a:solidFill>
-                <a:latin typeface="Arial"/>
-                <a:ea typeface="DejaVu Sans"/>
-              </a:rPr>
-              <a:t>Incorporating domain knowledge in machine learning for soccer outcome prediction</a:t>
-            </a:r>
-            <a:r>
-              <a:rPr b="0" lang="en-US" sz="1400" spc="-1" strike="noStrike" u="sng">
-                <a:solidFill>
-                  <a:srgbClr val="0000ee"/>
-                </a:solidFill>
-                <a:uFillTx/>
-                <a:latin typeface="Arial"/>
-                <a:ea typeface="DejaVu Sans"/>
-                <a:hlinkClick r:id="rId1"/>
-              </a:rPr>
-              <a:t>https://link.springer.com/article/10.1007/s10994-018-5747-8</a:t>
-            </a:r>
-            <a:r>
-              <a:rPr b="0" lang="en-US" sz="1400" spc="-1" strike="noStrike">
-                <a:solidFill>
-                  <a:srgbClr val="000000"/>
-                </a:solidFill>
-                <a:latin typeface="Arial"/>
-                <a:ea typeface="DejaVu Sans"/>
-              </a:rPr>
-              <a:t> </a:t>
-            </a:r>
-            <a:endParaRPr b="0" lang="en-US" sz="1400" spc="-1" strike="noStrike">
-              <a:solidFill>
-                <a:srgbClr val="000000"/>
-              </a:solidFill>
-              <a:latin typeface="Arial"/>
-            </a:endParaRPr>
-          </a:p>
-          <a:p>
-            <a:pPr lvl="1" marL="864000" indent="-324000" defTabSz="914400">
-              <a:lnSpc>
-                <a:spcPct val="100000"/>
-              </a:lnSpc>
-              <a:spcBef>
-                <a:spcPts val="1191"/>
-              </a:spcBef>
-              <a:spcAft>
-                <a:spcPts val="992"/>
-              </a:spcAft>
+              <a:buFont typeface="Symbol" charset="2"/>
+              <a:buChar char=""/>
+              <a:tabLst>
+                <a:tab algn="l" pos="0"/>
+              </a:tabLst>
+            </a:pPr>
+            <a:r>
+              <a:rPr b="0" lang="en-US" sz="1000" spc="-1" strike="noStrike">
+                <a:solidFill>
+                  <a:srgbClr val="000000"/>
+                </a:solidFill>
+                <a:latin typeface="Arial"/>
+                <a:ea typeface="Noto Sans CJK SC"/>
+              </a:rPr>
+              <a:t>docker-compose.dev.yml </a:t>
+            </a:r>
+            <a:endParaRPr b="0" lang="en-US" sz="1000" spc="-1" strike="noStrike">
+              <a:solidFill>
+                <a:srgbClr val="000000"/>
+              </a:solidFill>
+              <a:latin typeface="Arial"/>
+              <a:ea typeface="Noto Sans CJK SC"/>
+            </a:endParaRPr>
+          </a:p>
+          <a:p>
+            <a:pPr lvl="1" marL="864000" defTabSz="914400">
+              <a:lnSpc>
+                <a:spcPct val="100000"/>
+              </a:lnSpc>
               <a:buClr>
                 <a:srgbClr val="000000"/>
               </a:buClr>
               <a:buSzPct val="75000"/>
-              <a:buFont typeface="Wingdings" charset="2"/>
-              <a:buChar char=""/>
-            </a:pPr>
-            <a:r>
-              <a:rPr b="0" lang="en-US" sz="1400" spc="-1" strike="noStrike">
-                <a:solidFill>
-                  <a:srgbClr val="000000"/>
-                </a:solidFill>
-                <a:latin typeface="Arial"/>
-                <a:ea typeface="DejaVu Sans"/>
-              </a:rPr>
-              <a:t>Data-driven prediction of soccer outcomes using enhanced machine and deep learning techniques </a:t>
-            </a:r>
-            <a:r>
-              <a:rPr b="0" lang="en-US" sz="1400" spc="-1" strike="noStrike">
-                <a:solidFill>
-                  <a:srgbClr val="000000"/>
-                </a:solidFill>
-                <a:latin typeface="Arial"/>
-                <a:ea typeface="DejaVu Sans"/>
-                <a:hlinkClick r:id="rId2"/>
-              </a:rPr>
-              <a:t>https://link.springer.com/article/10.1186/s40537-024-01008-2</a:t>
-            </a:r>
-            <a:endParaRPr b="0" lang="en-US" sz="1400" spc="-1" strike="noStrike">
-              <a:solidFill>
-                <a:srgbClr val="000000"/>
-              </a:solidFill>
-              <a:latin typeface="Arial"/>
-            </a:endParaRPr>
-          </a:p>
+              <a:buFont typeface="Symbol" charset="2"/>
+              <a:buChar char=""/>
+              <a:tabLst>
+                <a:tab algn="l" pos="0"/>
+              </a:tabLst>
+            </a:pPr>
+            <a:r>
+              <a:rPr b="0" lang="en-US" sz="1000" spc="-1" strike="noStrike">
+                <a:solidFill>
+                  <a:srgbClr val="000000"/>
+                </a:solidFill>
+                <a:latin typeface="Arial"/>
+                <a:ea typeface="Noto Sans CJK SC"/>
+              </a:rPr>
+              <a:t>dockerfile.api (pentru modulele python)</a:t>
+            </a:r>
+            <a:endParaRPr b="0" lang="en-US" sz="1000" spc="-1" strike="noStrike">
+              <a:solidFill>
+                <a:srgbClr val="000000"/>
+              </a:solidFill>
+              <a:latin typeface="Arial"/>
+              <a:ea typeface="Noto Sans CJK SC"/>
+            </a:endParaRPr>
+          </a:p>
+          <a:p>
+            <a:pPr lvl="1" marL="864000" defTabSz="914400">
+              <a:lnSpc>
+                <a:spcPct val="100000"/>
+              </a:lnSpc>
+              <a:buClr>
+                <a:srgbClr val="000000"/>
+              </a:buClr>
+              <a:buSzPct val="75000"/>
+              <a:buFont typeface="Symbol" charset="2"/>
+              <a:buChar char=""/>
+              <a:tabLst>
+                <a:tab algn="l" pos="0"/>
+              </a:tabLst>
+            </a:pPr>
+            <a:r>
+              <a:rPr b="0" lang="en-US" sz="1000" spc="-1" strike="noStrike">
+                <a:solidFill>
+                  <a:srgbClr val="000000"/>
+                </a:solidFill>
+                <a:latin typeface="Arial"/>
+                <a:ea typeface="Noto Sans CJK SC"/>
+              </a:rPr>
+              <a:t>dockerfile.web (pentru modulele php si html)</a:t>
+            </a:r>
+            <a:endParaRPr b="0" lang="en-US" sz="1000" spc="-1" strike="noStrike">
+              <a:solidFill>
+                <a:srgbClr val="000000"/>
+              </a:solidFill>
+              <a:latin typeface="Arial"/>
+              <a:ea typeface="Noto Sans CJK SC"/>
+            </a:endParaRPr>
+          </a:p>
+          <a:p>
+            <a:pPr lvl="1" marL="864000" defTabSz="914400">
+              <a:lnSpc>
+                <a:spcPct val="100000"/>
+              </a:lnSpc>
+              <a:buClr>
+                <a:srgbClr val="000000"/>
+              </a:buClr>
+              <a:buSzPct val="75000"/>
+              <a:buFont typeface="Symbol" charset="2"/>
+              <a:buChar char=""/>
+              <a:tabLst>
+                <a:tab algn="l" pos="0"/>
+              </a:tabLst>
+            </a:pPr>
+            <a:r>
+              <a:rPr b="0" lang="en-US" sz="1000" spc="-1" strike="noStrike">
+                <a:solidFill>
+                  <a:srgbClr val="000000"/>
+                </a:solidFill>
+                <a:latin typeface="Arial"/>
+                <a:ea typeface="Noto Sans CJK SC"/>
+              </a:rPr>
+              <a:t>dockerfile.dev (pentru modulele mlflow)</a:t>
+            </a:r>
+            <a:endParaRPr b="0" lang="en-US" sz="1000" spc="-1" strike="noStrike">
+              <a:solidFill>
+                <a:srgbClr val="000000"/>
+              </a:solidFill>
+              <a:latin typeface="Arial"/>
+              <a:ea typeface="Noto Sans CJK SC"/>
+            </a:endParaRPr>
+          </a:p>
+          <a:p>
+            <a:pPr marL="864000" defTabSz="914400">
+              <a:lnSpc>
+                <a:spcPct val="100000"/>
+              </a:lnSpc>
+              <a:buClr>
+                <a:srgbClr val="000000"/>
+              </a:buClr>
+              <a:buFont typeface="Symbol" charset="2"/>
+              <a:buChar char=""/>
+              <a:tabLst>
+                <a:tab algn="l" pos="0"/>
+              </a:tabLst>
+            </a:pPr>
+            <a:r>
+              <a:rPr b="0" lang="en-US" sz="1000" spc="-1" strike="noStrike">
+                <a:solidFill>
+                  <a:srgbClr val="000000"/>
+                </a:solidFill>
+                <a:latin typeface="Arial"/>
+                <a:ea typeface="Noto Sans CJK SC"/>
+              </a:rPr>
+              <a:t>sudo docker compose -f docker-compose.dev.yml build (construim imaginile pe baza socker-compose.dev.yml)</a:t>
+            </a:r>
+            <a:endParaRPr b="0" lang="en-US" sz="1000" spc="-1" strike="noStrike">
+              <a:solidFill>
+                <a:srgbClr val="000000"/>
+              </a:solidFill>
+              <a:latin typeface="Arial"/>
+              <a:ea typeface="Noto Sans CJK SC"/>
+            </a:endParaRPr>
+          </a:p>
+          <a:p>
+            <a:pPr marL="864000" defTabSz="914400">
+              <a:lnSpc>
+                <a:spcPct val="100000"/>
+              </a:lnSpc>
+              <a:buClr>
+                <a:srgbClr val="000000"/>
+              </a:buClr>
+              <a:buFont typeface="Symbol" charset="2"/>
+              <a:buChar char=""/>
+              <a:tabLst>
+                <a:tab algn="l" pos="0"/>
+              </a:tabLst>
+            </a:pPr>
+            <a:r>
+              <a:rPr b="0" lang="en-US" sz="1000" spc="-1" strike="noStrike">
+                <a:solidFill>
+                  <a:srgbClr val="000000"/>
+                </a:solidFill>
+                <a:latin typeface="Arial"/>
+                <a:ea typeface="Noto Sans CJK SC"/>
+              </a:rPr>
+              <a:t>sudo docker compose -f docker-compose.prod.yml up (rulam)</a:t>
+            </a:r>
+            <a:endParaRPr b="0" lang="en-US" sz="1000" spc="-1" strike="noStrike">
+              <a:solidFill>
+                <a:srgbClr val="000000"/>
+              </a:solidFill>
+              <a:latin typeface="Arial"/>
+              <a:ea typeface="Noto Sans CJK SC"/>
+            </a:endParaRPr>
+          </a:p>
+          <a:p>
+            <a:pPr marL="864000" defTabSz="914400">
+              <a:lnSpc>
+                <a:spcPct val="100000"/>
+              </a:lnSpc>
+              <a:buClr>
+                <a:srgbClr val="000000"/>
+              </a:buClr>
+              <a:buFont typeface="Symbol" charset="2"/>
+              <a:buChar char=""/>
+              <a:tabLst>
+                <a:tab algn="l" pos="0"/>
+              </a:tabLst>
+            </a:pPr>
+            <a:endParaRPr b="0" lang="en-US" sz="1000" spc="-1" strike="noStrike">
+              <a:solidFill>
+                <a:srgbClr val="000000"/>
+              </a:solidFill>
+              <a:latin typeface="Arial"/>
+              <a:ea typeface="Noto Sans CJK SC"/>
+            </a:endParaRPr>
+          </a:p>
+        </p:txBody>
+      </p:sp>
+      <p:sp>
+        <p:nvSpPr>
+          <p:cNvPr id="129" name="PlaceHolder 10"/>
+          <p:cNvSpPr txBox="1"/>
+          <p:nvPr/>
+        </p:nvSpPr>
+        <p:spPr>
+          <a:xfrm>
+            <a:off x="488520" y="4808880"/>
+            <a:ext cx="9069840" cy="730080"/>
+          </a:xfrm>
+          <a:prstGeom prst="rect">
+            <a:avLst/>
+          </a:prstGeom>
+          <a:solidFill>
+            <a:srgbClr val="d4ea6b"/>
+          </a:solidFill>
+          <a:ln w="0">
+            <a:noFill/>
+          </a:ln>
+        </p:spPr>
+        <p:txBody>
+          <a:bodyPr lIns="0" rIns="0" tIns="0" bIns="0" anchor="t">
+            <a:normAutofit/>
+          </a:bodyPr>
           <a:p>
             <a:pPr marL="432000" indent="-324000" defTabSz="914400">
               <a:lnSpc>
                 <a:spcPct val="100000"/>
               </a:lnSpc>
-              <a:spcBef>
-                <a:spcPts val="1417"/>
-              </a:spcBef>
               <a:buClr>
                 <a:srgbClr val="000000"/>
               </a:buClr>
               <a:buSzPct val="45000"/>
               <a:buFont typeface="Wingdings" charset="2"/>
-              <a:buChar char=""/>
-            </a:pPr>
-            <a:r>
-              <a:rPr b="0" lang="en-US" sz="1400" spc="-1" strike="noStrike">
-                <a:solidFill>
-                  <a:srgbClr val="000000"/>
-                </a:solidFill>
-                <a:latin typeface="Arial"/>
-                <a:ea typeface="DejaVu Sans"/>
-              </a:rPr>
-              <a:t>Folosirea unui nginx server pentru DNS forwarding si </a:t>
-            </a:r>
-            <a:endParaRPr b="0" lang="en-US" sz="1400" spc="-1" strike="noStrike">
-              <a:solidFill>
-                <a:srgbClr val="000000"/>
-              </a:solidFill>
-              <a:latin typeface="Arial"/>
-            </a:endParaRPr>
-          </a:p>
-          <a:p>
-            <a:pPr marL="864000" indent="0" defTabSz="914400">
-              <a:lnSpc>
-                <a:spcPct val="100000"/>
-              </a:lnSpc>
-              <a:spcBef>
-                <a:spcPts val="1191"/>
-              </a:spcBef>
-              <a:spcAft>
-                <a:spcPts val="992"/>
-              </a:spcAft>
-              <a:buNone/>
-              <a:tabLst>
-                <a:tab algn="l" pos="0"/>
-              </a:tabLst>
+              <a:buChar char=""/>
+            </a:pPr>
+            <a:endParaRPr b="0" lang="en-US" sz="1000" spc="-1" strike="noStrike">
+              <a:solidFill>
+                <a:srgbClr val="000000"/>
+              </a:solidFill>
+              <a:latin typeface="Arial"/>
+              <a:ea typeface="Noto Sans CJK SC"/>
+            </a:endParaRPr>
+          </a:p>
+          <a:p>
+            <a:pPr marL="864000" defTabSz="914400">
+              <a:lnSpc>
+                <a:spcPct val="100000"/>
+              </a:lnSpc>
+              <a:buClr>
+                <a:srgbClr val="000000"/>
+              </a:buClr>
+              <a:buFont typeface="Symbol" charset="2"/>
+              <a:buChar char=""/>
+              <a:tabLst>
+                <a:tab algn="l" pos="0"/>
+              </a:tabLst>
+            </a:pPr>
+            <a:r>
+              <a:rPr b="0" lang="en-US" sz="1000" spc="-1" strike="noStrike">
+                <a:solidFill>
+                  <a:srgbClr val="000000"/>
+                </a:solidFill>
+                <a:latin typeface="Arial"/>
+                <a:ea typeface="Noto Sans CJK SC"/>
+              </a:rPr>
+              <a:t>git clone https://github.com/hohagigi/FinalProjectSDA_HOHA.git </a:t>
+            </a:r>
+            <a:endParaRPr b="0" lang="en-US" sz="1000" spc="-1" strike="noStrike">
+              <a:solidFill>
+                <a:srgbClr val="000000"/>
+              </a:solidFill>
+              <a:latin typeface="Arial"/>
+              <a:ea typeface="Noto Sans CJK SC"/>
+            </a:endParaRPr>
+          </a:p>
+          <a:p>
+            <a:pPr marL="864000" defTabSz="914400">
+              <a:lnSpc>
+                <a:spcPct val="100000"/>
+              </a:lnSpc>
+              <a:buClr>
+                <a:srgbClr val="000000"/>
+              </a:buClr>
+              <a:buFont typeface="Symbol" charset="2"/>
+              <a:buChar char=""/>
+              <a:tabLst>
+                <a:tab algn="l" pos="0"/>
+              </a:tabLst>
+            </a:pPr>
+            <a:r>
+              <a:rPr b="0" lang="en-US" sz="1000" spc="-1" strike="noStrike">
+                <a:solidFill>
+                  <a:srgbClr val="000000"/>
+                </a:solidFill>
+                <a:latin typeface="Arial"/>
+                <a:ea typeface="Noto Sans CJK SC"/>
+              </a:rPr>
+              <a:t>docker compose up -d </a:t>
+            </a:r>
+            <a:endParaRPr b="0" lang="en-US" sz="1000" spc="-1" strike="noStrike">
+              <a:solidFill>
+                <a:srgbClr val="000000"/>
+              </a:solidFill>
+              <a:latin typeface="Arial"/>
+              <a:ea typeface="Noto Sans CJK SC"/>
+            </a:endParaRPr>
+          </a:p>
+          <a:p>
+            <a:pPr marL="864000" defTabSz="914400">
+              <a:lnSpc>
+                <a:spcPct val="100000"/>
+              </a:lnSpc>
+              <a:spcBef>
+                <a:spcPts val="57"/>
+              </a:spcBef>
+              <a:buClr>
+                <a:srgbClr val="000000"/>
+              </a:buClr>
+              <a:buFont typeface="Symbol" charset="2"/>
+              <a:buChar char=""/>
+              <a:tabLst>
+                <a:tab algn="l" pos="0"/>
+              </a:tabLst>
+            </a:pPr>
+            <a:r>
+              <a:rPr b="0" lang="en-US" sz="1000" spc="-1" strike="noStrike">
+                <a:solidFill>
+                  <a:srgbClr val="000000"/>
+                </a:solidFill>
+                <a:latin typeface="Arial"/>
+                <a:ea typeface="Noto Sans CJK SC"/>
+              </a:rPr>
+              <a:t>Testarea pe http://localhost:8080</a:t>
+            </a:r>
+            <a:endParaRPr b="0" lang="en-US" sz="1000" spc="-1" strike="noStrike">
+              <a:solidFill>
+                <a:srgbClr val="000000"/>
+              </a:solidFill>
+              <a:latin typeface="Arial"/>
+              <a:ea typeface="Noto Sans CJK SC"/>
+            </a:endParaRPr>
+          </a:p>
+        </p:txBody>
+      </p:sp>
+      <p:sp>
+        <p:nvSpPr>
+          <p:cNvPr id="130" name="PlaceHolder 12"/>
+          <p:cNvSpPr txBox="1"/>
+          <p:nvPr/>
+        </p:nvSpPr>
+        <p:spPr>
+          <a:xfrm>
+            <a:off x="488520" y="4524840"/>
+            <a:ext cx="9069840" cy="284040"/>
+          </a:xfrm>
+          <a:prstGeom prst="rect">
+            <a:avLst/>
+          </a:prstGeom>
+          <a:solidFill>
+            <a:srgbClr val="ff7b59"/>
+          </a:solidFill>
+          <a:ln w="0">
+            <a:noFill/>
+          </a:ln>
+        </p:spPr>
+        <p:txBody>
+          <a:bodyPr lIns="0" rIns="0" tIns="0" bIns="0" anchor="t">
+            <a:normAutofit/>
+          </a:bodyPr>
+          <a:p>
+            <a:pPr marL="432000" indent="-324000" algn="ctr" defTabSz="914400">
+              <a:lnSpc>
+                <a:spcPct val="100000"/>
+              </a:lnSpc>
+              <a:spcBef>
+                <a:spcPts val="283"/>
+              </a:spcBef>
+              <a:buClr>
+                <a:srgbClr val="000000"/>
+              </a:buClr>
+              <a:buSzPct val="45000"/>
+              <a:buFont typeface="Wingdings" charset="2"/>
+              <a:buChar char=""/>
             </a:pPr>
             <a:r>
               <a:rPr b="0" lang="en-US" sz="1600" spc="-1" strike="noStrike">
@@ -12045,7 +12683,7 @@
                 <a:latin typeface="Arial"/>
                 <a:ea typeface="DejaVu Sans"/>
               </a:rPr>
-              <a:t> </a:t>
+              <a:t>TESTAREA PE O PLATFORMA WINDOWS</a:t>
             </a:r>
             <a:endParaRPr b="0" lang="en-US" sz="1600" spc="-1" strike="noStrike">
               <a:solidFill>
@@ -12114,7 +12752,7 @@
         <p:spPr>
           <a:xfrm>
             <a:off x="504000" y="226080"/>
-            <a:ext cx="9069480" cy="325080"/>
+            <a:ext cx="9069120" cy="324720"/>
           </a:xfrm>
           <a:prstGeom prst="rect">
             <a:avLst/>
@@ -12170,7 +12808,7 @@
         <p:spPr>
           <a:xfrm>
             <a:off x="322560" y="756000"/>
-            <a:ext cx="9070200" cy="1488240"/>
+            <a:ext cx="9069840" cy="1487880"/>
           </a:xfrm>
           <a:prstGeom prst="rect">
             <a:avLst/>
@@ -12340,7 +12978,7 @@
         <p:spPr>
           <a:xfrm>
             <a:off x="292320" y="2457720"/>
-            <a:ext cx="8931240" cy="3455280"/>
+            <a:ext cx="8930880" cy="3454920"/>
           </a:xfrm>
           <a:prstGeom prst="rect">
             <a:avLst/>
@@ -13086,6 +13724,433 @@
               <a:t>Venv (din Python)</a:t>
             </a:r>
             <a:endParaRPr b="0" lang="en-US" sz="1200" spc="-1" strike="noStrike">
+              <a:solidFill>
+                <a:srgbClr val="000000"/>
+              </a:solidFill>
+              <a:latin typeface="Arial"/>
+            </a:endParaRPr>
+          </a:p>
+        </p:txBody>
+      </p:sp>
+    </p:spTree>
+  </p:cSld>
+  <mc:AlternateContent>
+    <mc:Choice Requires="p14">
+      <p:transition spd="slow" p14:dur="2000"/>
+    </mc:Choice>
+    <mc:Fallback>
+      <p:transition spd="slow"/>
+    </mc:Fallback>
+  </mc:AlternateContent>
+</p:sld>
+</file>
+
+<file path=ppt/slides/slide20.xml><?xml version="1.0" encoding="utf-8"?>
+<p:sld xmlns:a="http://schemas.openxmlformats.org/drawingml/2006/main" xmlns:p="http://schemas.openxmlformats.org/presentationml/2006/main" xmlns:r="http://schemas.openxmlformats.org/officeDocument/2006/relationships" xmlns:p14="http://schemas.microsoft.com/office/powerpoint/2010/main" xmlns:p15="http://schemas.microsoft.com/office/powerpoint/2012/main" xmlns:mc="http://schemas.openxmlformats.org/markup-compatibility/2006">
+  <p:cSld>
+    <p:bg>
+      <p:bgPr>
+        <a:gradFill rotWithShape="0">
+          <a:gsLst>
+            <a:gs pos="0">
+              <a:srgbClr val="dee6ef"/>
+            </a:gs>
+            <a:gs pos="100000">
+              <a:srgbClr val="729fcf"/>
+            </a:gs>
+          </a:gsLst>
+          <a:lin ang="3600000"/>
+        </a:gradFill>
+      </p:bgPr>
+    </p:bg>
+    <p:spTree>
+      <p:nvGrpSpPr>
+        <p:cNvPr id="1" name=""/>
+        <p:cNvGrpSpPr/>
+        <p:nvPr/>
+      </p:nvGrpSpPr>
+      <p:grpSpPr>
+        <a:xfrm>
+          <a:off x="0" y="0"/>
+          <a:ext cx="0" cy="0"/>
+          <a:chOff x="0" y="0"/>
+          <a:chExt cx="0" cy="0"/>
+        </a:xfrm>
+      </p:grpSpPr>
+      <p:sp>
+        <p:nvSpPr>
+          <p:cNvPr id="131" name="PlaceHolder 1"/>
+          <p:cNvSpPr>
+            <a:spLocks noGrp="1"/>
+          </p:cNvSpPr>
+          <p:nvPr>
+            <p:ph type="title"/>
+          </p:nvPr>
+        </p:nvSpPr>
+        <p:spPr>
+          <a:xfrm>
+            <a:off x="504000" y="226080"/>
+            <a:ext cx="9069120" cy="1108440"/>
+          </a:xfrm>
+          <a:prstGeom prst="rect">
+            <a:avLst/>
+          </a:prstGeom>
+          <a:noFill/>
+          <a:ln w="0">
+            <a:noFill/>
+          </a:ln>
+        </p:spPr>
+        <p:txBody>
+          <a:bodyPr lIns="0" rIns="0" tIns="0" bIns="0" anchor="ctr">
+            <a:noAutofit/>
+          </a:bodyPr>
+          <a:p>
+            <a:pPr marL="571680" indent="-228600" algn="ctr">
+              <a:lnSpc>
+                <a:spcPct val="100000"/>
+              </a:lnSpc>
+              <a:buNone/>
+              <a:tabLst>
+                <a:tab algn="l" pos="0"/>
+              </a:tabLst>
+            </a:pPr>
+            <a:r>
+              <a:rPr b="1" lang="en-US" sz="2100" spc="-1" strike="noStrike">
+                <a:solidFill>
+                  <a:srgbClr val="222222"/>
+                </a:solidFill>
+                <a:latin typeface="Times New Roman"/>
+                <a:ea typeface="Noto Sans CJK SC"/>
+              </a:rPr>
+              <a:t>Planuri de viitor pentru aplicatie</a:t>
+            </a:r>
+            <a:endParaRPr b="0" lang="en-US" sz="2100" spc="-1" strike="noStrike">
+              <a:solidFill>
+                <a:srgbClr val="000000"/>
+              </a:solidFill>
+              <a:latin typeface="Arial"/>
+            </a:endParaRPr>
+          </a:p>
+        </p:txBody>
+      </p:sp>
+      <p:sp>
+        <p:nvSpPr>
+          <p:cNvPr id="132" name="PlaceHolder 2"/>
+          <p:cNvSpPr>
+            <a:spLocks noGrp="1"/>
+          </p:cNvSpPr>
+          <p:nvPr>
+            <p:ph/>
+          </p:nvPr>
+        </p:nvSpPr>
+        <p:spPr>
+          <a:xfrm>
+            <a:off x="504000" y="1729440"/>
+            <a:ext cx="9069840" cy="3356640"/>
+          </a:xfrm>
+          <a:prstGeom prst="rect">
+            <a:avLst/>
+          </a:prstGeom>
+          <a:noFill/>
+          <a:ln w="0">
+            <a:noFill/>
+          </a:ln>
+        </p:spPr>
+        <p:txBody>
+          <a:bodyPr lIns="0" rIns="0" tIns="0" bIns="0" anchor="t">
+            <a:normAutofit fontScale="81111"/>
+          </a:bodyPr>
+          <a:p>
+            <a:pPr marL="432000" indent="-324000" defTabSz="914400">
+              <a:lnSpc>
+                <a:spcPct val="100000"/>
+              </a:lnSpc>
+              <a:spcBef>
+                <a:spcPts val="1417"/>
+              </a:spcBef>
+              <a:buClr>
+                <a:srgbClr val="000000"/>
+              </a:buClr>
+              <a:buSzPct val="45000"/>
+              <a:buFont typeface="Wingdings" charset="2"/>
+              <a:buChar char=""/>
+            </a:pPr>
+            <a:r>
+              <a:rPr b="0" lang="en-US" sz="1400" spc="-1" strike="noStrike">
+                <a:solidFill>
+                  <a:srgbClr val="000000"/>
+                </a:solidFill>
+                <a:latin typeface="Arial"/>
+                <a:ea typeface="DejaVu Sans"/>
+              </a:rPr>
+              <a:t>Creare de modele pentru intervale bine definite de cote (ex: cota castig gazde intre 1.1 si 1.6) si aplicarea lor tot pe aceleasi intervale</a:t>
+            </a:r>
+            <a:endParaRPr b="0" lang="en-US" sz="1400" spc="-1" strike="noStrike">
+              <a:solidFill>
+                <a:srgbClr val="000000"/>
+              </a:solidFill>
+              <a:latin typeface="Arial"/>
+            </a:endParaRPr>
+          </a:p>
+          <a:p>
+            <a:pPr marL="432000" indent="-324000" defTabSz="914400">
+              <a:lnSpc>
+                <a:spcPct val="100000"/>
+              </a:lnSpc>
+              <a:spcBef>
+                <a:spcPts val="1417"/>
+              </a:spcBef>
+              <a:buClr>
+                <a:srgbClr val="000000"/>
+              </a:buClr>
+              <a:buSzPct val="45000"/>
+              <a:buFont typeface="Wingdings" charset="2"/>
+              <a:buChar char=""/>
+            </a:pPr>
+            <a:r>
+              <a:rPr b="0" lang="en-US" sz="1400" spc="-1" strike="noStrike">
+                <a:solidFill>
+                  <a:srgbClr val="000000"/>
+                </a:solidFill>
+                <a:latin typeface="Arial"/>
+                <a:ea typeface="DejaVu Sans"/>
+              </a:rPr>
+              <a:t>Aplicarea inca odata a unui algoritm AI doar pentru inregistrarile care sunt considerate surprize.</a:t>
+            </a:r>
+            <a:endParaRPr b="0" lang="en-US" sz="1400" spc="-1" strike="noStrike">
+              <a:solidFill>
+                <a:srgbClr val="000000"/>
+              </a:solidFill>
+              <a:latin typeface="Arial"/>
+            </a:endParaRPr>
+          </a:p>
+          <a:p>
+            <a:pPr marL="432000" indent="-324000" defTabSz="914400">
+              <a:lnSpc>
+                <a:spcPct val="100000"/>
+              </a:lnSpc>
+              <a:spcBef>
+                <a:spcPts val="1417"/>
+              </a:spcBef>
+              <a:buClr>
+                <a:srgbClr val="000000"/>
+              </a:buClr>
+              <a:buSzPct val="45000"/>
+              <a:buFont typeface="Wingdings" charset="2"/>
+              <a:buChar char=""/>
+            </a:pPr>
+            <a:r>
+              <a:rPr b="0" lang="en-US" sz="1400" spc="-1" strike="noStrike">
+                <a:solidFill>
+                  <a:srgbClr val="000000"/>
+                </a:solidFill>
+                <a:latin typeface="Arial"/>
+                <a:ea typeface="DejaVu Sans"/>
+              </a:rPr>
+              <a:t>Adaptarea functiei piRating </a:t>
+            </a:r>
+            <a:endParaRPr b="0" lang="en-US" sz="1400" spc="-1" strike="noStrike">
+              <a:solidFill>
+                <a:srgbClr val="000000"/>
+              </a:solidFill>
+              <a:latin typeface="Arial"/>
+            </a:endParaRPr>
+          </a:p>
+          <a:p>
+            <a:pPr marL="432000" indent="-324000" defTabSz="914400">
+              <a:lnSpc>
+                <a:spcPct val="100000"/>
+              </a:lnSpc>
+              <a:spcBef>
+                <a:spcPts val="1417"/>
+              </a:spcBef>
+              <a:buClr>
+                <a:srgbClr val="000000"/>
+              </a:buClr>
+              <a:buSzPct val="45000"/>
+              <a:buFont typeface="Wingdings" charset="2"/>
+              <a:buChar char=""/>
+            </a:pPr>
+            <a:r>
+              <a:rPr b="0" lang="en-US" sz="1400" spc="-1" strike="noStrike">
+                <a:solidFill>
+                  <a:srgbClr val="000000"/>
+                </a:solidFill>
+                <a:latin typeface="Arial"/>
+                <a:ea typeface="DejaVu Sans"/>
+              </a:rPr>
+              <a:t>Documentarea din studii legate de predictia rezultatelor sportive folosind algoritmi de ML precum:</a:t>
+            </a:r>
+            <a:endParaRPr b="0" lang="en-US" sz="1400" spc="-1" strike="noStrike">
+              <a:solidFill>
+                <a:srgbClr val="000000"/>
+              </a:solidFill>
+              <a:latin typeface="Arial"/>
+            </a:endParaRPr>
+          </a:p>
+          <a:p>
+            <a:pPr lvl="1" marL="864000" indent="-324000" defTabSz="914400">
+              <a:lnSpc>
+                <a:spcPct val="100000"/>
+              </a:lnSpc>
+              <a:spcBef>
+                <a:spcPts val="1191"/>
+              </a:spcBef>
+              <a:spcAft>
+                <a:spcPts val="992"/>
+              </a:spcAft>
+              <a:buClr>
+                <a:srgbClr val="000000"/>
+              </a:buClr>
+              <a:buSzPct val="75000"/>
+              <a:buFont typeface="Wingdings" charset="2"/>
+              <a:buChar char=""/>
+            </a:pPr>
+            <a:r>
+              <a:rPr b="0" lang="en-US" sz="1400" spc="-1" strike="noStrike">
+                <a:solidFill>
+                  <a:srgbClr val="000000"/>
+                </a:solidFill>
+                <a:latin typeface="Arial"/>
+                <a:ea typeface="DejaVu Sans"/>
+              </a:rPr>
+              <a:t>Incorporating domain knowledge in machine learning for soccer outcome prediction</a:t>
+            </a:r>
+            <a:r>
+              <a:rPr b="0" lang="en-US" sz="1400" spc="-1" strike="noStrike" u="sng">
+                <a:solidFill>
+                  <a:srgbClr val="0000ee"/>
+                </a:solidFill>
+                <a:uFillTx/>
+                <a:latin typeface="Arial"/>
+                <a:ea typeface="DejaVu Sans"/>
+                <a:hlinkClick r:id="rId1"/>
+              </a:rPr>
+              <a:t>https://link.springer.com/article/10.1007/s10994-018-5747-8</a:t>
+            </a:r>
+            <a:r>
+              <a:rPr b="0" lang="en-US" sz="1400" spc="-1" strike="noStrike">
+                <a:solidFill>
+                  <a:srgbClr val="000000"/>
+                </a:solidFill>
+                <a:latin typeface="Arial"/>
+                <a:ea typeface="DejaVu Sans"/>
+              </a:rPr>
+              <a:t> </a:t>
+            </a:r>
+            <a:endParaRPr b="0" lang="en-US" sz="1400" spc="-1" strike="noStrike">
+              <a:solidFill>
+                <a:srgbClr val="000000"/>
+              </a:solidFill>
+              <a:latin typeface="Arial"/>
+            </a:endParaRPr>
+          </a:p>
+          <a:p>
+            <a:pPr lvl="1" marL="864000" indent="-324000" defTabSz="914400">
+              <a:lnSpc>
+                <a:spcPct val="100000"/>
+              </a:lnSpc>
+              <a:spcBef>
+                <a:spcPts val="1191"/>
+              </a:spcBef>
+              <a:spcAft>
+                <a:spcPts val="992"/>
+              </a:spcAft>
+              <a:buClr>
+                <a:srgbClr val="000000"/>
+              </a:buClr>
+              <a:buSzPct val="75000"/>
+              <a:buFont typeface="Wingdings" charset="2"/>
+              <a:buChar char=""/>
+            </a:pPr>
+            <a:r>
+              <a:rPr b="0" lang="en-US" sz="1400" spc="-1" strike="noStrike">
+                <a:solidFill>
+                  <a:srgbClr val="000000"/>
+                </a:solidFill>
+                <a:latin typeface="Arial"/>
+                <a:ea typeface="DejaVu Sans"/>
+              </a:rPr>
+              <a:t>Data-driven prediction of soccer outcomes using enhanced machine and deep learning techniques </a:t>
+            </a:r>
+            <a:r>
+              <a:rPr b="0" lang="en-US" sz="1400" spc="-1" strike="noStrike" u="sng">
+                <a:solidFill>
+                  <a:srgbClr val="0000ee"/>
+                </a:solidFill>
+                <a:uFillTx/>
+                <a:latin typeface="Arial"/>
+                <a:ea typeface="DejaVu Sans"/>
+                <a:hlinkClick r:id="rId2"/>
+              </a:rPr>
+              <a:t>https://link.springer.com/article/10.1186/s40537-024-01008-2</a:t>
+            </a:r>
+            <a:endParaRPr b="0" lang="en-US" sz="1400" spc="-1" strike="noStrike">
+              <a:solidFill>
+                <a:srgbClr val="000000"/>
+              </a:solidFill>
+              <a:latin typeface="Arial"/>
+            </a:endParaRPr>
+          </a:p>
+          <a:p>
+            <a:pPr marL="432000" indent="-324000" defTabSz="914400">
+              <a:lnSpc>
+                <a:spcPct val="100000"/>
+              </a:lnSpc>
+              <a:spcBef>
+                <a:spcPts val="1417"/>
+              </a:spcBef>
+              <a:buClr>
+                <a:srgbClr val="000000"/>
+              </a:buClr>
+              <a:buSzPct val="45000"/>
+              <a:buFont typeface="Wingdings" charset="2"/>
+              <a:buChar char=""/>
+            </a:pPr>
+            <a:r>
+              <a:rPr b="0" lang="en-US" sz="1400" spc="-1" strike="noStrike">
+                <a:solidFill>
+                  <a:srgbClr val="000000"/>
+                </a:solidFill>
+                <a:latin typeface="Arial"/>
+                <a:ea typeface="DejaVu Sans"/>
+              </a:rPr>
+              <a:t>Folosirea unui nginx server pentru DNS forwarding si </a:t>
+            </a:r>
+            <a:endParaRPr b="0" lang="en-US" sz="1400" spc="-1" strike="noStrike">
+              <a:solidFill>
+                <a:srgbClr val="000000"/>
+              </a:solidFill>
+              <a:latin typeface="Arial"/>
+            </a:endParaRPr>
+          </a:p>
+          <a:p>
+            <a:pPr marL="864000" indent="0" defTabSz="914400">
+              <a:lnSpc>
+                <a:spcPct val="100000"/>
+              </a:lnSpc>
+              <a:spcBef>
+                <a:spcPts val="1191"/>
+              </a:spcBef>
+              <a:spcAft>
+                <a:spcPts val="992"/>
+              </a:spcAft>
+              <a:buNone/>
+              <a:tabLst>
+                <a:tab algn="l" pos="0"/>
+              </a:tabLst>
+            </a:pPr>
+            <a:r>
+              <a:rPr b="0" lang="en-US" sz="1600" spc="-1" strike="noStrike">
+                <a:solidFill>
+                  <a:srgbClr val="000000"/>
+                </a:solidFill>
+                <a:latin typeface="Arial"/>
+                <a:ea typeface="DejaVu Sans"/>
+              </a:rPr>
+              <a:t> </a:t>
+            </a:r>
+            <a:endParaRPr b="0" lang="en-US" sz="1600" spc="-1" strike="noStrike">
               <a:solidFill>
                 <a:srgbClr val="000000"/>
               </a:solidFill>
@@ -13152,7 +14217,7 @@
         <p:spPr>
           <a:xfrm>
             <a:off x="504000" y="226080"/>
-            <a:ext cx="9069480" cy="583920"/>
+            <a:ext cx="9069120" cy="583560"/>
           </a:xfrm>
           <a:prstGeom prst="rect">
             <a:avLst/>
@@ -13208,7 +14273,7 @@
         <p:spPr>
           <a:xfrm>
             <a:off x="504000" y="902520"/>
-            <a:ext cx="9070200" cy="4259160"/>
+            <a:ext cx="9069840" cy="4258800"/>
           </a:xfrm>
           <a:prstGeom prst="rect">
             <a:avLst/>
@@ -13568,7 +14633,7 @@
         <p:spPr>
           <a:xfrm>
             <a:off x="504000" y="226080"/>
-            <a:ext cx="9069480" cy="944280"/>
+            <a:ext cx="9069120" cy="943920"/>
           </a:xfrm>
           <a:prstGeom prst="rect">
             <a:avLst/>
@@ -13624,7 +14689,7 @@
         <p:spPr>
           <a:xfrm>
             <a:off x="397080" y="1273680"/>
-            <a:ext cx="9435240" cy="4113360"/>
+            <a:ext cx="9434880" cy="4113000"/>
           </a:xfrm>
           <a:prstGeom prst="rect">
             <a:avLst/>
@@ -14125,7 +15190,7 @@
         <p:spPr>
           <a:xfrm>
             <a:off x="504000" y="226080"/>
-            <a:ext cx="9069480" cy="944280"/>
+            <a:ext cx="9069120" cy="943920"/>
           </a:xfrm>
           <a:prstGeom prst="rect">
             <a:avLst/>
@@ -14180,7 +15245,7 @@
         <p:spPr>
           <a:xfrm>
             <a:off x="345240" y="1126080"/>
-            <a:ext cx="9070200" cy="4181040"/>
+            <a:ext cx="9069840" cy="4180680"/>
           </a:xfrm>
           <a:prstGeom prst="rect">
             <a:avLst/>
@@ -14670,7 +15735,7 @@
         <p:spPr>
           <a:xfrm>
             <a:off x="504000" y="226080"/>
-            <a:ext cx="9069480" cy="645480"/>
+            <a:ext cx="9069120" cy="645120"/>
           </a:xfrm>
           <a:prstGeom prst="rect">
             <a:avLst/>
@@ -14743,7 +15808,7 @@
         <p:spPr>
           <a:xfrm>
             <a:off x="504000" y="917280"/>
-            <a:ext cx="9070200" cy="4575600"/>
+            <a:ext cx="9069840" cy="4575240"/>
           </a:xfrm>
           <a:prstGeom prst="rect">
             <a:avLst/>
@@ -15434,7 +16499,7 @@
         <p:spPr>
           <a:xfrm>
             <a:off x="549360" y="264600"/>
-            <a:ext cx="9069480" cy="626040"/>
+            <a:ext cx="9069120" cy="625680"/>
           </a:xfrm>
           <a:prstGeom prst="rect">
             <a:avLst/>
@@ -15489,7 +16554,7 @@
         <p:spPr>
           <a:xfrm>
             <a:off x="504000" y="891720"/>
-            <a:ext cx="8921520" cy="331560"/>
+            <a:ext cx="8921160" cy="331200"/>
           </a:xfrm>
           <a:prstGeom prst="rect">
             <a:avLst/>
@@ -15557,7 +16622,7 @@
         <p:spPr>
           <a:xfrm>
             <a:off x="196560" y="1406520"/>
-            <a:ext cx="9584280" cy="3974760"/>
+            <a:ext cx="9583920" cy="3974400"/>
           </a:xfrm>
           <a:prstGeom prst="rect">
             <a:avLst/>
@@ -16379,7 +17444,7 @@
         <p:spPr>
           <a:xfrm>
             <a:off x="549360" y="264600"/>
-            <a:ext cx="9069480" cy="626040"/>
+            <a:ext cx="9069120" cy="625680"/>
           </a:xfrm>
           <a:prstGeom prst="rect">
             <a:avLst/>
@@ -16434,7 +17499,7 @@
         <p:spPr>
           <a:xfrm>
             <a:off x="504000" y="891720"/>
-            <a:ext cx="9156240" cy="475920"/>
+            <a:ext cx="9155880" cy="475560"/>
           </a:xfrm>
           <a:prstGeom prst="rect">
             <a:avLst/>
@@ -16492,7 +17557,7 @@
         <p:spPr>
           <a:xfrm>
             <a:off x="196560" y="1406520"/>
-            <a:ext cx="9584280" cy="3974760"/>
+            <a:ext cx="9583920" cy="3974400"/>
           </a:xfrm>
           <a:prstGeom prst="rect">
             <a:avLst/>
@@ -16541,7 +17606,7 @@
         <p:spPr>
           <a:xfrm>
             <a:off x="1294560" y="1512000"/>
-            <a:ext cx="7216560" cy="4056840"/>
+            <a:ext cx="7216200" cy="4056480"/>
           </a:xfrm>
           <a:prstGeom prst="rect">
             <a:avLst/>
@@ -16609,7 +17674,7 @@
         <p:spPr>
           <a:xfrm>
             <a:off x="549360" y="264600"/>
-            <a:ext cx="9069480" cy="626040"/>
+            <a:ext cx="9069120" cy="625680"/>
           </a:xfrm>
           <a:prstGeom prst="rect">
             <a:avLst/>
@@ -16664,7 +17729,7 @@
         <p:spPr>
           <a:xfrm>
             <a:off x="504000" y="891720"/>
-            <a:ext cx="9156240" cy="475920"/>
+            <a:ext cx="9155880" cy="475560"/>
           </a:xfrm>
           <a:prstGeom prst="rect">
             <a:avLst/>
@@ -16722,7 +17787,7 @@
         <p:spPr>
           <a:xfrm>
             <a:off x="196560" y="1406520"/>
-            <a:ext cx="9584280" cy="3974760"/>
+            <a:ext cx="9583920" cy="3974400"/>
           </a:xfrm>
           <a:prstGeom prst="rect">
             <a:avLst/>
@@ -16771,7 +17836,7 @@
         <p:spPr>
           <a:xfrm>
             <a:off x="432720" y="1765440"/>
-            <a:ext cx="9295920" cy="3615840"/>
+            <a:ext cx="9295560" cy="3615480"/>
           </a:xfrm>
           <a:prstGeom prst="rect">
             <a:avLst/>
